--- a/official/WCP52 Gain-Phase Final Presentation.pptx
+++ b/official/WCP52 Gain-Phase Final Presentation.pptx
@@ -6,7 +6,7 @@
     <p:sldMasterId id="2147483666" r:id="rId2"/>
   </p:sldMasterIdLst>
   <p:notesMasterIdLst>
-    <p:notesMasterId r:id="rId21"/>
+    <p:notesMasterId r:id="rId22"/>
   </p:notesMasterIdLst>
   <p:sldIdLst>
     <p:sldId id="256" r:id="rId3"/>
@@ -21,12 +21,13 @@
     <p:sldId id="265" r:id="rId12"/>
     <p:sldId id="266" r:id="rId13"/>
     <p:sldId id="267" r:id="rId14"/>
-    <p:sldId id="268" r:id="rId15"/>
-    <p:sldId id="269" r:id="rId16"/>
-    <p:sldId id="270" r:id="rId17"/>
-    <p:sldId id="271" r:id="rId18"/>
-    <p:sldId id="272" r:id="rId19"/>
-    <p:sldId id="274" r:id="rId20"/>
+    <p:sldId id="275" r:id="rId15"/>
+    <p:sldId id="268" r:id="rId16"/>
+    <p:sldId id="269" r:id="rId17"/>
+    <p:sldId id="270" r:id="rId18"/>
+    <p:sldId id="271" r:id="rId19"/>
+    <p:sldId id="272" r:id="rId20"/>
+    <p:sldId id="274" r:id="rId21"/>
   </p:sldIdLst>
   <p:sldSz cx="9144000" cy="6858000" type="screen4x3"/>
   <p:notesSz cx="6858000" cy="9144000"/>
@@ -1096,6 +1097,120 @@
   <p:cSld>
     <p:spTree>
       <p:nvGrpSpPr>
+        <p:cNvPr id="1" name="Shape 192"/>
+        <p:cNvGrpSpPr/>
+        <p:nvPr/>
+      </p:nvGrpSpPr>
+      <p:grpSpPr>
+        <a:xfrm>
+          <a:off x="0" y="0"/>
+          <a:ext cx="0" cy="0"/>
+          <a:chOff x="0" y="0"/>
+          <a:chExt cx="0" cy="0"/>
+        </a:xfrm>
+      </p:grpSpPr>
+      <p:sp>
+        <p:nvSpPr>
+          <p:cNvPr id="193" name="Shape 193"/>
+          <p:cNvSpPr>
+            <a:spLocks noGrp="1" noRot="1" noChangeAspect="1"/>
+          </p:cNvSpPr>
+          <p:nvPr>
+            <p:ph type="sldImg" idx="2"/>
+          </p:nvPr>
+        </p:nvSpPr>
+        <p:spPr>
+          <a:xfrm>
+            <a:off x="1143000" y="685800"/>
+            <a:ext cx="4572000" cy="3429000"/>
+          </a:xfrm>
+          <a:custGeom>
+            <a:avLst/>
+            <a:gdLst/>
+            <a:ahLst/>
+            <a:cxnLst/>
+            <a:rect l="0" t="0" r="0" b="0"/>
+            <a:pathLst>
+              <a:path w="120000" h="120000" extrusionOk="0">
+                <a:moveTo>
+                  <a:pt x="0" y="0"/>
+                </a:moveTo>
+                <a:lnTo>
+                  <a:pt x="120000" y="0"/>
+                </a:lnTo>
+                <a:lnTo>
+                  <a:pt x="120000" y="120000"/>
+                </a:lnTo>
+                <a:lnTo>
+                  <a:pt x="0" y="120000"/>
+                </a:lnTo>
+                <a:close/>
+              </a:path>
+            </a:pathLst>
+          </a:custGeom>
+          <a:noFill/>
+          <a:ln w="9525" cap="flat">
+            <a:solidFill>
+              <a:srgbClr val="000000"/>
+            </a:solidFill>
+            <a:prstDash val="solid"/>
+            <a:round/>
+            <a:headEnd type="none" w="med" len="med"/>
+            <a:tailEnd type="none" w="med" len="med"/>
+          </a:ln>
+        </p:spPr>
+      </p:sp>
+      <p:sp>
+        <p:nvSpPr>
+          <p:cNvPr id="194" name="Shape 194"/>
+          <p:cNvSpPr txBox="1">
+            <a:spLocks noGrp="1"/>
+          </p:cNvSpPr>
+          <p:nvPr>
+            <p:ph type="body" idx="1"/>
+          </p:nvPr>
+        </p:nvSpPr>
+        <p:spPr>
+          <a:xfrm>
+            <a:off x="685800" y="4343400"/>
+            <a:ext cx="5486399" cy="4114800"/>
+          </a:xfrm>
+          <a:prstGeom prst="rect">
+            <a:avLst/>
+          </a:prstGeom>
+        </p:spPr>
+        <p:txBody>
+          <a:bodyPr lIns="91425" tIns="91425" rIns="91425" bIns="91425" anchor="t" anchorCtr="0">
+            <a:noAutofit/>
+          </a:bodyPr>
+          <a:lstStyle/>
+          <a:p>
+            <a:pPr>
+              <a:spcBef>
+                <a:spcPts val="0"/>
+              </a:spcBef>
+              <a:buNone/>
+            </a:pPr>
+            <a:r>
+              <a:rPr lang="en"/>
+              <a:t>Harrison</a:t>
+            </a:r>
+          </a:p>
+        </p:txBody>
+      </p:sp>
+    </p:spTree>
+  </p:cSld>
+  <p:clrMapOvr>
+    <a:masterClrMapping/>
+  </p:clrMapOvr>
+</p:notes>
+</file>
+
+<file path=ppt/notesSlides/notesSlide15.xml><?xml version="1.0" encoding="utf-8"?>
+<p:notes xmlns:a="http://schemas.openxmlformats.org/drawingml/2006/main" xmlns:r="http://schemas.openxmlformats.org/officeDocument/2006/relationships" xmlns:p="http://schemas.openxmlformats.org/presentationml/2006/main" showMasterSp="0" showMasterPhAnim="0">
+  <p:cSld>
+    <p:spTree>
+      <p:nvGrpSpPr>
         <p:cNvPr id="1" name="Shape 198"/>
         <p:cNvGrpSpPr/>
         <p:nvPr/>
@@ -1205,7 +1320,7 @@
 </p:notes>
 </file>
 
-<file path=ppt/notesSlides/notesSlide15.xml><?xml version="1.0" encoding="utf-8"?>
+<file path=ppt/notesSlides/notesSlide16.xml><?xml version="1.0" encoding="utf-8"?>
 <p:notes xmlns:a="http://schemas.openxmlformats.org/drawingml/2006/main" xmlns:r="http://schemas.openxmlformats.org/officeDocument/2006/relationships" xmlns:p="http://schemas.openxmlformats.org/presentationml/2006/main" showMasterSp="0" showMasterPhAnim="0">
   <p:cSld>
     <p:spTree>
@@ -1319,7 +1434,7 @@
 </p:notes>
 </file>
 
-<file path=ppt/notesSlides/notesSlide16.xml><?xml version="1.0" encoding="utf-8"?>
+<file path=ppt/notesSlides/notesSlide17.xml><?xml version="1.0" encoding="utf-8"?>
 <p:notes xmlns:a="http://schemas.openxmlformats.org/drawingml/2006/main" xmlns:r="http://schemas.openxmlformats.org/officeDocument/2006/relationships" xmlns:p="http://schemas.openxmlformats.org/presentationml/2006/main" showMasterSp="0" showMasterPhAnim="0">
   <p:cSld>
     <p:spTree>
@@ -1433,7 +1548,7 @@
 </p:notes>
 </file>
 
-<file path=ppt/notesSlides/notesSlide17.xml><?xml version="1.0" encoding="utf-8"?>
+<file path=ppt/notesSlides/notesSlide18.xml><?xml version="1.0" encoding="utf-8"?>
 <p:notes xmlns:a="http://schemas.openxmlformats.org/drawingml/2006/main" xmlns:r="http://schemas.openxmlformats.org/officeDocument/2006/relationships" xmlns:p="http://schemas.openxmlformats.org/presentationml/2006/main" showMasterSp="0" showMasterPhAnim="0">
   <p:cSld>
     <p:spTree>
@@ -1547,7 +1662,7 @@
 </p:notes>
 </file>
 
-<file path=ppt/notesSlides/notesSlide18.xml><?xml version="1.0" encoding="utf-8"?>
+<file path=ppt/notesSlides/notesSlide19.xml><?xml version="1.0" encoding="utf-8"?>
 <p:notes xmlns:a="http://schemas.openxmlformats.org/drawingml/2006/main" xmlns:r="http://schemas.openxmlformats.org/officeDocument/2006/relationships" xmlns:p="http://schemas.openxmlformats.org/presentationml/2006/main" showMasterSp="0" showMasterPhAnim="0">
   <p:cSld>
     <p:spTree>
@@ -12345,6 +12460,204 @@
           <a:chExt cx="0" cy="0"/>
         </a:xfrm>
       </p:grpSpPr>
+      <p:pic>
+        <p:nvPicPr>
+          <p:cNvPr id="4" name="Picture 3"/>
+          <p:cNvPicPr>
+            <a:picLocks noChangeAspect="1"/>
+          </p:cNvPicPr>
+          <p:nvPr/>
+        </p:nvPicPr>
+        <p:blipFill>
+          <a:blip r:embed="rId3">
+            <a:extLst>
+              <a:ext uri="{28A0092B-C50C-407E-A947-70E740481C1C}">
+                <a14:useLocalDpi xmlns:a14="http://schemas.microsoft.com/office/drawing/2010/main" val="0"/>
+              </a:ext>
+            </a:extLst>
+          </a:blip>
+          <a:stretch>
+            <a:fillRect/>
+          </a:stretch>
+        </p:blipFill>
+        <p:spPr>
+          <a:xfrm>
+            <a:off x="-125506" y="-1518954"/>
+            <a:ext cx="9296400" cy="8916452"/>
+          </a:xfrm>
+          <a:prstGeom prst="rect">
+            <a:avLst/>
+          </a:prstGeom>
+        </p:spPr>
+      </p:pic>
+      <p:sp>
+        <p:nvSpPr>
+          <p:cNvPr id="188" name="Shape 188"/>
+          <p:cNvSpPr txBox="1"/>
+          <p:nvPr/>
+        </p:nvSpPr>
+        <p:spPr>
+          <a:xfrm>
+            <a:off x="646200" y="2747873"/>
+            <a:ext cx="785999" cy="191399"/>
+          </a:xfrm>
+          <a:prstGeom prst="rect">
+            <a:avLst/>
+          </a:prstGeom>
+          <a:noFill/>
+          <a:ln>
+            <a:noFill/>
+          </a:ln>
+        </p:spPr>
+        <p:txBody>
+          <a:bodyPr lIns="91425" tIns="91425" rIns="91425" bIns="91425" anchor="t" anchorCtr="0">
+            <a:noAutofit/>
+          </a:bodyPr>
+          <a:lstStyle/>
+          <a:p>
+            <a:pPr>
+              <a:spcBef>
+                <a:spcPts val="0"/>
+              </a:spcBef>
+              <a:buNone/>
+            </a:pPr>
+            <a:endParaRPr sz="600" b="1"/>
+          </a:p>
+        </p:txBody>
+      </p:sp>
+      <p:sp>
+        <p:nvSpPr>
+          <p:cNvPr id="189" name="Shape 189"/>
+          <p:cNvSpPr txBox="1"/>
+          <p:nvPr/>
+        </p:nvSpPr>
+        <p:spPr>
+          <a:xfrm>
+            <a:off x="8261025" y="2817733"/>
+            <a:ext cx="812100" cy="291299"/>
+          </a:xfrm>
+          <a:prstGeom prst="rect">
+            <a:avLst/>
+          </a:prstGeom>
+          <a:noFill/>
+          <a:ln>
+            <a:noFill/>
+          </a:ln>
+        </p:spPr>
+        <p:txBody>
+          <a:bodyPr lIns="91425" tIns="91425" rIns="91425" bIns="91425" anchor="t" anchorCtr="0">
+            <a:noAutofit/>
+          </a:bodyPr>
+          <a:lstStyle/>
+          <a:p>
+            <a:pPr rtl="0">
+              <a:spcBef>
+                <a:spcPts val="0"/>
+              </a:spcBef>
+              <a:buNone/>
+            </a:pPr>
+            <a:endParaRPr sz="600" b="1"/>
+          </a:p>
+          <a:p>
+            <a:pPr>
+              <a:spcBef>
+                <a:spcPts val="0"/>
+              </a:spcBef>
+              <a:buNone/>
+            </a:pPr>
+            <a:endParaRPr sz="600" b="1"/>
+          </a:p>
+        </p:txBody>
+      </p:sp>
+      <p:sp>
+        <p:nvSpPr>
+          <p:cNvPr id="190" name="Shape 190"/>
+          <p:cNvSpPr txBox="1">
+            <a:spLocks noGrp="1"/>
+          </p:cNvSpPr>
+          <p:nvPr>
+            <p:ph type="title"/>
+          </p:nvPr>
+        </p:nvSpPr>
+        <p:spPr>
+          <a:xfrm>
+            <a:off x="0" y="-152400"/>
+            <a:ext cx="8686799" cy="838200"/>
+          </a:xfrm>
+          <a:prstGeom prst="rect">
+            <a:avLst/>
+          </a:prstGeom>
+        </p:spPr>
+        <p:txBody>
+          <a:bodyPr lIns="91425" tIns="91425" rIns="91425" bIns="91425" anchor="b" anchorCtr="0">
+            <a:noAutofit/>
+          </a:bodyPr>
+          <a:lstStyle/>
+          <a:p>
+            <a:pPr lvl="0" rtl="0">
+              <a:spcBef>
+                <a:spcPts val="0"/>
+              </a:spcBef>
+              <a:buNone/>
+            </a:pPr>
+            <a:r>
+              <a:rPr lang="en" dirty="0" smtClean="0">
+                <a:solidFill>
+                  <a:srgbClr val="006A4D"/>
+                </a:solidFill>
+                <a:latin typeface="HelveticaNeueLT Pro 55 Roman" pitchFamily="34" charset="0"/>
+              </a:rPr>
+              <a:t>Design — PCB</a:t>
+            </a:r>
+            <a:endParaRPr lang="en" dirty="0">
+              <a:solidFill>
+                <a:srgbClr val="006A4D"/>
+              </a:solidFill>
+              <a:latin typeface="HelveticaNeueLT Pro 55 Roman" pitchFamily="34" charset="0"/>
+            </a:endParaRPr>
+          </a:p>
+        </p:txBody>
+      </p:sp>
+    </p:spTree>
+    <p:extLst>
+      <p:ext uri="{BB962C8B-B14F-4D97-AF65-F5344CB8AC3E}">
+        <p14:creationId xmlns:p14="http://schemas.microsoft.com/office/powerpoint/2010/main" val="683692452"/>
+      </p:ext>
+    </p:extLst>
+  </p:cSld>
+  <p:clrMapOvr>
+    <a:masterClrMapping/>
+  </p:clrMapOvr>
+  <p:transition spd="slow">
+    <p:cut/>
+  </p:transition>
+  <p:timing>
+    <p:tnLst>
+      <p:par>
+        <p:cTn id="1" dur="indefinite" restart="never" nodeType="tmRoot"/>
+      </p:par>
+    </p:tnLst>
+  </p:timing>
+</p:sld>
+</file>
+
+<file path=ppt/slides/slide14.xml><?xml version="1.0" encoding="utf-8"?>
+<p:sld xmlns:a="http://schemas.openxmlformats.org/drawingml/2006/main" xmlns:r="http://schemas.openxmlformats.org/officeDocument/2006/relationships" xmlns:p="http://schemas.openxmlformats.org/presentationml/2006/main">
+  <p:cSld>
+    <p:spTree>
+      <p:nvGrpSpPr>
+        <p:cNvPr id="1" name="Shape 187"/>
+        <p:cNvGrpSpPr/>
+        <p:nvPr/>
+      </p:nvGrpSpPr>
+      <p:grpSpPr>
+        <a:xfrm>
+          <a:off x="0" y="0"/>
+          <a:ext cx="0" cy="0"/>
+          <a:chOff x="0" y="0"/>
+          <a:chExt cx="0" cy="0"/>
+        </a:xfrm>
+      </p:grpSpPr>
       <p:sp>
         <p:nvSpPr>
           <p:cNvPr id="188" name="Shape 188"/>
@@ -12513,7 +12826,7 @@
 </p:sld>
 </file>
 
-<file path=ppt/slides/slide14.xml><?xml version="1.0" encoding="utf-8"?>
+<file path=ppt/slides/slide15.xml><?xml version="1.0" encoding="utf-8"?>
 <p:sld xmlns:a="http://schemas.openxmlformats.org/drawingml/2006/main" xmlns:r="http://schemas.openxmlformats.org/officeDocument/2006/relationships" xmlns:p="http://schemas.openxmlformats.org/presentationml/2006/main">
   <p:cSld>
     <p:spTree>
@@ -13238,7 +13551,7 @@
 </p:sld>
 </file>
 
-<file path=ppt/slides/slide15.xml><?xml version="1.0" encoding="utf-8"?>
+<file path=ppt/slides/slide16.xml><?xml version="1.0" encoding="utf-8"?>
 <p:sld xmlns:a="http://schemas.openxmlformats.org/drawingml/2006/main" xmlns:r="http://schemas.openxmlformats.org/officeDocument/2006/relationships" xmlns:p="http://schemas.openxmlformats.org/presentationml/2006/main">
   <p:cSld>
     <p:spTree>
@@ -14304,7 +14617,7 @@
 </p:sld>
 </file>
 
-<file path=ppt/slides/slide16.xml><?xml version="1.0" encoding="utf-8"?>
+<file path=ppt/slides/slide17.xml><?xml version="1.0" encoding="utf-8"?>
 <p:sld xmlns:a="http://schemas.openxmlformats.org/drawingml/2006/main" xmlns:r="http://schemas.openxmlformats.org/officeDocument/2006/relationships" xmlns:p="http://schemas.openxmlformats.org/presentationml/2006/main">
   <p:cSld>
     <p:spTree>
@@ -14591,7 +14904,7 @@
 </p:sld>
 </file>
 
-<file path=ppt/slides/slide17.xml><?xml version="1.0" encoding="utf-8"?>
+<file path=ppt/slides/slide18.xml><?xml version="1.0" encoding="utf-8"?>
 <p:sld xmlns:a="http://schemas.openxmlformats.org/drawingml/2006/main" xmlns:r="http://schemas.openxmlformats.org/officeDocument/2006/relationships" xmlns:p="http://schemas.openxmlformats.org/presentationml/2006/main">
   <p:cSld>
     <p:spTree>
@@ -14752,7 +15065,7 @@
 </p:sld>
 </file>
 
-<file path=ppt/slides/slide18.xml><?xml version="1.0" encoding="utf-8"?>
+<file path=ppt/slides/slide19.xml><?xml version="1.0" encoding="utf-8"?>
 <p:sld xmlns:a="http://schemas.openxmlformats.org/drawingml/2006/main" xmlns:r="http://schemas.openxmlformats.org/officeDocument/2006/relationships" xmlns:p="http://schemas.openxmlformats.org/presentationml/2006/main">
   <p:cSld>
     <p:spTree>

--- a/official/WCP52 Gain-Phase Final Presentation.pptx
+++ b/official/WCP52 Gain-Phase Final Presentation.pptx
@@ -13618,14 +13618,14 @@
           <p:nvPr>
             <p:extLst>
               <p:ext uri="{D42A27DB-BD31-4B8C-83A1-F6EECF244321}">
-                <p14:modId xmlns:p14="http://schemas.microsoft.com/office/powerpoint/2010/main" val="3578694707"/>
+                <p14:modId xmlns:p14="http://schemas.microsoft.com/office/powerpoint/2010/main" val="2362360140"/>
               </p:ext>
             </p:extLst>
           </p:nvPr>
         </p:nvGraphicFramePr>
         <p:xfrm>
           <a:off x="560862" y="1586083"/>
-          <a:ext cx="8022275" cy="4524585"/>
+          <a:ext cx="8022275" cy="3610265"/>
         </p:xfrm>
         <a:graphic>
           <a:graphicData uri="http://schemas.openxmlformats.org/drawingml/2006/table">
@@ -13761,11 +13761,32 @@
                         <a:buNone/>
                       </a:pPr>
                       <a:r>
-                        <a:rPr lang="en" dirty="0">
+                        <a:rPr lang="en" dirty="0" smtClean="0">
                           <a:latin typeface="HelveticaNeueLT Pro 45 Lt" pitchFamily="34" charset="0"/>
                         </a:rPr>
-                        <a:t>Synthesizer</a:t>
+                        <a:t>Synth.</a:t>
                       </a:r>
+                      <a:r>
+                        <a:rPr lang="en" baseline="0" dirty="0" smtClean="0">
+                          <a:latin typeface="HelveticaNeueLT Pro 45 Lt" pitchFamily="34" charset="0"/>
+                        </a:rPr>
+                        <a:t> </a:t>
+                      </a:r>
+                      <a:r>
+                        <a:rPr lang="en-US" baseline="0" dirty="0" smtClean="0">
+                          <a:latin typeface="HelveticaNeueLT Pro 45 Lt" pitchFamily="34" charset="0"/>
+                        </a:rPr>
+                        <a:t>proto</a:t>
+                      </a:r>
+                      <a:r>
+                        <a:rPr lang="en" baseline="0" dirty="0" smtClean="0">
+                          <a:latin typeface="HelveticaNeueLT Pro 45 Lt" pitchFamily="34" charset="0"/>
+                        </a:rPr>
+                        <a:t>.</a:t>
+                      </a:r>
+                      <a:endParaRPr lang="en" dirty="0">
+                        <a:latin typeface="HelveticaNeueLT Pro 45 Lt" pitchFamily="34" charset="0"/>
+                      </a:endParaRPr>
                     </a:p>
                   </a:txBody>
                   <a:tcPr marL="91425" marR="91425" marT="121900" marB="121900"/>
@@ -13868,11 +13889,14 @@
                         <a:buNone/>
                       </a:pPr>
                       <a:r>
-                        <a:rPr lang="en">
+                        <a:rPr lang="en" dirty="0" smtClean="0">
                           <a:latin typeface="HelveticaNeueLT Pro 45 Lt" pitchFamily="34" charset="0"/>
                         </a:rPr>
-                        <a:t>Input</a:t>
+                        <a:t>Input proto.</a:t>
                       </a:r>
+                      <a:endParaRPr lang="en" dirty="0">
+                        <a:latin typeface="HelveticaNeueLT Pro 45 Lt" pitchFamily="34" charset="0"/>
+                      </a:endParaRPr>
                     </a:p>
                   </a:txBody>
                   <a:tcPr marL="91425" marR="91425" marT="121900" marB="121900"/>
@@ -13889,7 +13913,7 @@
                         <a:buNone/>
                       </a:pPr>
                       <a:r>
-                        <a:rPr lang="en">
+                        <a:rPr lang="en" dirty="0">
                           <a:latin typeface="HelveticaNeueLT Pro 45 Lt" pitchFamily="34" charset="0"/>
                         </a:rPr>
                         <a:t>$70</a:t>
@@ -13931,7 +13955,7 @@
                         <a:buNone/>
                       </a:pPr>
                       <a:r>
-                        <a:rPr lang="en">
+                        <a:rPr lang="en" dirty="0">
                           <a:latin typeface="HelveticaNeueLT Pro 45 Lt" pitchFamily="34" charset="0"/>
                         </a:rPr>
                         <a:t>$0</a:t>
@@ -13952,7 +13976,7 @@
                         <a:buNone/>
                       </a:pPr>
                       <a:r>
-                        <a:rPr lang="en">
+                        <a:rPr lang="en" dirty="0">
                           <a:latin typeface="HelveticaNeueLT Pro 45 Lt" pitchFamily="34" charset="0"/>
                         </a:rPr>
                         <a:t>$70</a:t>
@@ -13975,11 +13999,20 @@
                         <a:buNone/>
                       </a:pPr>
                       <a:r>
-                        <a:rPr lang="en">
+                        <a:rPr lang="en" dirty="0" smtClean="0">
                           <a:latin typeface="HelveticaNeueLT Pro 45 Lt" pitchFamily="34" charset="0"/>
                         </a:rPr>
-                        <a:t>Output amp.</a:t>
+                        <a:t>Amp</a:t>
                       </a:r>
+                      <a:r>
+                        <a:rPr lang="en" baseline="0" dirty="0" smtClean="0">
+                          <a:latin typeface="HelveticaNeueLT Pro 45 Lt" pitchFamily="34" charset="0"/>
+                        </a:rPr>
+                        <a:t> proto.</a:t>
+                      </a:r>
+                      <a:endParaRPr lang="en" dirty="0">
+                        <a:latin typeface="HelveticaNeueLT Pro 45 Lt" pitchFamily="34" charset="0"/>
+                      </a:endParaRPr>
                     </a:p>
                   </a:txBody>
                   <a:tcPr marL="91425" marR="91425" marT="121900" marB="121900"/>
@@ -13996,11 +14029,14 @@
                         <a:buNone/>
                       </a:pPr>
                       <a:r>
-                        <a:rPr lang="en">
+                        <a:rPr lang="en" dirty="0" smtClean="0">
                           <a:latin typeface="HelveticaNeueLT Pro 45 Lt" pitchFamily="34" charset="0"/>
                         </a:rPr>
-                        <a:t>$66</a:t>
+                        <a:t>$91</a:t>
                       </a:r>
+                      <a:endParaRPr lang="en" dirty="0">
+                        <a:latin typeface="HelveticaNeueLT Pro 45 Lt" pitchFamily="34" charset="0"/>
+                      </a:endParaRPr>
                     </a:p>
                   </a:txBody>
                   <a:tcPr marL="91425" marR="91425" marT="121900" marB="121900"/>
@@ -14017,118 +14053,14 @@
                         <a:buNone/>
                       </a:pPr>
                       <a:r>
-                        <a:rPr lang="en">
+                        <a:rPr lang="en" dirty="0" smtClean="0">
                           <a:latin typeface="HelveticaNeueLT Pro 45 Lt" pitchFamily="34" charset="0"/>
                         </a:rPr>
-                        <a:t>$66</a:t>
+                        <a:t>$91</a:t>
                       </a:r>
-                    </a:p>
-                  </a:txBody>
-                  <a:tcPr marL="91425" marR="91425" marT="121900" marB="121900"/>
-                </a:tc>
-                <a:tc>
-                  <a:txBody>
-                    <a:bodyPr/>
-                    <a:lstStyle/>
-                    <a:p>
-                      <a:pPr algn="r">
-                        <a:spcBef>
-                          <a:spcPts val="0"/>
-                        </a:spcBef>
-                        <a:buNone/>
-                      </a:pPr>
-                      <a:r>
-                        <a:rPr lang="en">
-                          <a:latin typeface="HelveticaNeueLT Pro 45 Lt" pitchFamily="34" charset="0"/>
-                        </a:rPr>
-                        <a:t>$0</a:t>
-                      </a:r>
-                    </a:p>
-                  </a:txBody>
-                  <a:tcPr marL="91425" marR="91425" marT="121900" marB="121900"/>
-                </a:tc>
-                <a:tc>
-                  <a:txBody>
-                    <a:bodyPr/>
-                    <a:lstStyle/>
-                    <a:p>
-                      <a:pPr algn="r">
-                        <a:spcBef>
-                          <a:spcPts val="0"/>
-                        </a:spcBef>
-                        <a:buNone/>
-                      </a:pPr>
-                      <a:r>
-                        <a:rPr lang="en">
-                          <a:latin typeface="HelveticaNeueLT Pro 45 Lt" pitchFamily="34" charset="0"/>
-                        </a:rPr>
-                        <a:t>$66</a:t>
-                      </a:r>
-                    </a:p>
-                  </a:txBody>
-                  <a:tcPr marL="91425" marR="91425" marT="121900" marB="121900"/>
-                </a:tc>
-              </a:tr>
-              <a:tr h="285325">
-                <a:tc>
-                  <a:txBody>
-                    <a:bodyPr/>
-                    <a:lstStyle/>
-                    <a:p>
-                      <a:pPr>
-                        <a:spcBef>
-                          <a:spcPts val="0"/>
-                        </a:spcBef>
-                        <a:buNone/>
-                      </a:pPr>
-                      <a:r>
-                        <a:rPr lang="en">
-                          <a:latin typeface="HelveticaNeueLT Pro 45 Lt" pitchFamily="34" charset="0"/>
-                        </a:rPr>
-                        <a:t>Power supply</a:t>
-                      </a:r>
-                    </a:p>
-                  </a:txBody>
-                  <a:tcPr marL="91425" marR="91425" marT="121900" marB="121900"/>
-                </a:tc>
-                <a:tc>
-                  <a:txBody>
-                    <a:bodyPr/>
-                    <a:lstStyle/>
-                    <a:p>
-                      <a:pPr algn="r">
-                        <a:spcBef>
-                          <a:spcPts val="0"/>
-                        </a:spcBef>
-                        <a:buNone/>
-                      </a:pPr>
-                      <a:r>
-                        <a:rPr lang="en">
-                          <a:latin typeface="HelveticaNeueLT Pro 45 Lt" pitchFamily="34" charset="0"/>
-                        </a:rPr>
-                        <a:t>$0</a:t>
-                      </a:r>
-                    </a:p>
-                  </a:txBody>
-                  <a:tcPr marL="91425" marR="91425" marT="121900" marB="121900"/>
-                </a:tc>
-                <a:tc>
-                  <a:txBody>
-                    <a:bodyPr/>
-                    <a:lstStyle/>
-                    <a:p>
-                      <a:pPr algn="r">
-                        <a:spcBef>
-                          <a:spcPts val="0"/>
-                        </a:spcBef>
-                        <a:buNone/>
-                      </a:pPr>
-                      <a:r>
-                        <a:rPr lang="en">
-                          <a:latin typeface="HelveticaNeueLT Pro 45 Lt" pitchFamily="34" charset="0"/>
-                        </a:rPr>
-                        <a:t>$0</a:t>
-                      </a:r>
+                      <a:endParaRPr lang="en" dirty="0">
+                        <a:latin typeface="HelveticaNeueLT Pro 45 Lt" pitchFamily="34" charset="0"/>
+                      </a:endParaRPr>
                     </a:p>
                   </a:txBody>
                   <a:tcPr marL="91425" marR="91425" marT="121900" marB="121900"/>
@@ -14166,17 +14098,20 @@
                         <a:buNone/>
                       </a:pPr>
                       <a:r>
-                        <a:rPr lang="en">
+                        <a:rPr lang="en" dirty="0" smtClean="0">
                           <a:latin typeface="HelveticaNeueLT Pro 45 Lt" pitchFamily="34" charset="0"/>
                         </a:rPr>
-                        <a:t>$0</a:t>
+                        <a:t>$91</a:t>
                       </a:r>
+                      <a:endParaRPr lang="en" dirty="0">
+                        <a:latin typeface="HelveticaNeueLT Pro 45 Lt" pitchFamily="34" charset="0"/>
+                      </a:endParaRPr>
                     </a:p>
                   </a:txBody>
                   <a:tcPr marL="91425" marR="91425" marT="121900" marB="121900"/>
                 </a:tc>
               </a:tr>
-              <a:tr h="299950">
+              <a:tr h="285325">
                 <a:tc>
                   <a:txBody>
                     <a:bodyPr/>
@@ -14189,11 +14124,14 @@
                         <a:buNone/>
                       </a:pPr>
                       <a:r>
-                        <a:rPr lang="en">
+                        <a:rPr lang="en" dirty="0" smtClean="0">
                           <a:latin typeface="HelveticaNeueLT Pro 45 Lt" pitchFamily="34" charset="0"/>
                         </a:rPr>
                         <a:t>Final build</a:t>
                       </a:r>
+                      <a:endParaRPr lang="en" dirty="0">
+                        <a:latin typeface="HelveticaNeueLT Pro 45 Lt" pitchFamily="34" charset="0"/>
+                      </a:endParaRPr>
                     </a:p>
                   </a:txBody>
                   <a:tcPr marL="91425" marR="91425" marT="121900" marB="121900"/>
@@ -14210,11 +14148,14 @@
                         <a:buNone/>
                       </a:pPr>
                       <a:r>
-                        <a:rPr lang="en">
+                        <a:rPr lang="en" dirty="0" smtClean="0">
                           <a:latin typeface="HelveticaNeueLT Pro 45 Lt" pitchFamily="34" charset="0"/>
                         </a:rPr>
-                        <a:t>$0</a:t>
+                        <a:t>$210</a:t>
                       </a:r>
+                      <a:endParaRPr lang="en" dirty="0">
+                        <a:latin typeface="HelveticaNeueLT Pro 45 Lt" pitchFamily="34" charset="0"/>
+                      </a:endParaRPr>
                     </a:p>
                   </a:txBody>
                   <a:tcPr marL="91425" marR="91425" marT="121900" marB="121900"/>
@@ -14230,7 +14171,13 @@
                         </a:spcBef>
                         <a:buNone/>
                       </a:pPr>
-                      <a:endParaRPr>
+                      <a:r>
+                        <a:rPr lang="en" dirty="0" smtClean="0">
+                          <a:latin typeface="HelveticaNeueLT Pro 45 Lt" pitchFamily="34" charset="0"/>
+                        </a:rPr>
+                        <a:t>$210</a:t>
+                      </a:r>
+                      <a:endParaRPr lang="en" dirty="0">
                         <a:latin typeface="HelveticaNeueLT Pro 45 Lt" pitchFamily="34" charset="0"/>
                       </a:endParaRPr>
                     </a:p>
@@ -14252,7 +14199,7 @@
                         <a:rPr lang="en" dirty="0">
                           <a:latin typeface="HelveticaNeueLT Pro 45 Lt" pitchFamily="34" charset="0"/>
                         </a:rPr>
-                        <a:t>$120</a:t>
+                        <a:t>$0</a:t>
                       </a:r>
                     </a:p>
                   </a:txBody>
@@ -14270,17 +14217,20 @@
                         <a:buNone/>
                       </a:pPr>
                       <a:r>
-                        <a:rPr lang="en" dirty="0">
+                        <a:rPr lang="en" dirty="0" smtClean="0">
                           <a:latin typeface="HelveticaNeueLT Pro 45 Lt" pitchFamily="34" charset="0"/>
                         </a:rPr>
-                        <a:t>$120</a:t>
+                        <a:t>$210</a:t>
                       </a:r>
+                      <a:endParaRPr lang="en" dirty="0">
+                        <a:latin typeface="HelveticaNeueLT Pro 45 Lt" pitchFamily="34" charset="0"/>
+                      </a:endParaRPr>
                     </a:p>
                   </a:txBody>
                   <a:tcPr marL="91425" marR="91425" marT="121900" marB="121900"/>
                 </a:tc>
               </a:tr>
-              <a:tr h="288325">
+              <a:tr h="299950">
                 <a:tc>
                   <a:txBody>
                     <a:bodyPr/>
@@ -14293,48 +14243,12 @@
                         <a:buNone/>
                       </a:pPr>
                       <a:r>
-                        <a:rPr lang="en">
+                        <a:rPr lang="en" dirty="0" smtClean="0">
                           <a:latin typeface="HelveticaNeueLT Pro 45 Lt" pitchFamily="34" charset="0"/>
                         </a:rPr>
                         <a:t>Enclosure</a:t>
                       </a:r>
-                    </a:p>
-                  </a:txBody>
-                  <a:tcPr marL="91425" marR="91425" marT="121900" marB="121900"/>
-                </a:tc>
-                <a:tc>
-                  <a:txBody>
-                    <a:bodyPr/>
-                    <a:lstStyle/>
-                    <a:p>
-                      <a:pPr algn="r">
-                        <a:spcBef>
-                          <a:spcPts val="0"/>
-                        </a:spcBef>
-                        <a:buNone/>
-                      </a:pPr>
-                      <a:r>
-                        <a:rPr lang="en">
-                          <a:latin typeface="HelveticaNeueLT Pro 45 Lt" pitchFamily="34" charset="0"/>
-                        </a:rPr>
-                        <a:t>$0</a:t>
-                      </a:r>
-                    </a:p>
-                  </a:txBody>
-                  <a:tcPr marL="91425" marR="91425" marT="121900" marB="121900"/>
-                </a:tc>
-                <a:tc>
-                  <a:txBody>
-                    <a:bodyPr/>
-                    <a:lstStyle/>
-                    <a:p>
-                      <a:pPr algn="r">
-                        <a:spcBef>
-                          <a:spcPts val="0"/>
-                        </a:spcBef>
-                        <a:buNone/>
-                      </a:pPr>
-                      <a:endParaRPr>
+                      <a:endParaRPr lang="en" dirty="0">
                         <a:latin typeface="HelveticaNeueLT Pro 45 Lt" pitchFamily="34" charset="0"/>
                       </a:endParaRPr>
                     </a:p>
@@ -14353,92 +14267,12 @@
                         <a:buNone/>
                       </a:pPr>
                       <a:r>
-                        <a:rPr lang="en">
+                        <a:rPr lang="en" dirty="0" smtClean="0">
                           <a:latin typeface="HelveticaNeueLT Pro 45 Lt" pitchFamily="34" charset="0"/>
                         </a:rPr>
-                        <a:t>$30</a:t>
+                        <a:t>$21</a:t>
                       </a:r>
-                    </a:p>
-                  </a:txBody>
-                  <a:tcPr marL="91425" marR="91425" marT="121900" marB="121900"/>
-                </a:tc>
-                <a:tc>
-                  <a:txBody>
-                    <a:bodyPr/>
-                    <a:lstStyle/>
-                    <a:p>
-                      <a:pPr algn="r">
-                        <a:spcBef>
-                          <a:spcPts val="0"/>
-                        </a:spcBef>
-                        <a:buNone/>
-                      </a:pPr>
-                      <a:r>
-                        <a:rPr lang="en" dirty="0">
-                          <a:latin typeface="HelveticaNeueLT Pro 45 Lt" pitchFamily="34" charset="0"/>
-                        </a:rPr>
-                        <a:t>$30</a:t>
-                      </a:r>
-                    </a:p>
-                  </a:txBody>
-                  <a:tcPr marL="91425" marR="91425" marT="121900" marB="121900"/>
-                </a:tc>
-              </a:tr>
-              <a:tr h="308550">
-                <a:tc>
-                  <a:txBody>
-                    <a:bodyPr/>
-                    <a:lstStyle/>
-                    <a:p>
-                      <a:pPr>
-                        <a:spcBef>
-                          <a:spcPts val="0"/>
-                        </a:spcBef>
-                        <a:buNone/>
-                      </a:pPr>
-                      <a:r>
-                        <a:rPr lang="en">
-                          <a:latin typeface="HelveticaNeueLT Pro 45 Lt" pitchFamily="34" charset="0"/>
-                        </a:rPr>
-                        <a:t>Misc/re-spins</a:t>
-                      </a:r>
-                    </a:p>
-                  </a:txBody>
-                  <a:tcPr marL="91425" marR="91425" marT="121900" marB="121900"/>
-                </a:tc>
-                <a:tc>
-                  <a:txBody>
-                    <a:bodyPr/>
-                    <a:lstStyle/>
-                    <a:p>
-                      <a:pPr algn="r">
-                        <a:spcBef>
-                          <a:spcPts val="0"/>
-                        </a:spcBef>
-                        <a:buNone/>
-                      </a:pPr>
-                      <a:r>
-                        <a:rPr lang="en">
-                          <a:latin typeface="HelveticaNeueLT Pro 45 Lt" pitchFamily="34" charset="0"/>
-                        </a:rPr>
-                        <a:t>$0</a:t>
-                      </a:r>
-                    </a:p>
-                  </a:txBody>
-                  <a:tcPr marL="91425" marR="91425" marT="121900" marB="121900"/>
-                </a:tc>
-                <a:tc>
-                  <a:txBody>
-                    <a:bodyPr/>
-                    <a:lstStyle/>
-                    <a:p>
-                      <a:pPr algn="r">
-                        <a:spcBef>
-                          <a:spcPts val="0"/>
-                        </a:spcBef>
-                        <a:buNone/>
-                      </a:pPr>
-                      <a:endParaRPr>
+                      <a:endParaRPr lang="en" dirty="0">
                         <a:latin typeface="HelveticaNeueLT Pro 45 Lt" pitchFamily="34" charset="0"/>
                       </a:endParaRPr>
                     </a:p>
@@ -14457,11 +14291,14 @@
                         <a:buNone/>
                       </a:pPr>
                       <a:r>
-                        <a:rPr lang="en">
+                        <a:rPr lang="en-US" dirty="0" smtClean="0">
                           <a:latin typeface="HelveticaNeueLT Pro 45 Lt" pitchFamily="34" charset="0"/>
                         </a:rPr>
-                        <a:t>$100</a:t>
+                        <a:t>$21</a:t>
                       </a:r>
+                      <a:endParaRPr dirty="0">
+                        <a:latin typeface="HelveticaNeueLT Pro 45 Lt" pitchFamily="34" charset="0"/>
+                      </a:endParaRPr>
                     </a:p>
                   </a:txBody>
                   <a:tcPr marL="91425" marR="91425" marT="121900" marB="121900"/>
@@ -14478,11 +14315,38 @@
                         <a:buNone/>
                       </a:pPr>
                       <a:r>
-                        <a:rPr lang="en" dirty="0">
+                        <a:rPr lang="en" dirty="0" smtClean="0">
                           <a:latin typeface="HelveticaNeueLT Pro 45 Lt" pitchFamily="34" charset="0"/>
                         </a:rPr>
-                        <a:t>$100</a:t>
+                        <a:t>$0</a:t>
                       </a:r>
+                      <a:endParaRPr lang="en" dirty="0">
+                        <a:latin typeface="HelveticaNeueLT Pro 45 Lt" pitchFamily="34" charset="0"/>
+                      </a:endParaRPr>
+                    </a:p>
+                  </a:txBody>
+                  <a:tcPr marL="91425" marR="91425" marT="121900" marB="121900"/>
+                </a:tc>
+                <a:tc>
+                  <a:txBody>
+                    <a:bodyPr/>
+                    <a:lstStyle/>
+                    <a:p>
+                      <a:pPr algn="r">
+                        <a:spcBef>
+                          <a:spcPts val="0"/>
+                        </a:spcBef>
+                        <a:buNone/>
+                      </a:pPr>
+                      <a:r>
+                        <a:rPr lang="en" dirty="0" smtClean="0">
+                          <a:latin typeface="HelveticaNeueLT Pro 45 Lt" pitchFamily="34" charset="0"/>
+                        </a:rPr>
+                        <a:t>$21</a:t>
+                      </a:r>
+                      <a:endParaRPr lang="en" dirty="0">
+                        <a:latin typeface="HelveticaNeueLT Pro 45 Lt" pitchFamily="34" charset="0"/>
+                      </a:endParaRPr>
                     </a:p>
                   </a:txBody>
                   <a:tcPr marL="91425" marR="91425" marT="121900" marB="121900"/>
@@ -14522,11 +14386,14 @@
                         <a:buNone/>
                       </a:pPr>
                       <a:r>
-                        <a:rPr lang="en" sz="1800">
+                        <a:rPr lang="en" sz="1800" dirty="0" smtClean="0">
                           <a:latin typeface="HelveticaNeueLT Pro 55 Roman" pitchFamily="34" charset="0"/>
                         </a:rPr>
-                        <a:t>$196</a:t>
+                        <a:t>$452</a:t>
                       </a:r>
+                      <a:endParaRPr lang="en" sz="1800" dirty="0">
+                        <a:latin typeface="HelveticaNeueLT Pro 55 Roman" pitchFamily="34" charset="0"/>
+                      </a:endParaRPr>
                     </a:p>
                   </a:txBody>
                   <a:tcPr marL="91425" marR="91425" marT="121900" marB="121900"/>
@@ -14543,11 +14410,14 @@
                         <a:buNone/>
                       </a:pPr>
                       <a:r>
-                        <a:rPr lang="en" sz="1800">
+                        <a:rPr lang="en" sz="1800" dirty="0" smtClean="0">
                           <a:latin typeface="HelveticaNeueLT Pro 55 Roman" pitchFamily="34" charset="0"/>
                         </a:rPr>
-                        <a:t>$196</a:t>
+                        <a:t>$452</a:t>
                       </a:r>
+                      <a:endParaRPr lang="en" sz="1800" dirty="0">
+                        <a:latin typeface="HelveticaNeueLT Pro 55 Roman" pitchFamily="34" charset="0"/>
+                      </a:endParaRPr>
                     </a:p>
                   </a:txBody>
                   <a:tcPr marL="91425" marR="91425" marT="121900" marB="121900"/>
@@ -14564,11 +14434,14 @@
                         <a:buNone/>
                       </a:pPr>
                       <a:r>
-                        <a:rPr lang="en" sz="1800" dirty="0">
+                        <a:rPr lang="en" sz="1800" dirty="0" smtClean="0">
                           <a:latin typeface="HelveticaNeueLT Pro 55 Roman" pitchFamily="34" charset="0"/>
                         </a:rPr>
-                        <a:t>$250</a:t>
+                        <a:t>$0</a:t>
                       </a:r>
+                      <a:endParaRPr lang="en" sz="1800" dirty="0">
+                        <a:latin typeface="HelveticaNeueLT Pro 55 Roman" pitchFamily="34" charset="0"/>
+                      </a:endParaRPr>
                     </a:p>
                   </a:txBody>
                   <a:tcPr marL="91425" marR="91425" marT="121900" marB="121900"/>
@@ -14585,11 +14458,14 @@
                         <a:buNone/>
                       </a:pPr>
                       <a:r>
-                        <a:rPr lang="en" sz="1800" dirty="0">
+                        <a:rPr lang="en" sz="1800" dirty="0" smtClean="0">
                           <a:latin typeface="HelveticaNeueLT Pro 55 Roman" pitchFamily="34" charset="0"/>
                         </a:rPr>
-                        <a:t>$446</a:t>
+                        <a:t>$452</a:t>
                       </a:r>
+                      <a:endParaRPr lang="en" sz="1800" dirty="0">
+                        <a:latin typeface="HelveticaNeueLT Pro 55 Roman" pitchFamily="34" charset="0"/>
+                      </a:endParaRPr>
                     </a:p>
                   </a:txBody>
                   <a:tcPr marL="91425" marR="91425" marT="121900" marB="121900"/>

--- a/official/WCP52 Gain-Phase Final Presentation.pptx
+++ b/official/WCP52 Gain-Phase Final Presentation.pptx
@@ -6,28 +6,29 @@
     <p:sldMasterId id="2147483666" r:id="rId2"/>
   </p:sldMasterIdLst>
   <p:notesMasterIdLst>
-    <p:notesMasterId r:id="rId22"/>
+    <p:notesMasterId r:id="rId23"/>
   </p:notesMasterIdLst>
   <p:sldIdLst>
     <p:sldId id="256" r:id="rId3"/>
     <p:sldId id="257" r:id="rId4"/>
-    <p:sldId id="258" r:id="rId5"/>
-    <p:sldId id="259" r:id="rId6"/>
-    <p:sldId id="260" r:id="rId7"/>
-    <p:sldId id="261" r:id="rId8"/>
-    <p:sldId id="262" r:id="rId9"/>
-    <p:sldId id="263" r:id="rId10"/>
-    <p:sldId id="264" r:id="rId11"/>
-    <p:sldId id="265" r:id="rId12"/>
-    <p:sldId id="266" r:id="rId13"/>
-    <p:sldId id="267" r:id="rId14"/>
-    <p:sldId id="275" r:id="rId15"/>
-    <p:sldId id="268" r:id="rId16"/>
-    <p:sldId id="269" r:id="rId17"/>
-    <p:sldId id="270" r:id="rId18"/>
-    <p:sldId id="271" r:id="rId19"/>
-    <p:sldId id="272" r:id="rId20"/>
-    <p:sldId id="274" r:id="rId21"/>
+    <p:sldId id="276" r:id="rId5"/>
+    <p:sldId id="258" r:id="rId6"/>
+    <p:sldId id="259" r:id="rId7"/>
+    <p:sldId id="260" r:id="rId8"/>
+    <p:sldId id="261" r:id="rId9"/>
+    <p:sldId id="262" r:id="rId10"/>
+    <p:sldId id="263" r:id="rId11"/>
+    <p:sldId id="264" r:id="rId12"/>
+    <p:sldId id="265" r:id="rId13"/>
+    <p:sldId id="266" r:id="rId14"/>
+    <p:sldId id="267" r:id="rId15"/>
+    <p:sldId id="275" r:id="rId16"/>
+    <p:sldId id="268" r:id="rId17"/>
+    <p:sldId id="269" r:id="rId18"/>
+    <p:sldId id="270" r:id="rId19"/>
+    <p:sldId id="271" r:id="rId20"/>
+    <p:sldId id="272" r:id="rId21"/>
+    <p:sldId id="274" r:id="rId22"/>
   </p:sldIdLst>
   <p:sldSz cx="9144000" cy="6858000" type="screen4x3"/>
   <p:notesSz cx="6858000" cy="9144000"/>
@@ -641,7 +642,7 @@
   <p:cSld>
     <p:spTree>
       <p:nvGrpSpPr>
-        <p:cNvPr id="1" name="Shape 169"/>
+        <p:cNvPr id="1" name="Shape 161"/>
         <p:cNvGrpSpPr/>
         <p:nvPr/>
       </p:nvGrpSpPr>
@@ -655,7 +656,7 @@
       </p:grpSpPr>
       <p:sp>
         <p:nvSpPr>
-          <p:cNvPr id="170" name="Shape 170"/>
+          <p:cNvPr id="162" name="Shape 162"/>
           <p:cNvSpPr>
             <a:spLocks noGrp="1" noRot="1" noChangeAspect="1"/>
           </p:cNvSpPr>
@@ -706,7 +707,7 @@
       </p:sp>
       <p:sp>
         <p:nvSpPr>
-          <p:cNvPr id="171" name="Shape 171"/>
+          <p:cNvPr id="163" name="Shape 163"/>
           <p:cNvSpPr txBox="1">
             <a:spLocks noGrp="1"/>
           </p:cNvSpPr>
@@ -755,7 +756,7 @@
   <p:cSld>
     <p:spTree>
       <p:nvGrpSpPr>
-        <p:cNvPr id="1" name="Shape 178"/>
+        <p:cNvPr id="1" name="Shape 169"/>
         <p:cNvGrpSpPr/>
         <p:nvPr/>
       </p:nvGrpSpPr>
@@ -769,7 +770,7 @@
       </p:grpSpPr>
       <p:sp>
         <p:nvSpPr>
-          <p:cNvPr id="179" name="Shape 179"/>
+          <p:cNvPr id="170" name="Shape 170"/>
           <p:cNvSpPr>
             <a:spLocks noGrp="1" noRot="1" noChangeAspect="1"/>
           </p:cNvSpPr>
@@ -820,7 +821,7 @@
       </p:sp>
       <p:sp>
         <p:nvSpPr>
-          <p:cNvPr id="180" name="Shape 180"/>
+          <p:cNvPr id="171" name="Shape 171"/>
           <p:cNvSpPr txBox="1">
             <a:spLocks noGrp="1"/>
           </p:cNvSpPr>
@@ -851,7 +852,7 @@
             </a:pPr>
             <a:r>
               <a:rPr lang="en"/>
-              <a:t>Chris</a:t>
+              <a:t>Ken</a:t>
             </a:r>
           </a:p>
         </p:txBody>
@@ -869,7 +870,7 @@
   <p:cSld>
     <p:spTree>
       <p:nvGrpSpPr>
-        <p:cNvPr id="1" name="Shape 184"/>
+        <p:cNvPr id="1" name="Shape 178"/>
         <p:cNvGrpSpPr/>
         <p:nvPr/>
       </p:nvGrpSpPr>
@@ -883,7 +884,7 @@
       </p:grpSpPr>
       <p:sp>
         <p:nvSpPr>
-          <p:cNvPr id="185" name="Shape 185"/>
+          <p:cNvPr id="179" name="Shape 179"/>
           <p:cNvSpPr>
             <a:spLocks noGrp="1" noRot="1" noChangeAspect="1"/>
           </p:cNvSpPr>
@@ -934,7 +935,7 @@
       </p:sp>
       <p:sp>
         <p:nvSpPr>
-          <p:cNvPr id="186" name="Shape 186"/>
+          <p:cNvPr id="180" name="Shape 180"/>
           <p:cNvSpPr txBox="1">
             <a:spLocks noGrp="1"/>
           </p:cNvSpPr>
@@ -983,7 +984,7 @@
   <p:cSld>
     <p:spTree>
       <p:nvGrpSpPr>
-        <p:cNvPr id="1" name="Shape 192"/>
+        <p:cNvPr id="1" name="Shape 184"/>
         <p:cNvGrpSpPr/>
         <p:nvPr/>
       </p:nvGrpSpPr>
@@ -997,7 +998,7 @@
       </p:grpSpPr>
       <p:sp>
         <p:nvSpPr>
-          <p:cNvPr id="193" name="Shape 193"/>
+          <p:cNvPr id="185" name="Shape 185"/>
           <p:cNvSpPr>
             <a:spLocks noGrp="1" noRot="1" noChangeAspect="1"/>
           </p:cNvSpPr>
@@ -1048,7 +1049,7 @@
       </p:sp>
       <p:sp>
         <p:nvSpPr>
-          <p:cNvPr id="194" name="Shape 194"/>
+          <p:cNvPr id="186" name="Shape 186"/>
           <p:cNvSpPr txBox="1">
             <a:spLocks noGrp="1"/>
           </p:cNvSpPr>
@@ -1079,7 +1080,7 @@
             </a:pPr>
             <a:r>
               <a:rPr lang="en"/>
-              <a:t>Harrison</a:t>
+              <a:t>Chris</a:t>
             </a:r>
           </a:p>
         </p:txBody>
@@ -1211,7 +1212,7 @@
   <p:cSld>
     <p:spTree>
       <p:nvGrpSpPr>
-        <p:cNvPr id="1" name="Shape 198"/>
+        <p:cNvPr id="1" name="Shape 192"/>
         <p:cNvGrpSpPr/>
         <p:nvPr/>
       </p:nvGrpSpPr>
@@ -1225,7 +1226,7 @@
       </p:grpSpPr>
       <p:sp>
         <p:nvSpPr>
-          <p:cNvPr id="199" name="Shape 199"/>
+          <p:cNvPr id="193" name="Shape 193"/>
           <p:cNvSpPr>
             <a:spLocks noGrp="1" noRot="1" noChangeAspect="1"/>
           </p:cNvSpPr>
@@ -1276,7 +1277,7 @@
       </p:sp>
       <p:sp>
         <p:nvSpPr>
-          <p:cNvPr id="200" name="Shape 200"/>
+          <p:cNvPr id="194" name="Shape 194"/>
           <p:cNvSpPr txBox="1">
             <a:spLocks noGrp="1"/>
           </p:cNvSpPr>
@@ -1325,7 +1326,7 @@
   <p:cSld>
     <p:spTree>
       <p:nvGrpSpPr>
-        <p:cNvPr id="1" name="Shape 204"/>
+        <p:cNvPr id="1" name="Shape 198"/>
         <p:cNvGrpSpPr/>
         <p:nvPr/>
       </p:nvGrpSpPr>
@@ -1339,7 +1340,7 @@
       </p:grpSpPr>
       <p:sp>
         <p:nvSpPr>
-          <p:cNvPr id="205" name="Shape 205"/>
+          <p:cNvPr id="199" name="Shape 199"/>
           <p:cNvSpPr>
             <a:spLocks noGrp="1" noRot="1" noChangeAspect="1"/>
           </p:cNvSpPr>
@@ -1390,7 +1391,7 @@
       </p:sp>
       <p:sp>
         <p:nvSpPr>
-          <p:cNvPr id="206" name="Shape 206"/>
+          <p:cNvPr id="200" name="Shape 200"/>
           <p:cNvSpPr txBox="1">
             <a:spLocks noGrp="1"/>
           </p:cNvSpPr>
@@ -1439,7 +1440,7 @@
   <p:cSld>
     <p:spTree>
       <p:nvGrpSpPr>
-        <p:cNvPr id="1" name="Shape 210"/>
+        <p:cNvPr id="1" name="Shape 204"/>
         <p:cNvGrpSpPr/>
         <p:nvPr/>
       </p:nvGrpSpPr>
@@ -1453,7 +1454,7 @@
       </p:grpSpPr>
       <p:sp>
         <p:nvSpPr>
-          <p:cNvPr id="211" name="Shape 211"/>
+          <p:cNvPr id="205" name="Shape 205"/>
           <p:cNvSpPr>
             <a:spLocks noGrp="1" noRot="1" noChangeAspect="1"/>
           </p:cNvSpPr>
@@ -1504,7 +1505,7 @@
       </p:sp>
       <p:sp>
         <p:nvSpPr>
-          <p:cNvPr id="212" name="Shape 212"/>
+          <p:cNvPr id="206" name="Shape 206"/>
           <p:cNvSpPr txBox="1">
             <a:spLocks noGrp="1"/>
           </p:cNvSpPr>
@@ -1535,7 +1536,7 @@
             </a:pPr>
             <a:r>
               <a:rPr lang="en"/>
-              <a:t>Ken</a:t>
+              <a:t>Harrison</a:t>
             </a:r>
           </a:p>
         </p:txBody>
@@ -1553,7 +1554,7 @@
   <p:cSld>
     <p:spTree>
       <p:nvGrpSpPr>
-        <p:cNvPr id="1" name="Shape 216"/>
+        <p:cNvPr id="1" name="Shape 210"/>
         <p:cNvGrpSpPr/>
         <p:nvPr/>
       </p:nvGrpSpPr>
@@ -1567,7 +1568,7 @@
       </p:grpSpPr>
       <p:sp>
         <p:nvSpPr>
-          <p:cNvPr id="217" name="Shape 217"/>
+          <p:cNvPr id="211" name="Shape 211"/>
           <p:cNvSpPr>
             <a:spLocks noGrp="1" noRot="1" noChangeAspect="1"/>
           </p:cNvSpPr>
@@ -1618,7 +1619,7 @@
       </p:sp>
       <p:sp>
         <p:nvSpPr>
-          <p:cNvPr id="218" name="Shape 218"/>
+          <p:cNvPr id="212" name="Shape 212"/>
           <p:cNvSpPr txBox="1">
             <a:spLocks noGrp="1"/>
           </p:cNvSpPr>
@@ -1649,7 +1650,7 @@
             </a:pPr>
             <a:r>
               <a:rPr lang="en"/>
-              <a:t>Kaidi</a:t>
+              <a:t>Ken</a:t>
             </a:r>
           </a:p>
         </p:txBody>
@@ -1667,7 +1668,7 @@
   <p:cSld>
     <p:spTree>
       <p:nvGrpSpPr>
-        <p:cNvPr id="1" name="Shape 226"/>
+        <p:cNvPr id="1" name="Shape 216"/>
         <p:cNvGrpSpPr/>
         <p:nvPr/>
       </p:nvGrpSpPr>
@@ -1681,7 +1682,7 @@
       </p:grpSpPr>
       <p:sp>
         <p:nvSpPr>
-          <p:cNvPr id="227" name="Shape 227"/>
+          <p:cNvPr id="217" name="Shape 217"/>
           <p:cNvSpPr>
             <a:spLocks noGrp="1" noRot="1" noChangeAspect="1"/>
           </p:cNvSpPr>
@@ -1732,7 +1733,7 @@
       </p:sp>
       <p:sp>
         <p:nvSpPr>
-          <p:cNvPr id="228" name="Shape 228"/>
+          <p:cNvPr id="218" name="Shape 218"/>
           <p:cNvSpPr txBox="1">
             <a:spLocks noGrp="1"/>
           </p:cNvSpPr>
@@ -1761,7 +1762,10 @@
               </a:spcBef>
               <a:buNone/>
             </a:pPr>
-            <a:endParaRPr/>
+            <a:r>
+              <a:rPr lang="en"/>
+              <a:t>Kaidi</a:t>
+            </a:r>
           </a:p>
         </p:txBody>
       </p:sp>
@@ -1887,12 +1891,12 @@
 </p:notes>
 </file>
 
-<file path=ppt/notesSlides/notesSlide3.xml><?xml version="1.0" encoding="utf-8"?>
+<file path=ppt/notesSlides/notesSlide20.xml><?xml version="1.0" encoding="utf-8"?>
 <p:notes xmlns:a="http://schemas.openxmlformats.org/drawingml/2006/main" xmlns:r="http://schemas.openxmlformats.org/officeDocument/2006/relationships" xmlns:p="http://schemas.openxmlformats.org/presentationml/2006/main" showMasterSp="0" showMasterPhAnim="0">
   <p:cSld>
     <p:spTree>
       <p:nvGrpSpPr>
-        <p:cNvPr id="1" name="Shape 118"/>
+        <p:cNvPr id="1" name="Shape 226"/>
         <p:cNvGrpSpPr/>
         <p:nvPr/>
       </p:nvGrpSpPr>
@@ -1906,7 +1910,7 @@
       </p:grpSpPr>
       <p:sp>
         <p:nvSpPr>
-          <p:cNvPr id="119" name="Shape 119"/>
+          <p:cNvPr id="227" name="Shape 227"/>
           <p:cNvSpPr>
             <a:spLocks noGrp="1" noRot="1" noChangeAspect="1"/>
           </p:cNvSpPr>
@@ -1957,7 +1961,7 @@
       </p:sp>
       <p:sp>
         <p:nvSpPr>
-          <p:cNvPr id="120" name="Shape 120"/>
+          <p:cNvPr id="228" name="Shape 228"/>
           <p:cNvSpPr txBox="1">
             <a:spLocks noGrp="1"/>
           </p:cNvSpPr>
@@ -1986,10 +1990,7 @@
               </a:spcBef>
               <a:buNone/>
             </a:pPr>
-            <a:r>
-              <a:rPr lang="en"/>
-              <a:t>Kaidi</a:t>
-            </a:r>
+            <a:endParaRPr/>
           </a:p>
         </p:txBody>
       </p:sp>
@@ -2001,12 +2002,12 @@
 </p:notes>
 </file>
 
-<file path=ppt/notesSlides/notesSlide4.xml><?xml version="1.0" encoding="utf-8"?>
+<file path=ppt/notesSlides/notesSlide3.xml><?xml version="1.0" encoding="utf-8"?>
 <p:notes xmlns:a="http://schemas.openxmlformats.org/drawingml/2006/main" xmlns:r="http://schemas.openxmlformats.org/officeDocument/2006/relationships" xmlns:p="http://schemas.openxmlformats.org/presentationml/2006/main" showMasterSp="0" showMasterPhAnim="0">
   <p:cSld>
     <p:spTree>
       <p:nvGrpSpPr>
-        <p:cNvPr id="1" name="Shape 124"/>
+        <p:cNvPr id="1" name="Shape 111"/>
         <p:cNvGrpSpPr/>
         <p:nvPr/>
       </p:nvGrpSpPr>
@@ -2020,7 +2021,7 @@
       </p:grpSpPr>
       <p:sp>
         <p:nvSpPr>
-          <p:cNvPr id="125" name="Shape 125"/>
+          <p:cNvPr id="112" name="Shape 112"/>
           <p:cNvSpPr>
             <a:spLocks noGrp="1" noRot="1" noChangeAspect="1"/>
           </p:cNvSpPr>
@@ -2071,7 +2072,7 @@
       </p:sp>
       <p:sp>
         <p:nvSpPr>
-          <p:cNvPr id="126" name="Shape 126"/>
+          <p:cNvPr id="113" name="Shape 113"/>
           <p:cNvSpPr txBox="1">
             <a:spLocks noGrp="1"/>
           </p:cNvSpPr>
@@ -2102,7 +2103,7 @@
             </a:pPr>
             <a:r>
               <a:rPr lang="en"/>
-              <a:t>Chris</a:t>
+              <a:t>Kaidi</a:t>
             </a:r>
           </a:p>
         </p:txBody>
@@ -2115,12 +2116,12 @@
 </p:notes>
 </file>
 
-<file path=ppt/notesSlides/notesSlide5.xml><?xml version="1.0" encoding="utf-8"?>
+<file path=ppt/notesSlides/notesSlide4.xml><?xml version="1.0" encoding="utf-8"?>
 <p:notes xmlns:a="http://schemas.openxmlformats.org/drawingml/2006/main" xmlns:r="http://schemas.openxmlformats.org/officeDocument/2006/relationships" xmlns:p="http://schemas.openxmlformats.org/presentationml/2006/main" showMasterSp="0" showMasterPhAnim="0">
   <p:cSld>
     <p:spTree>
       <p:nvGrpSpPr>
-        <p:cNvPr id="1" name="Shape 130"/>
+        <p:cNvPr id="1" name="Shape 118"/>
         <p:cNvGrpSpPr/>
         <p:nvPr/>
       </p:nvGrpSpPr>
@@ -2134,7 +2135,7 @@
       </p:grpSpPr>
       <p:sp>
         <p:nvSpPr>
-          <p:cNvPr id="131" name="Shape 131"/>
+          <p:cNvPr id="119" name="Shape 119"/>
           <p:cNvSpPr>
             <a:spLocks noGrp="1" noRot="1" noChangeAspect="1"/>
           </p:cNvSpPr>
@@ -2185,7 +2186,7 @@
       </p:sp>
       <p:sp>
         <p:nvSpPr>
-          <p:cNvPr id="132" name="Shape 132"/>
+          <p:cNvPr id="120" name="Shape 120"/>
           <p:cNvSpPr txBox="1">
             <a:spLocks noGrp="1"/>
           </p:cNvSpPr>
@@ -2216,7 +2217,7 @@
             </a:pPr>
             <a:r>
               <a:rPr lang="en"/>
-              <a:t>Chris</a:t>
+              <a:t>Kaidi</a:t>
             </a:r>
           </a:p>
         </p:txBody>
@@ -2229,12 +2230,12 @@
 </p:notes>
 </file>
 
-<file path=ppt/notesSlides/notesSlide6.xml><?xml version="1.0" encoding="utf-8"?>
+<file path=ppt/notesSlides/notesSlide5.xml><?xml version="1.0" encoding="utf-8"?>
 <p:notes xmlns:a="http://schemas.openxmlformats.org/drawingml/2006/main" xmlns:r="http://schemas.openxmlformats.org/officeDocument/2006/relationships" xmlns:p="http://schemas.openxmlformats.org/presentationml/2006/main" showMasterSp="0" showMasterPhAnim="0">
   <p:cSld>
     <p:spTree>
       <p:nvGrpSpPr>
-        <p:cNvPr id="1" name="Shape 136"/>
+        <p:cNvPr id="1" name="Shape 124"/>
         <p:cNvGrpSpPr/>
         <p:nvPr/>
       </p:nvGrpSpPr>
@@ -2248,7 +2249,7 @@
       </p:grpSpPr>
       <p:sp>
         <p:nvSpPr>
-          <p:cNvPr id="137" name="Shape 137"/>
+          <p:cNvPr id="125" name="Shape 125"/>
           <p:cNvSpPr>
             <a:spLocks noGrp="1" noRot="1" noChangeAspect="1"/>
           </p:cNvSpPr>
@@ -2299,7 +2300,7 @@
       </p:sp>
       <p:sp>
         <p:nvSpPr>
-          <p:cNvPr id="138" name="Shape 138"/>
+          <p:cNvPr id="126" name="Shape 126"/>
           <p:cNvSpPr txBox="1">
             <a:spLocks noGrp="1"/>
           </p:cNvSpPr>
@@ -2343,12 +2344,12 @@
 </p:notes>
 </file>
 
-<file path=ppt/notesSlides/notesSlide7.xml><?xml version="1.0" encoding="utf-8"?>
+<file path=ppt/notesSlides/notesSlide6.xml><?xml version="1.0" encoding="utf-8"?>
 <p:notes xmlns:a="http://schemas.openxmlformats.org/drawingml/2006/main" xmlns:r="http://schemas.openxmlformats.org/officeDocument/2006/relationships" xmlns:p="http://schemas.openxmlformats.org/presentationml/2006/main" showMasterSp="0" showMasterPhAnim="0">
   <p:cSld>
     <p:spTree>
       <p:nvGrpSpPr>
-        <p:cNvPr id="1" name="Shape 144"/>
+        <p:cNvPr id="1" name="Shape 130"/>
         <p:cNvGrpSpPr/>
         <p:nvPr/>
       </p:nvGrpSpPr>
@@ -2362,7 +2363,7 @@
       </p:grpSpPr>
       <p:sp>
         <p:nvSpPr>
-          <p:cNvPr id="145" name="Shape 145"/>
+          <p:cNvPr id="131" name="Shape 131"/>
           <p:cNvSpPr>
             <a:spLocks noGrp="1" noRot="1" noChangeAspect="1"/>
           </p:cNvSpPr>
@@ -2413,7 +2414,7 @@
       </p:sp>
       <p:sp>
         <p:nvSpPr>
-          <p:cNvPr id="146" name="Shape 146"/>
+          <p:cNvPr id="132" name="Shape 132"/>
           <p:cNvSpPr txBox="1">
             <a:spLocks noGrp="1"/>
           </p:cNvSpPr>
@@ -2444,7 +2445,7 @@
             </a:pPr>
             <a:r>
               <a:rPr lang="en"/>
-              <a:t>Harrison</a:t>
+              <a:t>Chris</a:t>
             </a:r>
           </a:p>
         </p:txBody>
@@ -2457,12 +2458,12 @@
 </p:notes>
 </file>
 
-<file path=ppt/notesSlides/notesSlide8.xml><?xml version="1.0" encoding="utf-8"?>
+<file path=ppt/notesSlides/notesSlide7.xml><?xml version="1.0" encoding="utf-8"?>
 <p:notes xmlns:a="http://schemas.openxmlformats.org/drawingml/2006/main" xmlns:r="http://schemas.openxmlformats.org/officeDocument/2006/relationships" xmlns:p="http://schemas.openxmlformats.org/presentationml/2006/main" showMasterSp="0" showMasterPhAnim="0">
   <p:cSld>
     <p:spTree>
       <p:nvGrpSpPr>
-        <p:cNvPr id="1" name="Shape 152"/>
+        <p:cNvPr id="1" name="Shape 136"/>
         <p:cNvGrpSpPr/>
         <p:nvPr/>
       </p:nvGrpSpPr>
@@ -2476,7 +2477,7 @@
       </p:grpSpPr>
       <p:sp>
         <p:nvSpPr>
-          <p:cNvPr id="153" name="Shape 153"/>
+          <p:cNvPr id="137" name="Shape 137"/>
           <p:cNvSpPr>
             <a:spLocks noGrp="1" noRot="1" noChangeAspect="1"/>
           </p:cNvSpPr>
@@ -2527,7 +2528,7 @@
       </p:sp>
       <p:sp>
         <p:nvSpPr>
-          <p:cNvPr id="154" name="Shape 154"/>
+          <p:cNvPr id="138" name="Shape 138"/>
           <p:cNvSpPr txBox="1">
             <a:spLocks noGrp="1"/>
           </p:cNvSpPr>
@@ -2558,7 +2559,7 @@
             </a:pPr>
             <a:r>
               <a:rPr lang="en"/>
-              <a:t>Harrison</a:t>
+              <a:t>Chris</a:t>
             </a:r>
           </a:p>
         </p:txBody>
@@ -2571,12 +2572,12 @@
 </p:notes>
 </file>
 
-<file path=ppt/notesSlides/notesSlide9.xml><?xml version="1.0" encoding="utf-8"?>
+<file path=ppt/notesSlides/notesSlide8.xml><?xml version="1.0" encoding="utf-8"?>
 <p:notes xmlns:a="http://schemas.openxmlformats.org/drawingml/2006/main" xmlns:r="http://schemas.openxmlformats.org/officeDocument/2006/relationships" xmlns:p="http://schemas.openxmlformats.org/presentationml/2006/main" showMasterSp="0" showMasterPhAnim="0">
   <p:cSld>
     <p:spTree>
       <p:nvGrpSpPr>
-        <p:cNvPr id="1" name="Shape 161"/>
+        <p:cNvPr id="1" name="Shape 144"/>
         <p:cNvGrpSpPr/>
         <p:nvPr/>
       </p:nvGrpSpPr>
@@ -2590,7 +2591,7 @@
       </p:grpSpPr>
       <p:sp>
         <p:nvSpPr>
-          <p:cNvPr id="162" name="Shape 162"/>
+          <p:cNvPr id="145" name="Shape 145"/>
           <p:cNvSpPr>
             <a:spLocks noGrp="1" noRot="1" noChangeAspect="1"/>
           </p:cNvSpPr>
@@ -2641,7 +2642,7 @@
       </p:sp>
       <p:sp>
         <p:nvSpPr>
-          <p:cNvPr id="163" name="Shape 163"/>
+          <p:cNvPr id="146" name="Shape 146"/>
           <p:cNvSpPr txBox="1">
             <a:spLocks noGrp="1"/>
           </p:cNvSpPr>
@@ -2672,7 +2673,121 @@
             </a:pPr>
             <a:r>
               <a:rPr lang="en"/>
-              <a:t>Ken</a:t>
+              <a:t>Harrison</a:t>
+            </a:r>
+          </a:p>
+        </p:txBody>
+      </p:sp>
+    </p:spTree>
+  </p:cSld>
+  <p:clrMapOvr>
+    <a:masterClrMapping/>
+  </p:clrMapOvr>
+</p:notes>
+</file>
+
+<file path=ppt/notesSlides/notesSlide9.xml><?xml version="1.0" encoding="utf-8"?>
+<p:notes xmlns:a="http://schemas.openxmlformats.org/drawingml/2006/main" xmlns:r="http://schemas.openxmlformats.org/officeDocument/2006/relationships" xmlns:p="http://schemas.openxmlformats.org/presentationml/2006/main" showMasterSp="0" showMasterPhAnim="0">
+  <p:cSld>
+    <p:spTree>
+      <p:nvGrpSpPr>
+        <p:cNvPr id="1" name="Shape 152"/>
+        <p:cNvGrpSpPr/>
+        <p:nvPr/>
+      </p:nvGrpSpPr>
+      <p:grpSpPr>
+        <a:xfrm>
+          <a:off x="0" y="0"/>
+          <a:ext cx="0" cy="0"/>
+          <a:chOff x="0" y="0"/>
+          <a:chExt cx="0" cy="0"/>
+        </a:xfrm>
+      </p:grpSpPr>
+      <p:sp>
+        <p:nvSpPr>
+          <p:cNvPr id="153" name="Shape 153"/>
+          <p:cNvSpPr>
+            <a:spLocks noGrp="1" noRot="1" noChangeAspect="1"/>
+          </p:cNvSpPr>
+          <p:nvPr>
+            <p:ph type="sldImg" idx="2"/>
+          </p:nvPr>
+        </p:nvSpPr>
+        <p:spPr>
+          <a:xfrm>
+            <a:off x="1143000" y="685800"/>
+            <a:ext cx="4572000" cy="3429000"/>
+          </a:xfrm>
+          <a:custGeom>
+            <a:avLst/>
+            <a:gdLst/>
+            <a:ahLst/>
+            <a:cxnLst/>
+            <a:rect l="0" t="0" r="0" b="0"/>
+            <a:pathLst>
+              <a:path w="120000" h="120000" extrusionOk="0">
+                <a:moveTo>
+                  <a:pt x="0" y="0"/>
+                </a:moveTo>
+                <a:lnTo>
+                  <a:pt x="120000" y="0"/>
+                </a:lnTo>
+                <a:lnTo>
+                  <a:pt x="120000" y="120000"/>
+                </a:lnTo>
+                <a:lnTo>
+                  <a:pt x="0" y="120000"/>
+                </a:lnTo>
+                <a:close/>
+              </a:path>
+            </a:pathLst>
+          </a:custGeom>
+          <a:noFill/>
+          <a:ln w="9525" cap="flat">
+            <a:solidFill>
+              <a:srgbClr val="000000"/>
+            </a:solidFill>
+            <a:prstDash val="solid"/>
+            <a:round/>
+            <a:headEnd type="none" w="med" len="med"/>
+            <a:tailEnd type="none" w="med" len="med"/>
+          </a:ln>
+        </p:spPr>
+      </p:sp>
+      <p:sp>
+        <p:nvSpPr>
+          <p:cNvPr id="154" name="Shape 154"/>
+          <p:cNvSpPr txBox="1">
+            <a:spLocks noGrp="1"/>
+          </p:cNvSpPr>
+          <p:nvPr>
+            <p:ph type="body" idx="1"/>
+          </p:nvPr>
+        </p:nvSpPr>
+        <p:spPr>
+          <a:xfrm>
+            <a:off x="685800" y="4343400"/>
+            <a:ext cx="5486399" cy="4114800"/>
+          </a:xfrm>
+          <a:prstGeom prst="rect">
+            <a:avLst/>
+          </a:prstGeom>
+        </p:spPr>
+        <p:txBody>
+          <a:bodyPr lIns="91425" tIns="91425" rIns="91425" bIns="91425" anchor="t" anchorCtr="0">
+            <a:noAutofit/>
+          </a:bodyPr>
+          <a:lstStyle/>
+          <a:p>
+            <a:pPr>
+              <a:spcBef>
+                <a:spcPts val="0"/>
+              </a:spcBef>
+              <a:buNone/>
+            </a:pPr>
+            <a:r>
+              <a:rPr lang="en"/>
+              <a:t>Harrison</a:t>
             </a:r>
           </a:p>
         </p:txBody>
@@ -11851,18 +11966,6 @@
               <a:buNone/>
             </a:pPr>
             <a:r>
-              <a:rPr lang="en" sz="2400" dirty="0">
-                <a:solidFill>
-                  <a:schemeClr val="dk1"/>
-                </a:solidFill>
-                <a:latin typeface="Helvetica Neue"/>
-                <a:ea typeface="Helvetica Neue"/>
-                <a:cs typeface="Helvetica Neue"/>
-                <a:sym typeface="Helvetica Neue"/>
-              </a:rPr>
-              <a:t>Interim Report</a:t>
-            </a:r>
-            <a:r>
               <a:rPr lang="en" sz="3600" b="0" i="0" u="none" strike="noStrike" cap="none" baseline="0" dirty="0">
                 <a:solidFill>
                   <a:schemeClr val="dk1"/>
@@ -11983,7 +12086,7 @@
   <p:cSld>
     <p:spTree>
       <p:nvGrpSpPr>
-        <p:cNvPr id="1" name="Shape 164"/>
+        <p:cNvPr id="1" name="Shape 155"/>
         <p:cNvGrpSpPr/>
         <p:nvPr/>
       </p:nvGrpSpPr>
@@ -11995,9 +12098,39 @@
           <a:chExt cx="0" cy="0"/>
         </a:xfrm>
       </p:grpSpPr>
+      <p:pic>
+        <p:nvPicPr>
+          <p:cNvPr id="7" name="Picture 6"/>
+          <p:cNvPicPr>
+            <a:picLocks noChangeAspect="1"/>
+          </p:cNvPicPr>
+          <p:nvPr/>
+        </p:nvPicPr>
+        <p:blipFill>
+          <a:blip r:embed="rId3">
+            <a:extLst>
+              <a:ext uri="{28A0092B-C50C-407E-A947-70E740481C1C}">
+                <a14:useLocalDpi xmlns:a14="http://schemas.microsoft.com/office/drawing/2010/main" val="0"/>
+              </a:ext>
+            </a:extLst>
+          </a:blip>
+          <a:stretch>
+            <a:fillRect/>
+          </a:stretch>
+        </p:blipFill>
+        <p:spPr>
+          <a:xfrm>
+            <a:off x="377" y="283"/>
+            <a:ext cx="9143245" cy="6857434"/>
+          </a:xfrm>
+          <a:prstGeom prst="rect">
+            <a:avLst/>
+          </a:prstGeom>
+        </p:spPr>
+      </p:pic>
       <p:sp>
         <p:nvSpPr>
-          <p:cNvPr id="165" name="Shape 165"/>
+          <p:cNvPr id="156" name="Shape 156"/>
           <p:cNvSpPr txBox="1">
             <a:spLocks noGrp="1"/>
           </p:cNvSpPr>
@@ -12033,42 +12166,14 @@
                 </a:solidFill>
                 <a:latin typeface="HelveticaNeueLT Pro 55 Roman" pitchFamily="34" charset="0"/>
               </a:rPr>
-              <a:t>Design — Signal Output</a:t>
+              <a:t>Design — Signal Generation</a:t>
             </a:r>
           </a:p>
         </p:txBody>
       </p:sp>
       <p:pic>
         <p:nvPicPr>
-          <p:cNvPr id="166" name="Shape 166"/>
-          <p:cNvPicPr preferRelativeResize="0"/>
-          <p:nvPr/>
-        </p:nvPicPr>
-        <p:blipFill>
-          <a:blip r:embed="rId3">
-            <a:alphaModFix/>
-          </a:blip>
-          <a:stretch>
-            <a:fillRect/>
-          </a:stretch>
-        </p:blipFill>
-        <p:spPr>
-          <a:xfrm>
-            <a:off x="5840000" y="4472941"/>
-            <a:ext cx="2692699" cy="2019524"/>
-          </a:xfrm>
-          <a:prstGeom prst="rect">
-            <a:avLst/>
-          </a:prstGeom>
-          <a:noFill/>
-          <a:ln>
-            <a:noFill/>
-          </a:ln>
-        </p:spPr>
-      </p:pic>
-      <p:pic>
-        <p:nvPicPr>
-          <p:cNvPr id="167" name="Shape 167"/>
+          <p:cNvPr id="157" name="Shape 157"/>
           <p:cNvPicPr preferRelativeResize="0"/>
           <p:nvPr/>
         </p:nvPicPr>
@@ -12082,8 +12187,8 @@
         </p:blipFill>
         <p:spPr>
           <a:xfrm>
-            <a:off x="1071537" y="2160075"/>
-            <a:ext cx="7000924" cy="2159174"/>
+            <a:off x="2667000" y="5051198"/>
+            <a:ext cx="2552901" cy="1753674"/>
           </a:xfrm>
           <a:prstGeom prst="rect">
             <a:avLst/>
@@ -12096,12 +12201,39 @@
       </p:pic>
       <p:pic>
         <p:nvPicPr>
-          <p:cNvPr id="168" name="Shape 168"/>
+          <p:cNvPr id="158" name="Shape 158"/>
+          <p:cNvPicPr preferRelativeResize="0"/>
+          <p:nvPr/>
+        </p:nvPicPr>
+        <p:blipFill rotWithShape="1">
+          <a:blip r:embed="rId5">
+            <a:alphaModFix/>
+          </a:blip>
+          <a:srcRect l="17382" t="4594" r="16697" b="4594"/>
+          <a:stretch/>
+        </p:blipFill>
+        <p:spPr>
+          <a:xfrm>
+            <a:off x="0" y="4993594"/>
+            <a:ext cx="2471551" cy="1908069"/>
+          </a:xfrm>
+          <a:prstGeom prst="rect">
+            <a:avLst/>
+          </a:prstGeom>
+          <a:noFill/>
+          <a:ln>
+            <a:noFill/>
+          </a:ln>
+        </p:spPr>
+      </p:pic>
+      <p:pic>
+        <p:nvPicPr>
+          <p:cNvPr id="159" name="Shape 159"/>
           <p:cNvPicPr preferRelativeResize="0"/>
           <p:nvPr/>
         </p:nvPicPr>
         <p:blipFill>
-          <a:blip r:embed="rId5">
+          <a:blip r:embed="rId6">
             <a:alphaModFix/>
           </a:blip>
           <a:stretch>
@@ -12110,8 +12242,36 @@
         </p:blipFill>
         <p:spPr>
           <a:xfrm>
-            <a:off x="0" y="5442300"/>
-            <a:ext cx="3573500" cy="1415699"/>
+            <a:off x="1735725" y="1559987"/>
+            <a:ext cx="5672549" cy="3100800"/>
+          </a:xfrm>
+          <a:prstGeom prst="rect">
+            <a:avLst/>
+          </a:prstGeom>
+          <a:noFill/>
+          <a:ln>
+            <a:noFill/>
+          </a:ln>
+        </p:spPr>
+      </p:pic>
+      <p:pic>
+        <p:nvPicPr>
+          <p:cNvPr id="160" name="Shape 160"/>
+          <p:cNvPicPr preferRelativeResize="0"/>
+          <p:nvPr/>
+        </p:nvPicPr>
+        <p:blipFill>
+          <a:blip r:embed="rId7">
+            <a:alphaModFix/>
+          </a:blip>
+          <a:stretch>
+            <a:fillRect/>
+          </a:stretch>
+        </p:blipFill>
+        <p:spPr>
+          <a:xfrm>
+            <a:off x="5581172" y="5393545"/>
+            <a:ext cx="3562450" cy="1411327"/>
           </a:xfrm>
           <a:prstGeom prst="rect">
             <a:avLst/>
@@ -12141,6 +12301,198 @@
 </file>
 
 <file path=ppt/slides/slide11.xml><?xml version="1.0" encoding="utf-8"?>
+<p:sld xmlns:a="http://schemas.openxmlformats.org/drawingml/2006/main" xmlns:r="http://schemas.openxmlformats.org/officeDocument/2006/relationships" xmlns:p="http://schemas.openxmlformats.org/presentationml/2006/main">
+  <p:cSld>
+    <p:spTree>
+      <p:nvGrpSpPr>
+        <p:cNvPr id="1" name="Shape 164"/>
+        <p:cNvGrpSpPr/>
+        <p:nvPr/>
+      </p:nvGrpSpPr>
+      <p:grpSpPr>
+        <a:xfrm>
+          <a:off x="0" y="0"/>
+          <a:ext cx="0" cy="0"/>
+          <a:chOff x="0" y="0"/>
+          <a:chExt cx="0" cy="0"/>
+        </a:xfrm>
+      </p:grpSpPr>
+      <p:pic>
+        <p:nvPicPr>
+          <p:cNvPr id="6" name="Picture 5"/>
+          <p:cNvPicPr>
+            <a:picLocks noChangeAspect="1"/>
+          </p:cNvPicPr>
+          <p:nvPr/>
+        </p:nvPicPr>
+        <p:blipFill>
+          <a:blip r:embed="rId3">
+            <a:extLst>
+              <a:ext uri="{28A0092B-C50C-407E-A947-70E740481C1C}">
+                <a14:useLocalDpi xmlns:a14="http://schemas.microsoft.com/office/drawing/2010/main" val="0"/>
+              </a:ext>
+            </a:extLst>
+          </a:blip>
+          <a:stretch>
+            <a:fillRect/>
+          </a:stretch>
+        </p:blipFill>
+        <p:spPr>
+          <a:xfrm>
+            <a:off x="377" y="283"/>
+            <a:ext cx="9143245" cy="6857434"/>
+          </a:xfrm>
+          <a:prstGeom prst="rect">
+            <a:avLst/>
+          </a:prstGeom>
+        </p:spPr>
+      </p:pic>
+      <p:sp>
+        <p:nvSpPr>
+          <p:cNvPr id="165" name="Shape 165"/>
+          <p:cNvSpPr txBox="1">
+            <a:spLocks noGrp="1"/>
+          </p:cNvSpPr>
+          <p:nvPr>
+            <p:ph type="title"/>
+          </p:nvPr>
+        </p:nvSpPr>
+        <p:spPr>
+          <a:xfrm>
+            <a:off x="457200" y="274637"/>
+            <a:ext cx="8229600" cy="1143299"/>
+          </a:xfrm>
+          <a:prstGeom prst="rect">
+            <a:avLst/>
+          </a:prstGeom>
+        </p:spPr>
+        <p:txBody>
+          <a:bodyPr lIns="91425" tIns="91425" rIns="91425" bIns="91425" anchor="b" anchorCtr="0">
+            <a:noAutofit/>
+          </a:bodyPr>
+          <a:lstStyle/>
+          <a:p>
+            <a:pPr>
+              <a:spcBef>
+                <a:spcPts val="0"/>
+              </a:spcBef>
+              <a:buNone/>
+            </a:pPr>
+            <a:r>
+              <a:rPr lang="en" dirty="0">
+                <a:solidFill>
+                  <a:srgbClr val="006A4D"/>
+                </a:solidFill>
+                <a:latin typeface="HelveticaNeueLT Pro 55 Roman" pitchFamily="34" charset="0"/>
+              </a:rPr>
+              <a:t>Design — Signal Output</a:t>
+            </a:r>
+          </a:p>
+        </p:txBody>
+      </p:sp>
+      <p:pic>
+        <p:nvPicPr>
+          <p:cNvPr id="166" name="Shape 166"/>
+          <p:cNvPicPr preferRelativeResize="0"/>
+          <p:nvPr/>
+        </p:nvPicPr>
+        <p:blipFill>
+          <a:blip r:embed="rId4">
+            <a:alphaModFix/>
+          </a:blip>
+          <a:stretch>
+            <a:fillRect/>
+          </a:stretch>
+        </p:blipFill>
+        <p:spPr>
+          <a:xfrm>
+            <a:off x="76200" y="4724400"/>
+            <a:ext cx="2692699" cy="2019524"/>
+          </a:xfrm>
+          <a:prstGeom prst="rect">
+            <a:avLst/>
+          </a:prstGeom>
+          <a:noFill/>
+          <a:ln>
+            <a:noFill/>
+          </a:ln>
+        </p:spPr>
+      </p:pic>
+      <p:pic>
+        <p:nvPicPr>
+          <p:cNvPr id="167" name="Shape 167"/>
+          <p:cNvPicPr preferRelativeResize="0"/>
+          <p:nvPr/>
+        </p:nvPicPr>
+        <p:blipFill>
+          <a:blip r:embed="rId5">
+            <a:alphaModFix/>
+          </a:blip>
+          <a:stretch>
+            <a:fillRect/>
+          </a:stretch>
+        </p:blipFill>
+        <p:spPr>
+          <a:xfrm>
+            <a:off x="1071537" y="2160075"/>
+            <a:ext cx="7000924" cy="2159174"/>
+          </a:xfrm>
+          <a:prstGeom prst="rect">
+            <a:avLst/>
+          </a:prstGeom>
+          <a:noFill/>
+          <a:ln>
+            <a:noFill/>
+          </a:ln>
+        </p:spPr>
+      </p:pic>
+      <p:pic>
+        <p:nvPicPr>
+          <p:cNvPr id="168" name="Shape 168"/>
+          <p:cNvPicPr preferRelativeResize="0"/>
+          <p:nvPr/>
+        </p:nvPicPr>
+        <p:blipFill>
+          <a:blip r:embed="rId6">
+            <a:alphaModFix/>
+          </a:blip>
+          <a:stretch>
+            <a:fillRect/>
+          </a:stretch>
+        </p:blipFill>
+        <p:spPr>
+          <a:xfrm>
+            <a:off x="5570500" y="5442018"/>
+            <a:ext cx="3573500" cy="1415699"/>
+          </a:xfrm>
+          <a:prstGeom prst="rect">
+            <a:avLst/>
+          </a:prstGeom>
+          <a:noFill/>
+          <a:ln>
+            <a:noFill/>
+          </a:ln>
+        </p:spPr>
+      </p:pic>
+    </p:spTree>
+  </p:cSld>
+  <p:clrMapOvr>
+    <a:masterClrMapping/>
+  </p:clrMapOvr>
+  <p:transition spd="slow">
+    <p:cut/>
+  </p:transition>
+  <p:timing>
+    <p:tnLst>
+      <p:par>
+        <p:cTn id="1" dur="indefinite" restart="never" nodeType="tmRoot"/>
+      </p:par>
+    </p:tnLst>
+  </p:timing>
+</p:sld>
+</file>
+
+<file path=ppt/slides/slide12.xml><?xml version="1.0" encoding="utf-8"?>
 <p:sld xmlns:a="http://schemas.openxmlformats.org/drawingml/2006/main" xmlns:r="http://schemas.openxmlformats.org/officeDocument/2006/relationships" xmlns:p="http://schemas.openxmlformats.org/presentationml/2006/main">
   <p:cSld>
     <p:bg>
@@ -12165,6 +12517,36 @@
           <a:chExt cx="0" cy="0"/>
         </a:xfrm>
       </p:grpSpPr>
+      <p:pic>
+        <p:nvPicPr>
+          <p:cNvPr id="7" name="Picture 6"/>
+          <p:cNvPicPr>
+            <a:picLocks noChangeAspect="1"/>
+          </p:cNvPicPr>
+          <p:nvPr/>
+        </p:nvPicPr>
+        <p:blipFill>
+          <a:blip r:embed="rId3">
+            <a:extLst>
+              <a:ext uri="{28A0092B-C50C-407E-A947-70E740481C1C}">
+                <a14:useLocalDpi xmlns:a14="http://schemas.microsoft.com/office/drawing/2010/main" val="0"/>
+              </a:ext>
+            </a:extLst>
+          </a:blip>
+          <a:stretch>
+            <a:fillRect/>
+          </a:stretch>
+        </p:blipFill>
+        <p:spPr>
+          <a:xfrm>
+            <a:off x="377" y="283"/>
+            <a:ext cx="9143245" cy="6857434"/>
+          </a:xfrm>
+          <a:prstGeom prst="rect">
+            <a:avLst/>
+          </a:prstGeom>
+        </p:spPr>
+      </p:pic>
       <p:sp>
         <p:nvSpPr>
           <p:cNvPr id="173" name="Shape 173"/>
@@ -12215,7 +12597,7 @@
           <p:nvPr/>
         </p:nvPicPr>
         <p:blipFill>
-          <a:blip r:embed="rId3">
+          <a:blip r:embed="rId4">
             <a:alphaModFix/>
           </a:blip>
           <a:stretch>
@@ -12224,7 +12606,7 @@
         </p:blipFill>
         <p:spPr>
           <a:xfrm>
-            <a:off x="6142000" y="4710479"/>
+            <a:off x="-1" y="4710467"/>
             <a:ext cx="3001999" cy="2147533"/>
           </a:xfrm>
           <a:prstGeom prst="rect">
@@ -12243,7 +12625,7 @@
           <p:nvPr/>
         </p:nvPicPr>
         <p:blipFill rotWithShape="1">
-          <a:blip r:embed="rId4">
+          <a:blip r:embed="rId5">
             <a:alphaModFix/>
           </a:blip>
           <a:srcRect l="17099" r="14748"/>
@@ -12251,7 +12633,7 @@
         </p:blipFill>
         <p:spPr>
           <a:xfrm>
-            <a:off x="3742100" y="5168425"/>
+            <a:off x="3001998" y="4953000"/>
             <a:ext cx="2399900" cy="1747599"/>
           </a:xfrm>
           <a:prstGeom prst="rect">
@@ -12266,34 +12648,6 @@
       <p:pic>
         <p:nvPicPr>
           <p:cNvPr id="176" name="Shape 176"/>
-          <p:cNvPicPr preferRelativeResize="0"/>
-          <p:nvPr/>
-        </p:nvPicPr>
-        <p:blipFill>
-          <a:blip r:embed="rId5">
-            <a:alphaModFix/>
-          </a:blip>
-          <a:stretch>
-            <a:fillRect/>
-          </a:stretch>
-        </p:blipFill>
-        <p:spPr>
-          <a:xfrm>
-            <a:off x="457200" y="2209523"/>
-            <a:ext cx="8229600" cy="2291174"/>
-          </a:xfrm>
-          <a:prstGeom prst="rect">
-            <a:avLst/>
-          </a:prstGeom>
-          <a:noFill/>
-          <a:ln>
-            <a:noFill/>
-          </a:ln>
-        </p:spPr>
-      </p:pic>
-      <p:pic>
-        <p:nvPicPr>
-          <p:cNvPr id="177" name="Shape 177"/>
           <p:cNvPicPr preferRelativeResize="0"/>
           <p:nvPr/>
         </p:nvPicPr>
@@ -12307,8 +12661,8 @@
         </p:blipFill>
         <p:spPr>
           <a:xfrm>
-            <a:off x="0" y="5453900"/>
-            <a:ext cx="3544199" cy="1404100"/>
+            <a:off x="457199" y="2279934"/>
+            <a:ext cx="8229600" cy="2291174"/>
           </a:xfrm>
           <a:prstGeom prst="rect">
             <a:avLst/>
@@ -12319,92 +12673,14 @@
           </a:ln>
         </p:spPr>
       </p:pic>
-    </p:spTree>
-  </p:cSld>
-  <p:clrMapOvr>
-    <a:masterClrMapping/>
-  </p:clrMapOvr>
-  <p:transition spd="slow">
-    <p:cut/>
-  </p:transition>
-  <p:timing>
-    <p:tnLst>
-      <p:par>
-        <p:cTn id="1" dur="indefinite" restart="never" nodeType="tmRoot"/>
-      </p:par>
-    </p:tnLst>
-  </p:timing>
-</p:sld>
-</file>
-
-<file path=ppt/slides/slide12.xml><?xml version="1.0" encoding="utf-8"?>
-<p:sld xmlns:a="http://schemas.openxmlformats.org/drawingml/2006/main" xmlns:r="http://schemas.openxmlformats.org/officeDocument/2006/relationships" xmlns:p="http://schemas.openxmlformats.org/presentationml/2006/main">
-  <p:cSld>
-    <p:spTree>
-      <p:nvGrpSpPr>
-        <p:cNvPr id="1" name="Shape 181"/>
-        <p:cNvGrpSpPr/>
-        <p:nvPr/>
-      </p:nvGrpSpPr>
-      <p:grpSpPr>
-        <a:xfrm>
-          <a:off x="0" y="0"/>
-          <a:ext cx="0" cy="0"/>
-          <a:chOff x="0" y="0"/>
-          <a:chExt cx="0" cy="0"/>
-        </a:xfrm>
-      </p:grpSpPr>
-      <p:sp>
-        <p:nvSpPr>
-          <p:cNvPr id="182" name="Shape 182"/>
-          <p:cNvSpPr txBox="1">
-            <a:spLocks noGrp="1"/>
-          </p:cNvSpPr>
-          <p:nvPr>
-            <p:ph type="title"/>
-          </p:nvPr>
-        </p:nvSpPr>
-        <p:spPr>
-          <a:xfrm>
-            <a:off x="457200" y="274637"/>
-            <a:ext cx="8229600" cy="1143299"/>
-          </a:xfrm>
-          <a:prstGeom prst="rect">
-            <a:avLst/>
-          </a:prstGeom>
-        </p:spPr>
-        <p:txBody>
-          <a:bodyPr lIns="91425" tIns="91425" rIns="91425" bIns="91425" anchor="b" anchorCtr="0">
-            <a:noAutofit/>
-          </a:bodyPr>
-          <a:lstStyle/>
-          <a:p>
-            <a:pPr>
-              <a:spcBef>
-                <a:spcPts val="0"/>
-              </a:spcBef>
-              <a:buNone/>
-            </a:pPr>
-            <a:r>
-              <a:rPr lang="en" dirty="0">
-                <a:solidFill>
-                  <a:srgbClr val="006A4D"/>
-                </a:solidFill>
-                <a:latin typeface="HelveticaNeueLT Pro 55 Roman" pitchFamily="34" charset="0"/>
-              </a:rPr>
-              <a:t>Design — Phase Detection</a:t>
-            </a:r>
-          </a:p>
-        </p:txBody>
-      </p:sp>
       <p:pic>
         <p:nvPicPr>
-          <p:cNvPr id="183" name="Shape 183"/>
+          <p:cNvPr id="177" name="Shape 177"/>
           <p:cNvPicPr preferRelativeResize="0"/>
           <p:nvPr/>
         </p:nvPicPr>
         <p:blipFill>
-          <a:blip r:embed="rId3">
+          <a:blip r:embed="rId7">
             <a:alphaModFix/>
           </a:blip>
           <a:stretch>
@@ -12413,8 +12689,8 @@
         </p:blipFill>
         <p:spPr>
           <a:xfrm>
-            <a:off x="1066800" y="2266950"/>
-            <a:ext cx="7010400" cy="2324100"/>
+            <a:off x="5599801" y="5453617"/>
+            <a:ext cx="3544199" cy="1404100"/>
           </a:xfrm>
           <a:prstGeom prst="rect">
             <a:avLst/>
@@ -12444,6 +12720,142 @@
 </file>
 
 <file path=ppt/slides/slide13.xml><?xml version="1.0" encoding="utf-8"?>
+<p:sld xmlns:a="http://schemas.openxmlformats.org/drawingml/2006/main" xmlns:r="http://schemas.openxmlformats.org/officeDocument/2006/relationships" xmlns:p="http://schemas.openxmlformats.org/presentationml/2006/main">
+  <p:cSld>
+    <p:spTree>
+      <p:nvGrpSpPr>
+        <p:cNvPr id="1" name="Shape 181"/>
+        <p:cNvGrpSpPr/>
+        <p:nvPr/>
+      </p:nvGrpSpPr>
+      <p:grpSpPr>
+        <a:xfrm>
+          <a:off x="0" y="0"/>
+          <a:ext cx="0" cy="0"/>
+          <a:chOff x="0" y="0"/>
+          <a:chExt cx="0" cy="0"/>
+        </a:xfrm>
+      </p:grpSpPr>
+      <p:pic>
+        <p:nvPicPr>
+          <p:cNvPr id="4" name="Picture 3"/>
+          <p:cNvPicPr>
+            <a:picLocks noChangeAspect="1"/>
+          </p:cNvPicPr>
+          <p:nvPr/>
+        </p:nvPicPr>
+        <p:blipFill>
+          <a:blip r:embed="rId3">
+            <a:extLst>
+              <a:ext uri="{28A0092B-C50C-407E-A947-70E740481C1C}">
+                <a14:useLocalDpi xmlns:a14="http://schemas.microsoft.com/office/drawing/2010/main" val="0"/>
+              </a:ext>
+            </a:extLst>
+          </a:blip>
+          <a:stretch>
+            <a:fillRect/>
+          </a:stretch>
+        </p:blipFill>
+        <p:spPr>
+          <a:xfrm>
+            <a:off x="377" y="283"/>
+            <a:ext cx="9143245" cy="6857434"/>
+          </a:xfrm>
+          <a:prstGeom prst="rect">
+            <a:avLst/>
+          </a:prstGeom>
+        </p:spPr>
+      </p:pic>
+      <p:sp>
+        <p:nvSpPr>
+          <p:cNvPr id="182" name="Shape 182"/>
+          <p:cNvSpPr txBox="1">
+            <a:spLocks noGrp="1"/>
+          </p:cNvSpPr>
+          <p:nvPr>
+            <p:ph type="title"/>
+          </p:nvPr>
+        </p:nvSpPr>
+        <p:spPr>
+          <a:xfrm>
+            <a:off x="457200" y="274637"/>
+            <a:ext cx="8229600" cy="1143299"/>
+          </a:xfrm>
+          <a:prstGeom prst="rect">
+            <a:avLst/>
+          </a:prstGeom>
+        </p:spPr>
+        <p:txBody>
+          <a:bodyPr lIns="91425" tIns="91425" rIns="91425" bIns="91425" anchor="b" anchorCtr="0">
+            <a:noAutofit/>
+          </a:bodyPr>
+          <a:lstStyle/>
+          <a:p>
+            <a:pPr>
+              <a:spcBef>
+                <a:spcPts val="0"/>
+              </a:spcBef>
+              <a:buNone/>
+            </a:pPr>
+            <a:r>
+              <a:rPr lang="en" dirty="0">
+                <a:solidFill>
+                  <a:srgbClr val="006A4D"/>
+                </a:solidFill>
+                <a:latin typeface="HelveticaNeueLT Pro 55 Roman" pitchFamily="34" charset="0"/>
+              </a:rPr>
+              <a:t>Design — Phase Detection</a:t>
+            </a:r>
+          </a:p>
+        </p:txBody>
+      </p:sp>
+      <p:pic>
+        <p:nvPicPr>
+          <p:cNvPr id="183" name="Shape 183"/>
+          <p:cNvPicPr preferRelativeResize="0"/>
+          <p:nvPr/>
+        </p:nvPicPr>
+        <p:blipFill>
+          <a:blip r:embed="rId4">
+            <a:alphaModFix/>
+          </a:blip>
+          <a:stretch>
+            <a:fillRect/>
+          </a:stretch>
+        </p:blipFill>
+        <p:spPr>
+          <a:xfrm>
+            <a:off x="1066800" y="2266950"/>
+            <a:ext cx="7010400" cy="2324100"/>
+          </a:xfrm>
+          <a:prstGeom prst="rect">
+            <a:avLst/>
+          </a:prstGeom>
+          <a:noFill/>
+          <a:ln>
+            <a:noFill/>
+          </a:ln>
+        </p:spPr>
+      </p:pic>
+    </p:spTree>
+  </p:cSld>
+  <p:clrMapOvr>
+    <a:masterClrMapping/>
+  </p:clrMapOvr>
+  <p:transition spd="slow">
+    <p:cut/>
+  </p:transition>
+  <p:timing>
+    <p:tnLst>
+      <p:par>
+        <p:cTn id="1" dur="indefinite" restart="never" nodeType="tmRoot"/>
+      </p:par>
+    </p:tnLst>
+  </p:timing>
+</p:sld>
+</file>
+
+<file path=ppt/slides/slide14.xml><?xml version="1.0" encoding="utf-8"?>
 <p:sld xmlns:a="http://schemas.openxmlformats.org/drawingml/2006/main" xmlns:r="http://schemas.openxmlformats.org/officeDocument/2006/relationships" xmlns:p="http://schemas.openxmlformats.org/presentationml/2006/main">
   <p:cSld>
     <p:spTree>
@@ -12641,7 +13053,7 @@
 </p:sld>
 </file>
 
-<file path=ppt/slides/slide14.xml><?xml version="1.0" encoding="utf-8"?>
+<file path=ppt/slides/slide15.xml><?xml version="1.0" encoding="utf-8"?>
 <p:sld xmlns:a="http://schemas.openxmlformats.org/drawingml/2006/main" xmlns:r="http://schemas.openxmlformats.org/officeDocument/2006/relationships" xmlns:p="http://schemas.openxmlformats.org/presentationml/2006/main">
   <p:cSld>
     <p:spTree>
@@ -12658,6 +13070,36 @@
           <a:chExt cx="0" cy="0"/>
         </a:xfrm>
       </p:grpSpPr>
+      <p:pic>
+        <p:nvPicPr>
+          <p:cNvPr id="6" name="Picture 5"/>
+          <p:cNvPicPr>
+            <a:picLocks noChangeAspect="1"/>
+          </p:cNvPicPr>
+          <p:nvPr/>
+        </p:nvPicPr>
+        <p:blipFill>
+          <a:blip r:embed="rId3">
+            <a:extLst>
+              <a:ext uri="{28A0092B-C50C-407E-A947-70E740481C1C}">
+                <a14:useLocalDpi xmlns:a14="http://schemas.microsoft.com/office/drawing/2010/main" val="0"/>
+              </a:ext>
+            </a:extLst>
+          </a:blip>
+          <a:stretch>
+            <a:fillRect/>
+          </a:stretch>
+        </p:blipFill>
+        <p:spPr>
+          <a:xfrm>
+            <a:off x="377" y="283"/>
+            <a:ext cx="9143245" cy="6857434"/>
+          </a:xfrm>
+          <a:prstGeom prst="rect">
+            <a:avLst/>
+          </a:prstGeom>
+        </p:spPr>
+      </p:pic>
       <p:sp>
         <p:nvSpPr>
           <p:cNvPr id="188" name="Shape 188"/>
@@ -12787,7 +13229,7 @@
           <p:nvPr/>
         </p:nvPicPr>
         <p:blipFill>
-          <a:blip r:embed="rId3">
+          <a:blip r:embed="rId4">
             <a:alphaModFix/>
           </a:blip>
           <a:stretch>
@@ -12826,7 +13268,7 @@
 </p:sld>
 </file>
 
-<file path=ppt/slides/slide15.xml><?xml version="1.0" encoding="utf-8"?>
+<file path=ppt/slides/slide16.xml><?xml version="1.0" encoding="utf-8"?>
 <p:sld xmlns:a="http://schemas.openxmlformats.org/drawingml/2006/main" xmlns:r="http://schemas.openxmlformats.org/officeDocument/2006/relationships" xmlns:p="http://schemas.openxmlformats.org/presentationml/2006/main">
   <p:cSld>
     <p:spTree>
@@ -12843,6 +13285,36 @@
           <a:chExt cx="0" cy="0"/>
         </a:xfrm>
       </p:grpSpPr>
+      <p:pic>
+        <p:nvPicPr>
+          <p:cNvPr id="4" name="Picture 3"/>
+          <p:cNvPicPr>
+            <a:picLocks noChangeAspect="1"/>
+          </p:cNvPicPr>
+          <p:nvPr/>
+        </p:nvPicPr>
+        <p:blipFill>
+          <a:blip r:embed="rId3">
+            <a:extLst>
+              <a:ext uri="{28A0092B-C50C-407E-A947-70E740481C1C}">
+                <a14:useLocalDpi xmlns:a14="http://schemas.microsoft.com/office/drawing/2010/main" val="0"/>
+              </a:ext>
+            </a:extLst>
+          </a:blip>
+          <a:stretch>
+            <a:fillRect/>
+          </a:stretch>
+        </p:blipFill>
+        <p:spPr>
+          <a:xfrm>
+            <a:off x="377" y="283"/>
+            <a:ext cx="9143245" cy="6857434"/>
+          </a:xfrm>
+          <a:prstGeom prst="rect">
+            <a:avLst/>
+          </a:prstGeom>
+        </p:spPr>
+      </p:pic>
       <p:sp>
         <p:nvSpPr>
           <p:cNvPr id="196" name="Shape 196"/>
@@ -12893,14 +13365,14 @@
           <p:nvPr>
             <p:extLst>
               <p:ext uri="{D42A27DB-BD31-4B8C-83A1-F6EECF244321}">
-                <p14:modId xmlns:p14="http://schemas.microsoft.com/office/powerpoint/2010/main" val="1089574823"/>
+                <p14:modId xmlns:p14="http://schemas.microsoft.com/office/powerpoint/2010/main" val="3299413534"/>
               </p:ext>
             </p:extLst>
           </p:nvPr>
         </p:nvGraphicFramePr>
         <p:xfrm>
-          <a:off x="460225" y="1526300"/>
-          <a:ext cx="8223525" cy="3797780"/>
+          <a:off x="838200" y="1447800"/>
+          <a:ext cx="7388375" cy="4876400"/>
         </p:xfrm>
         <a:graphic>
           <a:graphicData uri="http://schemas.openxmlformats.org/drawingml/2006/table">
@@ -12910,12 +13382,10 @@
                 <a:tableStyleId>{613FA8E2-4BEE-48A6-83F2-C87BB83BB9DE}</a:tableStyleId>
               </a:tblPr>
               <a:tblGrid>
-                <a:gridCol w="2055875"/>
-                <a:gridCol w="1564475"/>
-                <a:gridCol w="1840900"/>
-                <a:gridCol w="2762275"/>
+                <a:gridCol w="3883176"/>
+                <a:gridCol w="3505199"/>
               </a:tblGrid>
-              <a:tr h="625375">
+              <a:tr h="472400">
                 <a:tc>
                   <a:txBody>
                     <a:bodyPr/>
@@ -12928,7 +13398,7 @@
                         <a:buNone/>
                       </a:pPr>
                       <a:r>
-                        <a:rPr lang="en" sz="1800" b="1" dirty="0">
+                        <a:rPr lang="en" sz="1600" b="1" dirty="0">
                           <a:latin typeface="HelveticaNeueLT Pro 55 Roman" pitchFamily="34" charset="0"/>
                         </a:rPr>
                         <a:t>Item</a:t>
@@ -12949,15 +13419,20 @@
                         <a:buNone/>
                       </a:pPr>
                       <a:r>
-                        <a:rPr lang="en" sz="1800" b="1" dirty="0">
+                        <a:rPr lang="en" sz="1600" b="1" dirty="0" smtClean="0">
                           <a:latin typeface="HelveticaNeueLT Pro 55 Roman" pitchFamily="34" charset="0"/>
                         </a:rPr>
-                        <a:t>Start Date</a:t>
+                        <a:t>Completed</a:t>
                       </a:r>
+                      <a:endParaRPr lang="en" sz="1600" b="1" dirty="0">
+                        <a:latin typeface="HelveticaNeueLT Pro 55 Roman" pitchFamily="34" charset="0"/>
+                      </a:endParaRPr>
                     </a:p>
                   </a:txBody>
                   <a:tcPr marL="91425" marR="91425" marT="121900" marB="121900"/>
                 </a:tc>
+              </a:tr>
+              <a:tr h="472400">
                 <a:tc>
                   <a:txBody>
                     <a:bodyPr/>
@@ -12970,56 +13445,12 @@
                         <a:buNone/>
                       </a:pPr>
                       <a:r>
-                        <a:rPr lang="en" sz="1800" b="1" dirty="0">
-                          <a:latin typeface="HelveticaNeueLT Pro 55 Roman" pitchFamily="34" charset="0"/>
-                        </a:rPr>
-                        <a:t>End Date</a:t>
-                      </a:r>
-                    </a:p>
-                  </a:txBody>
-                  <a:tcPr marL="91425" marR="91425" marT="121900" marB="121900"/>
-                </a:tc>
-                <a:tc>
-                  <a:txBody>
-                    <a:bodyPr/>
-                    <a:lstStyle/>
-                    <a:p>
-                      <a:pPr lvl="0" rtl="0">
-                        <a:spcBef>
-                          <a:spcPts val="0"/>
-                        </a:spcBef>
-                        <a:buNone/>
-                      </a:pPr>
-                      <a:r>
-                        <a:rPr lang="en" sz="1800" b="1" dirty="0">
-                          <a:latin typeface="HelveticaNeueLT Pro 55 Roman" pitchFamily="34" charset="0"/>
-                        </a:rPr>
-                        <a:t>Percent Complete</a:t>
-                      </a:r>
-                    </a:p>
-                  </a:txBody>
-                  <a:tcPr marL="91425" marR="91425" marT="121900" marB="121900"/>
-                </a:tc>
-              </a:tr>
-              <a:tr h="578975">
-                <a:tc>
-                  <a:txBody>
-                    <a:bodyPr/>
-                    <a:lstStyle/>
-                    <a:p>
-                      <a:pPr lvl="0" rtl="0">
-                        <a:spcBef>
-                          <a:spcPts val="0"/>
-                        </a:spcBef>
-                        <a:buNone/>
-                      </a:pPr>
-                      <a:r>
-                        <a:rPr lang="en" sz="1800" dirty="0" smtClean="0">
+                        <a:rPr lang="en" sz="1600" dirty="0" smtClean="0">
                           <a:latin typeface="HelveticaNeueLT Pro 45 Lt" pitchFamily="34" charset="0"/>
                         </a:rPr>
                         <a:t>Specification</a:t>
                       </a:r>
-                      <a:endParaRPr lang="en" sz="1800" dirty="0">
+                      <a:endParaRPr lang="en" sz="1600" dirty="0">
                         <a:latin typeface="HelveticaNeueLT Pro 45 Lt" pitchFamily="34" charset="0"/>
                       </a:endParaRPr>
                     </a:p>
@@ -13038,15 +13469,20 @@
                         <a:buNone/>
                       </a:pPr>
                       <a:r>
-                        <a:rPr lang="en" sz="1800">
+                        <a:rPr lang="en" sz="1600" dirty="0" smtClean="0">
                           <a:latin typeface="HelveticaNeueLT Pro 45 Lt" pitchFamily="34" charset="0"/>
                         </a:rPr>
-                        <a:t>2014-10-03</a:t>
+                        <a:t>October 17, 2014</a:t>
                       </a:r>
+                      <a:endParaRPr lang="en" sz="1600" dirty="0">
+                        <a:latin typeface="HelveticaNeueLT Pro 45 Lt" pitchFamily="34" charset="0"/>
+                      </a:endParaRPr>
                     </a:p>
                   </a:txBody>
                   <a:tcPr marL="91425" marR="91425" marT="121900" marB="121900"/>
                 </a:tc>
+              </a:tr>
+              <a:tr h="472400">
                 <a:tc>
                   <a:txBody>
                     <a:bodyPr/>
@@ -13059,62 +13495,18 @@
                         <a:buNone/>
                       </a:pPr>
                       <a:r>
-                        <a:rPr lang="en" sz="1800">
-                          <a:latin typeface="HelveticaNeueLT Pro 45 Lt" pitchFamily="34" charset="0"/>
-                        </a:rPr>
-                        <a:t>2014-10-17</a:t>
-                      </a:r>
-                    </a:p>
-                  </a:txBody>
-                  <a:tcPr marL="91425" marR="91425" marT="121900" marB="121900"/>
-                </a:tc>
-                <a:tc>
-                  <a:txBody>
-                    <a:bodyPr/>
-                    <a:lstStyle/>
-                    <a:p>
-                      <a:pPr lvl="0" rtl="0">
-                        <a:spcBef>
-                          <a:spcPts val="0"/>
-                        </a:spcBef>
-                        <a:buNone/>
-                      </a:pPr>
-                      <a:r>
-                        <a:rPr lang="en" sz="1800">
-                          <a:latin typeface="HelveticaNeueLT Pro 45 Lt" pitchFamily="34" charset="0"/>
-                        </a:rPr>
-                        <a:t>100%</a:t>
-                      </a:r>
-                    </a:p>
-                  </a:txBody>
-                  <a:tcPr marL="91425" marR="91425" marT="121900" marB="121900"/>
-                </a:tc>
-              </a:tr>
-              <a:tr h="520950">
-                <a:tc>
-                  <a:txBody>
-                    <a:bodyPr/>
-                    <a:lstStyle/>
-                    <a:p>
-                      <a:pPr lvl="0" rtl="0">
-                        <a:spcBef>
-                          <a:spcPts val="0"/>
-                        </a:spcBef>
-                        <a:buNone/>
-                      </a:pPr>
-                      <a:r>
-                        <a:rPr lang="en" sz="1800" smtClean="0">
+                        <a:rPr lang="en" sz="1600" dirty="0" smtClean="0">
                           <a:latin typeface="HelveticaNeueLT Pro 45 Lt" pitchFamily="34" charset="0"/>
                         </a:rPr>
                         <a:t>Development</a:t>
                       </a:r>
                       <a:r>
-                        <a:rPr lang="en" sz="1800" baseline="0" smtClean="0">
+                        <a:rPr lang="en" sz="1600" baseline="0" dirty="0" smtClean="0">
                           <a:latin typeface="HelveticaNeueLT Pro 45 Lt" pitchFamily="34" charset="0"/>
                         </a:rPr>
-                        <a:t> Plan</a:t>
+                        <a:t> plan</a:t>
                       </a:r>
-                      <a:endParaRPr lang="en" sz="1800">
+                      <a:endParaRPr lang="en" sz="1600" dirty="0">
                         <a:latin typeface="HelveticaNeueLT Pro 45 Lt" pitchFamily="34" charset="0"/>
                       </a:endParaRPr>
                     </a:p>
@@ -13133,11 +13525,40 @@
                         <a:buNone/>
                       </a:pPr>
                       <a:r>
-                        <a:rPr lang="en" sz="1800">
+                        <a:rPr lang="en" sz="1600" dirty="0" smtClean="0">
                           <a:latin typeface="HelveticaNeueLT Pro 45 Lt" pitchFamily="34" charset="0"/>
                         </a:rPr>
-                        <a:t>2014-10-17</a:t>
+                        <a:t>October 31, 2014</a:t>
                       </a:r>
+                      <a:endParaRPr lang="en" sz="1600" dirty="0">
+                        <a:latin typeface="HelveticaNeueLT Pro 45 Lt" pitchFamily="34" charset="0"/>
+                      </a:endParaRPr>
+                    </a:p>
+                  </a:txBody>
+                  <a:tcPr marL="91425" marR="91425" marT="121900" marB="121900"/>
+                </a:tc>
+              </a:tr>
+              <a:tr h="472400">
+                <a:tc>
+                  <a:txBody>
+                    <a:bodyPr/>
+                    <a:lstStyle/>
+                    <a:p>
+                      <a:pPr lvl="0" rtl="0">
+                        <a:spcBef>
+                          <a:spcPts val="0"/>
+                        </a:spcBef>
+                        <a:buNone/>
+                      </a:pPr>
+                      <a:r>
+                        <a:rPr lang="en" sz="1600" dirty="0" smtClean="0">
+                          <a:latin typeface="HelveticaNeueLT Pro 45 Lt" pitchFamily="34" charset="0"/>
+                        </a:rPr>
+                        <a:t>Prototypes built</a:t>
+                      </a:r>
+                      <a:endParaRPr lang="en" sz="1600" dirty="0">
+                        <a:latin typeface="HelveticaNeueLT Pro 45 Lt" pitchFamily="34" charset="0"/>
+                      </a:endParaRPr>
                     </a:p>
                   </a:txBody>
                   <a:tcPr marL="91425" marR="91425" marT="121900" marB="121900"/>
@@ -13154,11 +13575,46 @@
                         <a:buNone/>
                       </a:pPr>
                       <a:r>
-                        <a:rPr lang="en" sz="1800">
+                        <a:rPr lang="en" sz="1600" dirty="0" smtClean="0">
                           <a:latin typeface="HelveticaNeueLT Pro 45 Lt" pitchFamily="34" charset="0"/>
                         </a:rPr>
-                        <a:t>2014-10-31</a:t>
+                        <a:t>December 5,</a:t>
                       </a:r>
+                      <a:r>
+                        <a:rPr lang="en" sz="1600" baseline="0" dirty="0" smtClean="0">
+                          <a:latin typeface="HelveticaNeueLT Pro 45 Lt" pitchFamily="34" charset="0"/>
+                        </a:rPr>
+                        <a:t> 2014</a:t>
+                      </a:r>
+                      <a:endParaRPr lang="en" sz="1600" dirty="0">
+                        <a:latin typeface="HelveticaNeueLT Pro 45 Lt" pitchFamily="34" charset="0"/>
+                      </a:endParaRPr>
+                    </a:p>
+                  </a:txBody>
+                  <a:tcPr marL="91425" marR="91425" marT="121900" marB="121900"/>
+                </a:tc>
+              </a:tr>
+              <a:tr h="472400">
+                <a:tc>
+                  <a:txBody>
+                    <a:bodyPr/>
+                    <a:lstStyle/>
+                    <a:p>
+                      <a:pPr lvl="0" rtl="0">
+                        <a:spcBef>
+                          <a:spcPts val="0"/>
+                        </a:spcBef>
+                        <a:buNone/>
+                      </a:pPr>
+                      <a:r>
+                        <a:rPr lang="en" sz="1600" b="0" i="1" dirty="0" smtClean="0">
+                          <a:latin typeface="HelveticaNeueLT Pro 45 Lt" pitchFamily="34" charset="0"/>
+                        </a:rPr>
+                        <a:t>Interim</a:t>
+                      </a:r>
+                      <a:endParaRPr lang="en" sz="1600" b="0" i="1" dirty="0">
+                        <a:latin typeface="HelveticaNeueLT Pro 45 Lt" pitchFamily="34" charset="0"/>
+                      </a:endParaRPr>
                     </a:p>
                   </a:txBody>
                   <a:tcPr marL="91425" marR="91425" marT="121900" marB="121900"/>
@@ -13175,189 +13631,26 @@
                         <a:buNone/>
                       </a:pPr>
                       <a:r>
-                        <a:rPr lang="en" sz="1800">
+                        <a:rPr lang="en" sz="1600" dirty="0" smtClean="0">
                           <a:latin typeface="HelveticaNeueLT Pro 45 Lt" pitchFamily="34" charset="0"/>
                         </a:rPr>
-                        <a:t>100%</a:t>
+                        <a:t>December 5,</a:t>
                       </a:r>
+                      <a:r>
+                        <a:rPr lang="en" sz="1600" baseline="0" dirty="0" smtClean="0">
+                          <a:latin typeface="HelveticaNeueLT Pro 45 Lt" pitchFamily="34" charset="0"/>
+                        </a:rPr>
+                        <a:t> 2014</a:t>
+                      </a:r>
+                      <a:endParaRPr lang="en" sz="1600" dirty="0">
+                        <a:latin typeface="HelveticaNeueLT Pro 45 Lt" pitchFamily="34" charset="0"/>
+                      </a:endParaRPr>
                     </a:p>
                   </a:txBody>
                   <a:tcPr marL="91425" marR="91425" marT="121900" marB="121900"/>
                 </a:tc>
               </a:tr>
-              <a:tr h="285675">
-                <a:tc>
-                  <a:txBody>
-                    <a:bodyPr/>
-                    <a:lstStyle/>
-                    <a:p>
-                      <a:pPr lvl="0" rtl="0">
-                        <a:spcBef>
-                          <a:spcPts val="0"/>
-                        </a:spcBef>
-                        <a:buNone/>
-                      </a:pPr>
-                      <a:r>
-                        <a:rPr lang="en" sz="1800">
-                          <a:latin typeface="HelveticaNeueLT Pro 45 Lt" pitchFamily="34" charset="0"/>
-                        </a:rPr>
-                        <a:t>Architecture</a:t>
-                      </a:r>
-                    </a:p>
-                  </a:txBody>
-                  <a:tcPr marL="91425" marR="91425" marT="121900" marB="121900"/>
-                </a:tc>
-                <a:tc>
-                  <a:txBody>
-                    <a:bodyPr/>
-                    <a:lstStyle/>
-                    <a:p>
-                      <a:pPr lvl="0" rtl="0">
-                        <a:spcBef>
-                          <a:spcPts val="0"/>
-                        </a:spcBef>
-                        <a:buNone/>
-                      </a:pPr>
-                      <a:r>
-                        <a:rPr lang="en" sz="1800">
-                          <a:latin typeface="HelveticaNeueLT Pro 45 Lt" pitchFamily="34" charset="0"/>
-                        </a:rPr>
-                        <a:t>2014-10-31</a:t>
-                      </a:r>
-                    </a:p>
-                  </a:txBody>
-                  <a:tcPr marL="91425" marR="91425" marT="121900" marB="121900"/>
-                </a:tc>
-                <a:tc>
-                  <a:txBody>
-                    <a:bodyPr/>
-                    <a:lstStyle/>
-                    <a:p>
-                      <a:pPr lvl="0" rtl="0">
-                        <a:spcBef>
-                          <a:spcPts val="0"/>
-                        </a:spcBef>
-                        <a:buNone/>
-                      </a:pPr>
-                      <a:r>
-                        <a:rPr lang="en" sz="1800">
-                          <a:latin typeface="HelveticaNeueLT Pro 45 Lt" pitchFamily="34" charset="0"/>
-                        </a:rPr>
-                        <a:t>2014-11-14</a:t>
-                      </a:r>
-                    </a:p>
-                  </a:txBody>
-                  <a:tcPr marL="91425" marR="91425" marT="121900" marB="121900"/>
-                </a:tc>
-                <a:tc>
-                  <a:txBody>
-                    <a:bodyPr/>
-                    <a:lstStyle/>
-                    <a:p>
-                      <a:pPr lvl="0" rtl="0">
-                        <a:spcBef>
-                          <a:spcPts val="0"/>
-                        </a:spcBef>
-                        <a:buNone/>
-                      </a:pPr>
-                      <a:r>
-                        <a:rPr lang="en" sz="1800">
-                          <a:latin typeface="HelveticaNeueLT Pro 45 Lt" pitchFamily="34" charset="0"/>
-                        </a:rPr>
-                        <a:t>100%</a:t>
-                      </a:r>
-                    </a:p>
-                  </a:txBody>
-                  <a:tcPr marL="91425" marR="91425" marT="121900" marB="121900"/>
-                </a:tc>
-              </a:tr>
-              <a:tr h="370100">
-                <a:tc>
-                  <a:txBody>
-                    <a:bodyPr/>
-                    <a:lstStyle/>
-                    <a:p>
-                      <a:pPr lvl="0" rtl="0">
-                        <a:spcBef>
-                          <a:spcPts val="0"/>
-                        </a:spcBef>
-                        <a:buNone/>
-                      </a:pPr>
-                      <a:r>
-                        <a:rPr lang="en" sz="1800">
-                          <a:latin typeface="HelveticaNeueLT Pro 45 Lt" pitchFamily="34" charset="0"/>
-                        </a:rPr>
-                        <a:t>Interim Report</a:t>
-                      </a:r>
-                    </a:p>
-                  </a:txBody>
-                  <a:tcPr marL="91425" marR="91425" marT="121900" marB="121900"/>
-                </a:tc>
-                <a:tc>
-                  <a:txBody>
-                    <a:bodyPr/>
-                    <a:lstStyle/>
-                    <a:p>
-                      <a:pPr lvl="0" rtl="0">
-                        <a:spcBef>
-                          <a:spcPts val="0"/>
-                        </a:spcBef>
-                        <a:buNone/>
-                      </a:pPr>
-                      <a:r>
-                        <a:rPr lang="en" sz="1800" dirty="0">
-                          <a:latin typeface="HelveticaNeueLT Pro 45 Lt" pitchFamily="34" charset="0"/>
-                        </a:rPr>
-                        <a:t>2014-11-14</a:t>
-                      </a:r>
-                    </a:p>
-                  </a:txBody>
-                  <a:tcPr marL="91425" marR="91425" marT="121900" marB="121900"/>
-                </a:tc>
-                <a:tc>
-                  <a:txBody>
-                    <a:bodyPr/>
-                    <a:lstStyle/>
-                    <a:p>
-                      <a:pPr lvl="0" rtl="0">
-                        <a:spcBef>
-                          <a:spcPts val="0"/>
-                        </a:spcBef>
-                        <a:buNone/>
-                      </a:pPr>
-                      <a:r>
-                        <a:rPr lang="en" sz="1800">
-                          <a:latin typeface="HelveticaNeueLT Pro 45 Lt" pitchFamily="34" charset="0"/>
-                        </a:rPr>
-                        <a:t>2014-12-05</a:t>
-                      </a:r>
-                    </a:p>
-                  </a:txBody>
-                  <a:tcPr marL="91425" marR="91425" marT="121900" marB="121900"/>
-                </a:tc>
-                <a:tc>
-                  <a:txBody>
-                    <a:bodyPr/>
-                    <a:lstStyle/>
-                    <a:p>
-                      <a:pPr lvl="0" rtl="0">
-                        <a:spcBef>
-                          <a:spcPts val="0"/>
-                        </a:spcBef>
-                        <a:buNone/>
-                      </a:pPr>
-                      <a:r>
-                        <a:rPr lang="en" sz="1800">
-                          <a:latin typeface="HelveticaNeueLT Pro 45 Lt" pitchFamily="34" charset="0"/>
-                        </a:rPr>
-                        <a:t>100%</a:t>
-                      </a:r>
-                    </a:p>
-                  </a:txBody>
-                  <a:tcPr marL="91425" marR="91425" marT="121900" marB="121900"/>
-                </a:tc>
-              </a:tr>
-              <a:tr h="277275">
+              <a:tr h="472400">
                 <a:tc>
                   <a:txBody>
                     <a:bodyPr/>
@@ -13370,11 +13663,14 @@
                         <a:buNone/>
                       </a:pPr>
                       <a:r>
-                        <a:rPr lang="en" sz="1800">
+                        <a:rPr lang="en" sz="1600" dirty="0" smtClean="0">
                           <a:latin typeface="HelveticaNeueLT Pro 45 Lt" pitchFamily="34" charset="0"/>
                         </a:rPr>
-                        <a:t>Proto. built</a:t>
+                        <a:t>Prototypes corrected</a:t>
                       </a:r>
+                      <a:endParaRPr lang="en" sz="1600" dirty="0">
+                        <a:latin typeface="HelveticaNeueLT Pro 45 Lt" pitchFamily="34" charset="0"/>
+                      </a:endParaRPr>
                     </a:p>
                   </a:txBody>
                   <a:tcPr marL="91425" marR="91425" marT="121900" marB="121900"/>
@@ -13391,11 +13687,46 @@
                         <a:buNone/>
                       </a:pPr>
                       <a:r>
-                        <a:rPr lang="en" sz="1800">
+                        <a:rPr lang="en" sz="1600" dirty="0" smtClean="0">
                           <a:latin typeface="HelveticaNeueLT Pro 45 Lt" pitchFamily="34" charset="0"/>
                         </a:rPr>
-                        <a:t>2014-11-14</a:t>
+                        <a:t>February</a:t>
                       </a:r>
+                      <a:r>
+                        <a:rPr lang="en" sz="1600" baseline="0" dirty="0" smtClean="0">
+                          <a:latin typeface="HelveticaNeueLT Pro 45 Lt" pitchFamily="34" charset="0"/>
+                        </a:rPr>
+                        <a:t> 26, 2015</a:t>
+                      </a:r>
+                      <a:endParaRPr lang="en" sz="1600" dirty="0">
+                        <a:latin typeface="HelveticaNeueLT Pro 45 Lt" pitchFamily="34" charset="0"/>
+                      </a:endParaRPr>
+                    </a:p>
+                  </a:txBody>
+                  <a:tcPr marL="91425" marR="91425" marT="121900" marB="121900"/>
+                </a:tc>
+              </a:tr>
+              <a:tr h="472400">
+                <a:tc>
+                  <a:txBody>
+                    <a:bodyPr/>
+                    <a:lstStyle/>
+                    <a:p>
+                      <a:pPr rtl="0">
+                        <a:spcBef>
+                          <a:spcPts val="0"/>
+                        </a:spcBef>
+                        <a:buNone/>
+                      </a:pPr>
+                      <a:r>
+                        <a:rPr lang="en" sz="1600" dirty="0" smtClean="0">
+                          <a:latin typeface="HelveticaNeueLT Pro 45 Lt" pitchFamily="34" charset="0"/>
+                        </a:rPr>
+                        <a:t>Final PCB layout</a:t>
+                      </a:r>
+                      <a:endParaRPr lang="en" sz="1600" dirty="0">
+                        <a:latin typeface="HelveticaNeueLT Pro 45 Lt" pitchFamily="34" charset="0"/>
+                      </a:endParaRPr>
                     </a:p>
                   </a:txBody>
                   <a:tcPr marL="91425" marR="91425" marT="121900" marB="121900"/>
@@ -13412,11 +13743,46 @@
                         <a:buNone/>
                       </a:pPr>
                       <a:r>
-                        <a:rPr lang="en" sz="1800">
+                        <a:rPr lang="en" sz="1600" dirty="0" smtClean="0">
                           <a:latin typeface="HelveticaNeueLT Pro 45 Lt" pitchFamily="34" charset="0"/>
                         </a:rPr>
-                        <a:t>2014-12-05</a:t>
+                        <a:t>March 14, 2015</a:t>
                       </a:r>
+                      <a:endParaRPr lang="en" sz="1600" dirty="0">
+                        <a:latin typeface="HelveticaNeueLT Pro 45 Lt" pitchFamily="34" charset="0"/>
+                      </a:endParaRPr>
+                    </a:p>
+                  </a:txBody>
+                  <a:tcPr marL="91425" marR="91425" marT="121900" marB="121900"/>
+                </a:tc>
+              </a:tr>
+              <a:tr h="472400">
+                <a:tc>
+                  <a:txBody>
+                    <a:bodyPr/>
+                    <a:lstStyle/>
+                    <a:p>
+                      <a:pPr rtl="0">
+                        <a:spcBef>
+                          <a:spcPts val="0"/>
+                        </a:spcBef>
+                        <a:buNone/>
+                      </a:pPr>
+                      <a:r>
+                        <a:rPr lang="en" sz="1600" dirty="0" smtClean="0">
+                          <a:latin typeface="HelveticaNeueLT Pro 45 Lt" pitchFamily="34" charset="0"/>
+                        </a:rPr>
+                        <a:t>Alpha firmware</a:t>
+                      </a:r>
+                      <a:r>
+                        <a:rPr lang="en" sz="1600" baseline="0" dirty="0" smtClean="0">
+                          <a:latin typeface="HelveticaNeueLT Pro 45 Lt" pitchFamily="34" charset="0"/>
+                        </a:rPr>
+                        <a:t> completed</a:t>
+                      </a:r>
+                      <a:endParaRPr lang="en" sz="1600" dirty="0">
+                        <a:latin typeface="HelveticaNeueLT Pro 45 Lt" pitchFamily="34" charset="0"/>
+                      </a:endParaRPr>
                     </a:p>
                   </a:txBody>
                   <a:tcPr marL="91425" marR="91425" marT="121900" marB="121900"/>
@@ -13433,17 +13799,20 @@
                         <a:buNone/>
                       </a:pPr>
                       <a:r>
-                        <a:rPr lang="en" sz="1800">
+                        <a:rPr lang="en" sz="1600" dirty="0" smtClean="0">
                           <a:latin typeface="HelveticaNeueLT Pro 45 Lt" pitchFamily="34" charset="0"/>
                         </a:rPr>
-                        <a:t>100%</a:t>
+                        <a:t>March 19, 2015</a:t>
                       </a:r>
+                      <a:endParaRPr lang="en" sz="1600" dirty="0">
+                        <a:latin typeface="HelveticaNeueLT Pro 45 Lt" pitchFamily="34" charset="0"/>
+                      </a:endParaRPr>
                     </a:p>
                   </a:txBody>
                   <a:tcPr marL="91425" marR="91425" marT="121900" marB="121900"/>
                 </a:tc>
               </a:tr>
-              <a:tr h="346875">
+              <a:tr h="472400">
                 <a:tc>
                   <a:txBody>
                     <a:bodyPr/>
@@ -13456,11 +13825,14 @@
                         <a:buNone/>
                       </a:pPr>
                       <a:r>
-                        <a:rPr lang="en" sz="1800">
+                        <a:rPr lang="en" sz="1600" dirty="0" smtClean="0">
                           <a:latin typeface="HelveticaNeueLT Pro 45 Lt" pitchFamily="34" charset="0"/>
                         </a:rPr>
-                        <a:t>Proto. firmware</a:t>
+                        <a:t>PCB assembled</a:t>
                       </a:r>
+                      <a:endParaRPr lang="en" sz="1600" dirty="0">
+                        <a:latin typeface="HelveticaNeueLT Pro 45 Lt" pitchFamily="34" charset="0"/>
+                      </a:endParaRPr>
                     </a:p>
                   </a:txBody>
                   <a:tcPr marL="91425" marR="91425" marT="121900" marB="121900"/>
@@ -13477,11 +13849,46 @@
                         <a:buNone/>
                       </a:pPr>
                       <a:r>
-                        <a:rPr lang="en" sz="1800">
+                        <a:rPr lang="en" sz="1600" dirty="0" smtClean="0">
                           <a:latin typeface="HelveticaNeueLT Pro 45 Lt" pitchFamily="34" charset="0"/>
                         </a:rPr>
-                        <a:t>2014-11-10</a:t>
+                        <a:t>April</a:t>
                       </a:r>
+                      <a:r>
+                        <a:rPr lang="en" sz="1600" baseline="0" dirty="0" smtClean="0">
+                          <a:latin typeface="HelveticaNeueLT Pro 45 Lt" pitchFamily="34" charset="0"/>
+                        </a:rPr>
+                        <a:t> 8, 2015</a:t>
+                      </a:r>
+                      <a:endParaRPr lang="en" sz="1600" dirty="0">
+                        <a:latin typeface="HelveticaNeueLT Pro 45 Lt" pitchFamily="34" charset="0"/>
+                      </a:endParaRPr>
+                    </a:p>
+                  </a:txBody>
+                  <a:tcPr marL="91425" marR="91425" marT="121900" marB="121900"/>
+                </a:tc>
+              </a:tr>
+              <a:tr h="472400">
+                <a:tc>
+                  <a:txBody>
+                    <a:bodyPr/>
+                    <a:lstStyle/>
+                    <a:p>
+                      <a:pPr rtl="0">
+                        <a:spcBef>
+                          <a:spcPts val="0"/>
+                        </a:spcBef>
+                        <a:buNone/>
+                      </a:pPr>
+                      <a:r>
+                        <a:rPr lang="en" sz="1600" dirty="0" smtClean="0">
+                          <a:latin typeface="HelveticaNeueLT Pro 45 Lt" pitchFamily="34" charset="0"/>
+                        </a:rPr>
+                        <a:t>PC software completed</a:t>
+                      </a:r>
+                      <a:endParaRPr lang="en" sz="1600" dirty="0">
+                        <a:latin typeface="HelveticaNeueLT Pro 45 Lt" pitchFamily="34" charset="0"/>
+                      </a:endParaRPr>
                     </a:p>
                   </a:txBody>
                   <a:tcPr marL="91425" marR="91425" marT="121900" marB="121900"/>
@@ -13498,32 +13905,14 @@
                         <a:buNone/>
                       </a:pPr>
                       <a:r>
-                        <a:rPr lang="en" sz="1800">
+                        <a:rPr lang="en" sz="1600" dirty="0" smtClean="0">
                           <a:latin typeface="HelveticaNeueLT Pro 45 Lt" pitchFamily="34" charset="0"/>
                         </a:rPr>
-                        <a:t>2014-12-05</a:t>
+                        <a:t>April 30, 2015</a:t>
                       </a:r>
-                    </a:p>
-                  </a:txBody>
-                  <a:tcPr marL="91425" marR="91425" marT="121900" marB="121900"/>
-                </a:tc>
-                <a:tc>
-                  <a:txBody>
-                    <a:bodyPr/>
-                    <a:lstStyle/>
-                    <a:p>
-                      <a:pPr rtl="0">
-                        <a:spcBef>
-                          <a:spcPts val="0"/>
-                        </a:spcBef>
-                        <a:buNone/>
-                      </a:pPr>
-                      <a:r>
-                        <a:rPr lang="en" sz="1800" dirty="0">
-                          <a:latin typeface="HelveticaNeueLT Pro 45 Lt" pitchFamily="34" charset="0"/>
-                        </a:rPr>
-                        <a:t>100%</a:t>
-                      </a:r>
+                      <a:endParaRPr lang="en" sz="1600" dirty="0">
+                        <a:latin typeface="HelveticaNeueLT Pro 45 Lt" pitchFamily="34" charset="0"/>
+                      </a:endParaRPr>
                     </a:p>
                   </a:txBody>
                   <a:tcPr marL="91425" marR="91425" marT="121900" marB="121900"/>
@@ -13551,7 +13940,7 @@
 </p:sld>
 </file>
 
-<file path=ppt/slides/slide16.xml><?xml version="1.0" encoding="utf-8"?>
+<file path=ppt/slides/slide17.xml><?xml version="1.0" encoding="utf-8"?>
 <p:sld xmlns:a="http://schemas.openxmlformats.org/drawingml/2006/main" xmlns:r="http://schemas.openxmlformats.org/officeDocument/2006/relationships" xmlns:p="http://schemas.openxmlformats.org/presentationml/2006/main">
   <p:cSld>
     <p:spTree>
@@ -13568,6 +13957,36 @@
           <a:chExt cx="0" cy="0"/>
         </a:xfrm>
       </p:grpSpPr>
+      <p:pic>
+        <p:nvPicPr>
+          <p:cNvPr id="4" name="Picture 3"/>
+          <p:cNvPicPr>
+            <a:picLocks noChangeAspect="1"/>
+          </p:cNvPicPr>
+          <p:nvPr/>
+        </p:nvPicPr>
+        <p:blipFill>
+          <a:blip r:embed="rId3">
+            <a:extLst>
+              <a:ext uri="{28A0092B-C50C-407E-A947-70E740481C1C}">
+                <a14:useLocalDpi xmlns:a14="http://schemas.microsoft.com/office/drawing/2010/main" val="0"/>
+              </a:ext>
+            </a:extLst>
+          </a:blip>
+          <a:stretch>
+            <a:fillRect/>
+          </a:stretch>
+        </p:blipFill>
+        <p:spPr>
+          <a:xfrm>
+            <a:off x="377" y="283"/>
+            <a:ext cx="9143245" cy="6857434"/>
+          </a:xfrm>
+          <a:prstGeom prst="rect">
+            <a:avLst/>
+          </a:prstGeom>
+        </p:spPr>
+      </p:pic>
       <p:sp>
         <p:nvSpPr>
           <p:cNvPr id="202" name="Shape 202"/>
@@ -14493,7 +14912,7 @@
 </p:sld>
 </file>
 
-<file path=ppt/slides/slide17.xml><?xml version="1.0" encoding="utf-8"?>
+<file path=ppt/slides/slide18.xml><?xml version="1.0" encoding="utf-8"?>
 <p:sld xmlns:a="http://schemas.openxmlformats.org/drawingml/2006/main" xmlns:r="http://schemas.openxmlformats.org/officeDocument/2006/relationships" xmlns:p="http://schemas.openxmlformats.org/presentationml/2006/main">
   <p:cSld>
     <p:spTree>
@@ -14510,6 +14929,36 @@
           <a:chExt cx="0" cy="0"/>
         </a:xfrm>
       </p:grpSpPr>
+      <p:pic>
+        <p:nvPicPr>
+          <p:cNvPr id="4" name="Picture 3"/>
+          <p:cNvPicPr>
+            <a:picLocks noChangeAspect="1"/>
+          </p:cNvPicPr>
+          <p:nvPr/>
+        </p:nvPicPr>
+        <p:blipFill>
+          <a:blip r:embed="rId3">
+            <a:extLst>
+              <a:ext uri="{28A0092B-C50C-407E-A947-70E740481C1C}">
+                <a14:useLocalDpi xmlns:a14="http://schemas.microsoft.com/office/drawing/2010/main" val="0"/>
+              </a:ext>
+            </a:extLst>
+          </a:blip>
+          <a:stretch>
+            <a:fillRect/>
+          </a:stretch>
+        </p:blipFill>
+        <p:spPr>
+          <a:xfrm>
+            <a:off x="377" y="283"/>
+            <a:ext cx="9143245" cy="6857434"/>
+          </a:xfrm>
+          <a:prstGeom prst="rect">
+            <a:avLst/>
+          </a:prstGeom>
+        </p:spPr>
+      </p:pic>
       <p:sp>
         <p:nvSpPr>
           <p:cNvPr id="208" name="Shape 208"/>
@@ -14759,167 +15208,6 @@
             <a:endParaRPr sz="1800" dirty="0">
               <a:latin typeface="HelveticaNeueLT Pro 45 Lt" pitchFamily="34" charset="0"/>
             </a:endParaRPr>
-          </a:p>
-        </p:txBody>
-      </p:sp>
-    </p:spTree>
-  </p:cSld>
-  <p:clrMapOvr>
-    <a:masterClrMapping/>
-  </p:clrMapOvr>
-  <p:transition spd="slow">
-    <p:cut/>
-  </p:transition>
-  <p:timing>
-    <p:tnLst>
-      <p:par>
-        <p:cTn id="1" dur="indefinite" restart="never" nodeType="tmRoot"/>
-      </p:par>
-    </p:tnLst>
-  </p:timing>
-</p:sld>
-</file>
-
-<file path=ppt/slides/slide18.xml><?xml version="1.0" encoding="utf-8"?>
-<p:sld xmlns:a="http://schemas.openxmlformats.org/drawingml/2006/main" xmlns:r="http://schemas.openxmlformats.org/officeDocument/2006/relationships" xmlns:p="http://schemas.openxmlformats.org/presentationml/2006/main">
-  <p:cSld>
-    <p:spTree>
-      <p:nvGrpSpPr>
-        <p:cNvPr id="1" name="Shape 213"/>
-        <p:cNvGrpSpPr/>
-        <p:nvPr/>
-      </p:nvGrpSpPr>
-      <p:grpSpPr>
-        <a:xfrm>
-          <a:off x="0" y="0"/>
-          <a:ext cx="0" cy="0"/>
-          <a:chOff x="0" y="0"/>
-          <a:chExt cx="0" cy="0"/>
-        </a:xfrm>
-      </p:grpSpPr>
-      <p:sp>
-        <p:nvSpPr>
-          <p:cNvPr id="214" name="Shape 214"/>
-          <p:cNvSpPr txBox="1">
-            <a:spLocks noGrp="1"/>
-          </p:cNvSpPr>
-          <p:nvPr>
-            <p:ph type="title"/>
-          </p:nvPr>
-        </p:nvSpPr>
-        <p:spPr>
-          <a:xfrm>
-            <a:off x="457200" y="274637"/>
-            <a:ext cx="8229600" cy="1143299"/>
-          </a:xfrm>
-          <a:prstGeom prst="rect">
-            <a:avLst/>
-          </a:prstGeom>
-        </p:spPr>
-        <p:txBody>
-          <a:bodyPr lIns="91425" tIns="91425" rIns="91425" bIns="91425" anchor="b" anchorCtr="0">
-            <a:noAutofit/>
-          </a:bodyPr>
-          <a:lstStyle/>
-          <a:p>
-            <a:pPr>
-              <a:spcBef>
-                <a:spcPts val="0"/>
-              </a:spcBef>
-              <a:buNone/>
-            </a:pPr>
-            <a:r>
-              <a:rPr lang="en" dirty="0">
-                <a:solidFill>
-                  <a:srgbClr val="006A4D"/>
-                </a:solidFill>
-                <a:latin typeface="HelveticaNeueLT Pro 55 Roman" pitchFamily="34" charset="0"/>
-              </a:rPr>
-              <a:t>Conclusion</a:t>
-            </a:r>
-          </a:p>
-        </p:txBody>
-      </p:sp>
-      <p:sp>
-        <p:nvSpPr>
-          <p:cNvPr id="215" name="Shape 215"/>
-          <p:cNvSpPr txBox="1">
-            <a:spLocks noGrp="1"/>
-          </p:cNvSpPr>
-          <p:nvPr>
-            <p:ph type="body" idx="1"/>
-          </p:nvPr>
-        </p:nvSpPr>
-        <p:spPr>
-          <a:xfrm>
-            <a:off x="457200" y="1600200"/>
-            <a:ext cx="8229600" cy="4967700"/>
-          </a:xfrm>
-          <a:prstGeom prst="rect">
-            <a:avLst/>
-          </a:prstGeom>
-        </p:spPr>
-        <p:txBody>
-          <a:bodyPr lIns="91425" tIns="91425" rIns="91425" bIns="91425" anchor="t" anchorCtr="0">
-            <a:noAutofit/>
-          </a:bodyPr>
-          <a:lstStyle/>
-          <a:p>
-            <a:pPr marL="457200" lvl="0" indent="-419100" rtl="0">
-              <a:spcBef>
-                <a:spcPts val="0"/>
-              </a:spcBef>
-              <a:buClr>
-                <a:schemeClr val="dk1"/>
-              </a:buClr>
-              <a:buSzPct val="100000"/>
-              <a:buFont typeface="Arial"/>
-              <a:buChar char="●"/>
-            </a:pPr>
-            <a:r>
-              <a:rPr lang="en" dirty="0">
-                <a:latin typeface="HelveticaNeueLT Pro 45 Lt" pitchFamily="34" charset="0"/>
-              </a:rPr>
-              <a:t>Product can capture Bode plots</a:t>
-            </a:r>
-          </a:p>
-          <a:p>
-            <a:pPr marL="457200" lvl="0" indent="-419100" rtl="0">
-              <a:spcBef>
-                <a:spcPts val="0"/>
-              </a:spcBef>
-              <a:buClr>
-                <a:schemeClr val="dk1"/>
-              </a:buClr>
-              <a:buSzPct val="100000"/>
-              <a:buFont typeface="Arial"/>
-              <a:buChar char="●"/>
-            </a:pPr>
-            <a:r>
-              <a:rPr lang="en" dirty="0">
-                <a:latin typeface="HelveticaNeueLT Pro 45 Lt" pitchFamily="34" charset="0"/>
-              </a:rPr>
-              <a:t>Uses signal synthesizer, output amplifier, input frontend, ADC, and microcontroller</a:t>
-            </a:r>
-          </a:p>
-          <a:p>
-            <a:pPr marL="457200" lvl="0" indent="-419100">
-              <a:spcBef>
-                <a:spcPts val="0"/>
-              </a:spcBef>
-              <a:buClr>
-                <a:schemeClr val="dk1"/>
-              </a:buClr>
-              <a:buSzPct val="100000"/>
-              <a:buFont typeface="Arial"/>
-              <a:buChar char="●"/>
-            </a:pPr>
-            <a:r>
-              <a:rPr lang="en" dirty="0">
-                <a:latin typeface="HelveticaNeueLT Pro 45 Lt" pitchFamily="34" charset="0"/>
-              </a:rPr>
-              <a:t>These have been prototyped and tested</a:t>
-            </a:r>
           </a:p>
         </p:txBody>
       </p:sp>
@@ -14946,7 +15234,7 @@
   <p:cSld>
     <p:spTree>
       <p:nvGrpSpPr>
-        <p:cNvPr id="1" name="Shape 224"/>
+        <p:cNvPr id="1" name="Shape 213"/>
         <p:cNvGrpSpPr/>
         <p:nvPr/>
       </p:nvGrpSpPr>
@@ -14958,9 +15246,39 @@
           <a:chExt cx="0" cy="0"/>
         </a:xfrm>
       </p:grpSpPr>
+      <p:pic>
+        <p:nvPicPr>
+          <p:cNvPr id="4" name="Picture 3"/>
+          <p:cNvPicPr>
+            <a:picLocks noChangeAspect="1"/>
+          </p:cNvPicPr>
+          <p:nvPr/>
+        </p:nvPicPr>
+        <p:blipFill>
+          <a:blip r:embed="rId3">
+            <a:extLst>
+              <a:ext uri="{28A0092B-C50C-407E-A947-70E740481C1C}">
+                <a14:useLocalDpi xmlns:a14="http://schemas.microsoft.com/office/drawing/2010/main" val="0"/>
+              </a:ext>
+            </a:extLst>
+          </a:blip>
+          <a:stretch>
+            <a:fillRect/>
+          </a:stretch>
+        </p:blipFill>
+        <p:spPr>
+          <a:xfrm>
+            <a:off x="377" y="283"/>
+            <a:ext cx="9143245" cy="6857434"/>
+          </a:xfrm>
+          <a:prstGeom prst="rect">
+            <a:avLst/>
+          </a:prstGeom>
+        </p:spPr>
+      </p:pic>
       <p:sp>
         <p:nvSpPr>
-          <p:cNvPr id="225" name="Shape 225"/>
+          <p:cNvPr id="214" name="Shape 214"/>
           <p:cNvSpPr txBox="1">
             <a:spLocks noGrp="1"/>
           </p:cNvSpPr>
@@ -14970,8 +15288,8 @@
         </p:nvSpPr>
         <p:spPr>
           <a:xfrm>
-            <a:off x="457200" y="3058800"/>
-            <a:ext cx="8229600" cy="740400"/>
+            <a:off x="457200" y="274637"/>
+            <a:ext cx="8229600" cy="1143299"/>
           </a:xfrm>
           <a:prstGeom prst="rect">
             <a:avLst/>
@@ -14983,27 +15301,104 @@
           </a:bodyPr>
           <a:lstStyle/>
           <a:p>
-            <a:pPr algn="ctr">
+            <a:pPr>
               <a:spcBef>
                 <a:spcPts val="0"/>
               </a:spcBef>
               <a:buNone/>
             </a:pPr>
             <a:r>
-              <a:rPr lang="en" dirty="0" smtClean="0">
+              <a:rPr lang="en" dirty="0">
                 <a:solidFill>
                   <a:srgbClr val="006A4D"/>
                 </a:solidFill>
                 <a:latin typeface="HelveticaNeueLT Pro 55 Roman" pitchFamily="34" charset="0"/>
               </a:rPr>
-              <a:t>Demo</a:t>
+              <a:t>Conclusion</a:t>
             </a:r>
-            <a:endParaRPr lang="en" dirty="0">
-              <a:solidFill>
-                <a:srgbClr val="006A4D"/>
-              </a:solidFill>
-              <a:latin typeface="HelveticaNeueLT Pro 55 Roman" pitchFamily="34" charset="0"/>
-            </a:endParaRPr>
+          </a:p>
+        </p:txBody>
+      </p:sp>
+      <p:sp>
+        <p:nvSpPr>
+          <p:cNvPr id="215" name="Shape 215"/>
+          <p:cNvSpPr txBox="1">
+            <a:spLocks noGrp="1"/>
+          </p:cNvSpPr>
+          <p:nvPr>
+            <p:ph type="body" idx="1"/>
+          </p:nvPr>
+        </p:nvSpPr>
+        <p:spPr>
+          <a:xfrm>
+            <a:off x="457200" y="1600200"/>
+            <a:ext cx="8229600" cy="4967700"/>
+          </a:xfrm>
+          <a:prstGeom prst="rect">
+            <a:avLst/>
+          </a:prstGeom>
+        </p:spPr>
+        <p:txBody>
+          <a:bodyPr lIns="91425" tIns="91425" rIns="91425" bIns="91425" anchor="t" anchorCtr="0">
+            <a:noAutofit/>
+          </a:bodyPr>
+          <a:lstStyle/>
+          <a:p>
+            <a:pPr marL="457200" lvl="0" indent="-419100" rtl="0">
+              <a:spcBef>
+                <a:spcPts val="0"/>
+              </a:spcBef>
+              <a:buClr>
+                <a:schemeClr val="dk1"/>
+              </a:buClr>
+              <a:buSzPct val="100000"/>
+              <a:buFont typeface="Arial"/>
+              <a:buChar char="●"/>
+            </a:pPr>
+            <a:r>
+              <a:rPr lang="en" dirty="0">
+                <a:latin typeface="HelveticaNeueLT Pro 45 Lt" pitchFamily="34" charset="0"/>
+              </a:rPr>
+              <a:t>Product can capture Bode plots</a:t>
+            </a:r>
+          </a:p>
+          <a:p>
+            <a:pPr marL="457200" lvl="0" indent="-419100" rtl="0">
+              <a:spcBef>
+                <a:spcPts val="0"/>
+              </a:spcBef>
+              <a:buClr>
+                <a:schemeClr val="dk1"/>
+              </a:buClr>
+              <a:buSzPct val="100000"/>
+              <a:buFont typeface="Arial"/>
+              <a:buChar char="●"/>
+            </a:pPr>
+            <a:r>
+              <a:rPr lang="en" dirty="0">
+                <a:latin typeface="HelveticaNeueLT Pro 45 Lt" pitchFamily="34" charset="0"/>
+              </a:rPr>
+              <a:t>Uses signal synthesizer, output amplifier, input frontend, ADC, and microcontroller</a:t>
+            </a:r>
+          </a:p>
+          <a:p>
+            <a:pPr marL="457200" lvl="0" indent="-419100">
+              <a:spcBef>
+                <a:spcPts val="0"/>
+              </a:spcBef>
+              <a:buClr>
+                <a:schemeClr val="dk1"/>
+              </a:buClr>
+              <a:buSzPct val="100000"/>
+              <a:buFont typeface="Arial"/>
+              <a:buChar char="●"/>
+            </a:pPr>
+            <a:r>
+              <a:rPr lang="en" dirty="0">
+                <a:latin typeface="HelveticaNeueLT Pro 45 Lt" pitchFamily="34" charset="0"/>
+              </a:rPr>
+              <a:t>These have been prototyped and tested</a:t>
+            </a:r>
           </a:p>
         </p:txBody>
       </p:sp>
@@ -15042,6 +15437,36 @@
           <a:chExt cx="0" cy="0"/>
         </a:xfrm>
       </p:grpSpPr>
+      <p:pic>
+        <p:nvPicPr>
+          <p:cNvPr id="2" name="Picture 1"/>
+          <p:cNvPicPr>
+            <a:picLocks noChangeAspect="1"/>
+          </p:cNvPicPr>
+          <p:nvPr/>
+        </p:nvPicPr>
+        <p:blipFill>
+          <a:blip r:embed="rId3">
+            <a:extLst>
+              <a:ext uri="{28A0092B-C50C-407E-A947-70E740481C1C}">
+                <a14:useLocalDpi xmlns:a14="http://schemas.microsoft.com/office/drawing/2010/main" val="0"/>
+              </a:ext>
+            </a:extLst>
+          </a:blip>
+          <a:stretch>
+            <a:fillRect/>
+          </a:stretch>
+        </p:blipFill>
+        <p:spPr>
+          <a:xfrm>
+            <a:off x="377" y="283"/>
+            <a:ext cx="9143245" cy="6857434"/>
+          </a:xfrm>
+          <a:prstGeom prst="rect">
+            <a:avLst/>
+          </a:prstGeom>
+        </p:spPr>
+      </p:pic>
       <p:sp>
         <p:nvSpPr>
           <p:cNvPr id="109" name="Shape 109"/>
@@ -15080,7 +15505,7 @@
                 </a:solidFill>
                 <a:latin typeface="HelveticaNeueLT Pro 55 Roman" pitchFamily="34" charset="0"/>
               </a:rPr>
-              <a:t>Agenda</a:t>
+              <a:t>Team</a:t>
             </a:r>
             <a:endParaRPr lang="en" dirty="0">
               <a:solidFill>
@@ -15103,8 +15528,8 @@
         </p:nvSpPr>
         <p:spPr>
           <a:xfrm>
-            <a:off x="341500" y="1558133"/>
-            <a:ext cx="8229600" cy="4967700"/>
+            <a:off x="457200" y="1524000"/>
+            <a:ext cx="8113900" cy="5001833"/>
           </a:xfrm>
           <a:prstGeom prst="rect">
             <a:avLst/>
@@ -15116,7 +15541,7 @@
           </a:bodyPr>
           <a:lstStyle/>
           <a:p>
-            <a:pPr marL="457200" lvl="0" indent="-419100" rtl="0">
+            <a:pPr marL="38100" lvl="0" rtl="0">
               <a:spcBef>
                 <a:spcPts val="0"/>
               </a:spcBef>
@@ -15124,18 +15549,16 @@
                 <a:schemeClr val="dk1"/>
               </a:buClr>
               <a:buSzPct val="100000"/>
-              <a:buFont typeface="Arial"/>
-              <a:buChar char="●"/>
             </a:pPr>
             <a:r>
-              <a:rPr lang="en" dirty="0">
+              <a:rPr lang="en" sz="2800" dirty="0" smtClean="0">
                 <a:latin typeface="HelveticaNeueLT Pro 45 Lt" pitchFamily="34" charset="0"/>
               </a:rPr>
-              <a:t>Purpose</a:t>
+              <a:t>Chris Pavlina</a:t>
             </a:r>
           </a:p>
           <a:p>
-            <a:pPr marL="457200" lvl="0" indent="-419100" rtl="0">
+            <a:pPr marL="38100" lvl="0" rtl="0">
               <a:spcBef>
                 <a:spcPts val="0"/>
               </a:spcBef>
@@ -15143,18 +15566,22 @@
                 <a:schemeClr val="dk1"/>
               </a:buClr>
               <a:buSzPct val="100000"/>
-              <a:buFont typeface="Arial"/>
-              <a:buChar char="●"/>
             </a:pPr>
             <a:r>
-              <a:rPr lang="en" dirty="0">
+              <a:rPr lang="en" sz="2000" dirty="0" smtClean="0">
+                <a:solidFill>
+                  <a:schemeClr val="tx1">
+                    <a:lumMod val="50000"/>
+                    <a:lumOff val="50000"/>
+                  </a:schemeClr>
+                </a:solidFill>
                 <a:latin typeface="HelveticaNeueLT Pro 45 Lt" pitchFamily="34" charset="0"/>
               </a:rPr>
-              <a:t>Requirements</a:t>
+              <a:t>Electrical Engineer, Team Lead</a:t>
             </a:r>
           </a:p>
           <a:p>
-            <a:pPr marL="457200" lvl="0" indent="-419100" rtl="0">
+            <a:pPr marL="38100" lvl="0" rtl="0">
               <a:spcBef>
                 <a:spcPts val="0"/>
               </a:spcBef>
@@ -15162,18 +15589,36 @@
                 <a:schemeClr val="dk1"/>
               </a:buClr>
               <a:buSzPct val="100000"/>
-              <a:buFont typeface="Arial"/>
-              <a:buChar char="●"/>
+            </a:pPr>
+            <a:endParaRPr lang="en" sz="2000" dirty="0" smtClean="0">
+              <a:solidFill>
+                <a:schemeClr val="tx1">
+                  <a:lumMod val="50000"/>
+                  <a:lumOff val="50000"/>
+                </a:schemeClr>
+              </a:solidFill>
+              <a:latin typeface="HelveticaNeueLT Pro 45 Lt" pitchFamily="34" charset="0"/>
+            </a:endParaRPr>
+          </a:p>
+          <a:p>
+            <a:pPr marL="38100" lvl="0" rtl="0">
+              <a:spcBef>
+                <a:spcPts val="0"/>
+              </a:spcBef>
+              <a:buClr>
+                <a:schemeClr val="dk1"/>
+              </a:buClr>
+              <a:buSzPct val="100000"/>
             </a:pPr>
             <a:r>
-              <a:rPr lang="en" dirty="0">
+              <a:rPr lang="en" sz="2800" dirty="0" smtClean="0">
                 <a:latin typeface="HelveticaNeueLT Pro 45 Lt" pitchFamily="34" charset="0"/>
               </a:rPr>
-              <a:t>Design</a:t>
+              <a:t>Harrison Owens</a:t>
             </a:r>
           </a:p>
           <a:p>
-            <a:pPr marL="457200" lvl="0" indent="-419100" rtl="0">
+            <a:pPr marL="38100" lvl="0" rtl="0">
               <a:spcBef>
                 <a:spcPts val="0"/>
               </a:spcBef>
@@ -15181,18 +15626,22 @@
                 <a:schemeClr val="dk1"/>
               </a:buClr>
               <a:buSzPct val="100000"/>
-              <a:buFont typeface="Arial"/>
-              <a:buChar char="●"/>
             </a:pPr>
             <a:r>
-              <a:rPr lang="en" dirty="0">
+              <a:rPr lang="en" sz="2000" dirty="0" smtClean="0">
+                <a:solidFill>
+                  <a:schemeClr val="tx1">
+                    <a:lumMod val="50000"/>
+                    <a:lumOff val="50000"/>
+                  </a:schemeClr>
+                </a:solidFill>
                 <a:latin typeface="HelveticaNeueLT Pro 45 Lt" pitchFamily="34" charset="0"/>
               </a:rPr>
-              <a:t>Schedule</a:t>
+              <a:t>Computer Engineer</a:t>
             </a:r>
           </a:p>
           <a:p>
-            <a:pPr marL="457200" lvl="0" indent="-419100" rtl="0">
+            <a:pPr marL="38100" lvl="0" rtl="0">
               <a:spcBef>
                 <a:spcPts val="0"/>
               </a:spcBef>
@@ -15200,18 +15649,36 @@
                 <a:schemeClr val="dk1"/>
               </a:buClr>
               <a:buSzPct val="100000"/>
-              <a:buFont typeface="Arial"/>
-              <a:buChar char="●"/>
+            </a:pPr>
+            <a:endParaRPr lang="en" sz="2000" dirty="0" smtClean="0">
+              <a:solidFill>
+                <a:schemeClr val="tx1">
+                  <a:lumMod val="50000"/>
+                  <a:lumOff val="50000"/>
+                </a:schemeClr>
+              </a:solidFill>
+              <a:latin typeface="HelveticaNeueLT Pro 45 Lt" pitchFamily="34" charset="0"/>
+            </a:endParaRPr>
+          </a:p>
+          <a:p>
+            <a:pPr marL="38100" lvl="0" rtl="0">
+              <a:spcBef>
+                <a:spcPts val="0"/>
+              </a:spcBef>
+              <a:buClr>
+                <a:schemeClr val="dk1"/>
+              </a:buClr>
+              <a:buSzPct val="100000"/>
             </a:pPr>
             <a:r>
-              <a:rPr lang="en" dirty="0">
+              <a:rPr lang="en" sz="2800" dirty="0" smtClean="0">
                 <a:latin typeface="HelveticaNeueLT Pro 45 Lt" pitchFamily="34" charset="0"/>
               </a:rPr>
-              <a:t>Budget</a:t>
+              <a:t>Ken Zach</a:t>
             </a:r>
           </a:p>
           <a:p>
-            <a:pPr marL="457200" lvl="0" indent="-419100">
+            <a:pPr marL="38100" lvl="0" rtl="0">
               <a:spcBef>
                 <a:spcPts val="0"/>
               </a:spcBef>
@@ -15219,15 +15686,210 @@
                 <a:schemeClr val="dk1"/>
               </a:buClr>
               <a:buSzPct val="100000"/>
-              <a:buFont typeface="Arial"/>
-              <a:buChar char="●"/>
             </a:pPr>
             <a:r>
-              <a:rPr lang="en" dirty="0">
+              <a:rPr lang="en" sz="2000" dirty="0" smtClean="0">
+                <a:solidFill>
+                  <a:schemeClr val="tx1">
+                    <a:lumMod val="50000"/>
+                    <a:lumOff val="50000"/>
+                  </a:schemeClr>
+                </a:solidFill>
                 <a:latin typeface="HelveticaNeueLT Pro 45 Lt" pitchFamily="34" charset="0"/>
               </a:rPr>
-              <a:t>Next Steps</a:t>
+              <a:t>Computer Engineer</a:t>
             </a:r>
+          </a:p>
+          <a:p>
+            <a:pPr marL="38100" lvl="0" rtl="0">
+              <a:spcBef>
+                <a:spcPts val="0"/>
+              </a:spcBef>
+              <a:buClr>
+                <a:schemeClr val="dk1"/>
+              </a:buClr>
+              <a:buSzPct val="100000"/>
+            </a:pPr>
+            <a:endParaRPr lang="en" sz="2000" dirty="0" smtClean="0">
+              <a:latin typeface="HelveticaNeueLT Pro 45 Lt" pitchFamily="34" charset="0"/>
+            </a:endParaRPr>
+          </a:p>
+          <a:p>
+            <a:pPr marL="38100" lvl="0" rtl="0">
+              <a:spcBef>
+                <a:spcPts val="0"/>
+              </a:spcBef>
+              <a:buClr>
+                <a:schemeClr val="dk1"/>
+              </a:buClr>
+              <a:buSzPct val="100000"/>
+            </a:pPr>
+            <a:endParaRPr lang="en" sz="2000" dirty="0">
+              <a:latin typeface="HelveticaNeueLT Pro 45 Lt" pitchFamily="34" charset="0"/>
+            </a:endParaRPr>
+          </a:p>
+          <a:p>
+            <a:pPr marL="38100" lvl="0" rtl="0">
+              <a:spcBef>
+                <a:spcPts val="0"/>
+              </a:spcBef>
+              <a:buClr>
+                <a:schemeClr val="dk1"/>
+              </a:buClr>
+              <a:buSzPct val="100000"/>
+            </a:pPr>
+            <a:r>
+              <a:rPr lang="en" sz="2800" dirty="0" smtClean="0">
+                <a:latin typeface="HelveticaNeueLT Pro 45 Lt" pitchFamily="34" charset="0"/>
+              </a:rPr>
+              <a:t>Kyle Temkin</a:t>
+            </a:r>
+          </a:p>
+          <a:p>
+            <a:pPr marL="38100" lvl="0" rtl="0">
+              <a:spcBef>
+                <a:spcPts val="0"/>
+              </a:spcBef>
+              <a:buClr>
+                <a:schemeClr val="dk1"/>
+              </a:buClr>
+              <a:buSzPct val="100000"/>
+            </a:pPr>
+            <a:r>
+              <a:rPr lang="en" sz="2000" dirty="0" smtClean="0">
+                <a:solidFill>
+                  <a:schemeClr val="tx1">
+                    <a:lumMod val="50000"/>
+                    <a:lumOff val="50000"/>
+                  </a:schemeClr>
+                </a:solidFill>
+                <a:latin typeface="HelveticaNeueLT Pro 45 Lt" pitchFamily="34" charset="0"/>
+              </a:rPr>
+              <a:t>Faculty Advisor</a:t>
+            </a:r>
+            <a:endParaRPr lang="en" sz="2000" dirty="0" smtClean="0">
+              <a:solidFill>
+                <a:schemeClr val="tx1">
+                  <a:lumMod val="50000"/>
+                  <a:lumOff val="50000"/>
+                </a:schemeClr>
+              </a:solidFill>
+              <a:latin typeface="HelveticaNeueLT Pro 45 Lt" pitchFamily="34" charset="0"/>
+            </a:endParaRPr>
+          </a:p>
+        </p:txBody>
+      </p:sp>
+    </p:spTree>
+  </p:cSld>
+  <p:clrMapOvr>
+    <a:masterClrMapping/>
+  </p:clrMapOvr>
+  <p:transition spd="slow">
+    <p:cut/>
+  </p:transition>
+  <p:timing>
+    <p:tnLst>
+      <p:par>
+        <p:cTn id="1" dur="indefinite" restart="never" nodeType="tmRoot"/>
+      </p:par>
+    </p:tnLst>
+  </p:timing>
+</p:sld>
+</file>
+
+<file path=ppt/slides/slide20.xml><?xml version="1.0" encoding="utf-8"?>
+<p:sld xmlns:a="http://schemas.openxmlformats.org/drawingml/2006/main" xmlns:r="http://schemas.openxmlformats.org/officeDocument/2006/relationships" xmlns:p="http://schemas.openxmlformats.org/presentationml/2006/main">
+  <p:cSld>
+    <p:spTree>
+      <p:nvGrpSpPr>
+        <p:cNvPr id="1" name="Shape 224"/>
+        <p:cNvGrpSpPr/>
+        <p:nvPr/>
+      </p:nvGrpSpPr>
+      <p:grpSpPr>
+        <a:xfrm>
+          <a:off x="0" y="0"/>
+          <a:ext cx="0" cy="0"/>
+          <a:chOff x="0" y="0"/>
+          <a:chExt cx="0" cy="0"/>
+        </a:xfrm>
+      </p:grpSpPr>
+      <p:pic>
+        <p:nvPicPr>
+          <p:cNvPr id="3" name="Picture 2"/>
+          <p:cNvPicPr>
+            <a:picLocks noChangeAspect="1"/>
+          </p:cNvPicPr>
+          <p:nvPr/>
+        </p:nvPicPr>
+        <p:blipFill>
+          <a:blip r:embed="rId3">
+            <a:extLst>
+              <a:ext uri="{28A0092B-C50C-407E-A947-70E740481C1C}">
+                <a14:useLocalDpi xmlns:a14="http://schemas.microsoft.com/office/drawing/2010/main" val="0"/>
+              </a:ext>
+            </a:extLst>
+          </a:blip>
+          <a:stretch>
+            <a:fillRect/>
+          </a:stretch>
+        </p:blipFill>
+        <p:spPr>
+          <a:xfrm>
+            <a:off x="377" y="283"/>
+            <a:ext cx="9143245" cy="6857434"/>
+          </a:xfrm>
+          <a:prstGeom prst="rect">
+            <a:avLst/>
+          </a:prstGeom>
+        </p:spPr>
+      </p:pic>
+      <p:sp>
+        <p:nvSpPr>
+          <p:cNvPr id="225" name="Shape 225"/>
+          <p:cNvSpPr txBox="1">
+            <a:spLocks noGrp="1"/>
+          </p:cNvSpPr>
+          <p:nvPr>
+            <p:ph type="title"/>
+          </p:nvPr>
+        </p:nvSpPr>
+        <p:spPr>
+          <a:xfrm>
+            <a:off x="457200" y="3058800"/>
+            <a:ext cx="8229600" cy="740400"/>
+          </a:xfrm>
+          <a:prstGeom prst="rect">
+            <a:avLst/>
+          </a:prstGeom>
+        </p:spPr>
+        <p:txBody>
+          <a:bodyPr lIns="91425" tIns="91425" rIns="91425" bIns="91425" anchor="b" anchorCtr="0">
+            <a:noAutofit/>
+          </a:bodyPr>
+          <a:lstStyle/>
+          <a:p>
+            <a:pPr algn="ctr">
+              <a:spcBef>
+                <a:spcPts val="0"/>
+              </a:spcBef>
+              <a:buNone/>
+            </a:pPr>
+            <a:r>
+              <a:rPr lang="en" dirty="0" smtClean="0">
+                <a:solidFill>
+                  <a:srgbClr val="006A4D"/>
+                </a:solidFill>
+                <a:latin typeface="HelveticaNeueLT Pro 55 Roman" pitchFamily="34" charset="0"/>
+              </a:rPr>
+              <a:t>Demo</a:t>
+            </a:r>
+            <a:endParaRPr lang="en" dirty="0">
+              <a:solidFill>
+                <a:srgbClr val="006A4D"/>
+              </a:solidFill>
+              <a:latin typeface="HelveticaNeueLT Pro 55 Roman" pitchFamily="34" charset="0"/>
+            </a:endParaRPr>
           </a:p>
         </p:txBody>
       </p:sp>
@@ -15250,6 +15912,265 @@
 </file>
 
 <file path=ppt/slides/slide3.xml><?xml version="1.0" encoding="utf-8"?>
+<p:sld xmlns:a="http://schemas.openxmlformats.org/drawingml/2006/main" xmlns:r="http://schemas.openxmlformats.org/officeDocument/2006/relationships" xmlns:p="http://schemas.openxmlformats.org/presentationml/2006/main">
+  <p:cSld>
+    <p:spTree>
+      <p:nvGrpSpPr>
+        <p:cNvPr id="1" name="Shape 108"/>
+        <p:cNvGrpSpPr/>
+        <p:nvPr/>
+      </p:nvGrpSpPr>
+      <p:grpSpPr>
+        <a:xfrm>
+          <a:off x="0" y="0"/>
+          <a:ext cx="0" cy="0"/>
+          <a:chOff x="0" y="0"/>
+          <a:chExt cx="0" cy="0"/>
+        </a:xfrm>
+      </p:grpSpPr>
+      <p:pic>
+        <p:nvPicPr>
+          <p:cNvPr id="4" name="Picture 3"/>
+          <p:cNvPicPr>
+            <a:picLocks noChangeAspect="1"/>
+          </p:cNvPicPr>
+          <p:nvPr/>
+        </p:nvPicPr>
+        <p:blipFill>
+          <a:blip r:embed="rId3">
+            <a:extLst>
+              <a:ext uri="{28A0092B-C50C-407E-A947-70E740481C1C}">
+                <a14:useLocalDpi xmlns:a14="http://schemas.microsoft.com/office/drawing/2010/main" val="0"/>
+              </a:ext>
+            </a:extLst>
+          </a:blip>
+          <a:stretch>
+            <a:fillRect/>
+          </a:stretch>
+        </p:blipFill>
+        <p:spPr>
+          <a:xfrm>
+            <a:off x="377" y="283"/>
+            <a:ext cx="9143245" cy="6857434"/>
+          </a:xfrm>
+          <a:prstGeom prst="rect">
+            <a:avLst/>
+          </a:prstGeom>
+        </p:spPr>
+      </p:pic>
+      <p:sp>
+        <p:nvSpPr>
+          <p:cNvPr id="109" name="Shape 109"/>
+          <p:cNvSpPr txBox="1">
+            <a:spLocks noGrp="1"/>
+          </p:cNvSpPr>
+          <p:nvPr>
+            <p:ph type="title"/>
+          </p:nvPr>
+        </p:nvSpPr>
+        <p:spPr>
+          <a:xfrm>
+            <a:off x="457200" y="274637"/>
+            <a:ext cx="8229600" cy="1143299"/>
+          </a:xfrm>
+          <a:prstGeom prst="rect">
+            <a:avLst/>
+          </a:prstGeom>
+        </p:spPr>
+        <p:txBody>
+          <a:bodyPr lIns="91425" tIns="91425" rIns="91425" bIns="91425" anchor="b" anchorCtr="0">
+            <a:noAutofit/>
+          </a:bodyPr>
+          <a:lstStyle/>
+          <a:p>
+            <a:pPr>
+              <a:spcBef>
+                <a:spcPts val="0"/>
+              </a:spcBef>
+              <a:buNone/>
+            </a:pPr>
+            <a:r>
+              <a:rPr lang="en" dirty="0" smtClean="0">
+                <a:solidFill>
+                  <a:srgbClr val="006A4D"/>
+                </a:solidFill>
+                <a:latin typeface="HelveticaNeueLT Pro 55 Roman" pitchFamily="34" charset="0"/>
+              </a:rPr>
+              <a:t>Agenda</a:t>
+            </a:r>
+            <a:endParaRPr lang="en" dirty="0">
+              <a:solidFill>
+                <a:srgbClr val="006A4D"/>
+              </a:solidFill>
+              <a:latin typeface="HelveticaNeueLT Pro 55 Roman" pitchFamily="34" charset="0"/>
+            </a:endParaRPr>
+          </a:p>
+        </p:txBody>
+      </p:sp>
+      <p:sp>
+        <p:nvSpPr>
+          <p:cNvPr id="110" name="Shape 110"/>
+          <p:cNvSpPr txBox="1">
+            <a:spLocks noGrp="1"/>
+          </p:cNvSpPr>
+          <p:nvPr>
+            <p:ph type="body" idx="1"/>
+          </p:nvPr>
+        </p:nvSpPr>
+        <p:spPr>
+          <a:xfrm>
+            <a:off x="341500" y="1558133"/>
+            <a:ext cx="8229600" cy="4967700"/>
+          </a:xfrm>
+          <a:prstGeom prst="rect">
+            <a:avLst/>
+          </a:prstGeom>
+        </p:spPr>
+        <p:txBody>
+          <a:bodyPr lIns="91425" tIns="91425" rIns="91425" bIns="91425" anchor="t" anchorCtr="0">
+            <a:noAutofit/>
+          </a:bodyPr>
+          <a:lstStyle/>
+          <a:p>
+            <a:pPr marL="457200" lvl="0" indent="-419100" rtl="0">
+              <a:spcBef>
+                <a:spcPts val="0"/>
+              </a:spcBef>
+              <a:buClr>
+                <a:schemeClr val="dk1"/>
+              </a:buClr>
+              <a:buSzPct val="100000"/>
+              <a:buFont typeface="Arial"/>
+              <a:buChar char="●"/>
+            </a:pPr>
+            <a:r>
+              <a:rPr lang="en" dirty="0">
+                <a:latin typeface="HelveticaNeueLT Pro 45 Lt" pitchFamily="34" charset="0"/>
+              </a:rPr>
+              <a:t>Purpose</a:t>
+            </a:r>
+          </a:p>
+          <a:p>
+            <a:pPr marL="457200" lvl="0" indent="-419100" rtl="0">
+              <a:spcBef>
+                <a:spcPts val="0"/>
+              </a:spcBef>
+              <a:buClr>
+                <a:schemeClr val="dk1"/>
+              </a:buClr>
+              <a:buSzPct val="100000"/>
+              <a:buFont typeface="Arial"/>
+              <a:buChar char="●"/>
+            </a:pPr>
+            <a:r>
+              <a:rPr lang="en" dirty="0">
+                <a:latin typeface="HelveticaNeueLT Pro 45 Lt" pitchFamily="34" charset="0"/>
+              </a:rPr>
+              <a:t>Requirements</a:t>
+            </a:r>
+          </a:p>
+          <a:p>
+            <a:pPr marL="457200" lvl="0" indent="-419100" rtl="0">
+              <a:spcBef>
+                <a:spcPts val="0"/>
+              </a:spcBef>
+              <a:buClr>
+                <a:schemeClr val="dk1"/>
+              </a:buClr>
+              <a:buSzPct val="100000"/>
+              <a:buFont typeface="Arial"/>
+              <a:buChar char="●"/>
+            </a:pPr>
+            <a:r>
+              <a:rPr lang="en" dirty="0">
+                <a:latin typeface="HelveticaNeueLT Pro 45 Lt" pitchFamily="34" charset="0"/>
+              </a:rPr>
+              <a:t>Design</a:t>
+            </a:r>
+          </a:p>
+          <a:p>
+            <a:pPr marL="457200" lvl="0" indent="-419100" rtl="0">
+              <a:spcBef>
+                <a:spcPts val="0"/>
+              </a:spcBef>
+              <a:buClr>
+                <a:schemeClr val="dk1"/>
+              </a:buClr>
+              <a:buSzPct val="100000"/>
+              <a:buFont typeface="Arial"/>
+              <a:buChar char="●"/>
+            </a:pPr>
+            <a:r>
+              <a:rPr lang="en" dirty="0">
+                <a:latin typeface="HelveticaNeueLT Pro 45 Lt" pitchFamily="34" charset="0"/>
+              </a:rPr>
+              <a:t>Schedule</a:t>
+            </a:r>
+          </a:p>
+          <a:p>
+            <a:pPr marL="457200" lvl="0" indent="-419100" rtl="0">
+              <a:spcBef>
+                <a:spcPts val="0"/>
+              </a:spcBef>
+              <a:buClr>
+                <a:schemeClr val="dk1"/>
+              </a:buClr>
+              <a:buSzPct val="100000"/>
+              <a:buFont typeface="Arial"/>
+              <a:buChar char="●"/>
+            </a:pPr>
+            <a:r>
+              <a:rPr lang="en" dirty="0">
+                <a:latin typeface="HelveticaNeueLT Pro 45 Lt" pitchFamily="34" charset="0"/>
+              </a:rPr>
+              <a:t>Budget</a:t>
+            </a:r>
+          </a:p>
+          <a:p>
+            <a:pPr marL="457200" lvl="0" indent="-419100">
+              <a:spcBef>
+                <a:spcPts val="0"/>
+              </a:spcBef>
+              <a:buClr>
+                <a:schemeClr val="dk1"/>
+              </a:buClr>
+              <a:buSzPct val="100000"/>
+              <a:buFont typeface="Arial"/>
+              <a:buChar char="●"/>
+            </a:pPr>
+            <a:r>
+              <a:rPr lang="en" dirty="0">
+                <a:latin typeface="HelveticaNeueLT Pro 45 Lt" pitchFamily="34" charset="0"/>
+              </a:rPr>
+              <a:t>Next Steps</a:t>
+            </a:r>
+          </a:p>
+        </p:txBody>
+      </p:sp>
+    </p:spTree>
+    <p:extLst>
+      <p:ext uri="{BB962C8B-B14F-4D97-AF65-F5344CB8AC3E}">
+        <p14:creationId xmlns:p14="http://schemas.microsoft.com/office/powerpoint/2010/main" val="2227797339"/>
+      </p:ext>
+    </p:extLst>
+  </p:cSld>
+  <p:clrMapOvr>
+    <a:masterClrMapping/>
+  </p:clrMapOvr>
+  <p:transition spd="slow">
+    <p:cut/>
+  </p:transition>
+  <p:timing>
+    <p:tnLst>
+      <p:par>
+        <p:cTn id="1" dur="indefinite" restart="never" nodeType="tmRoot"/>
+      </p:par>
+    </p:tnLst>
+  </p:timing>
+</p:sld>
+</file>
+
+<file path=ppt/slides/slide4.xml><?xml version="1.0" encoding="utf-8"?>
 <p:sld xmlns:a="http://schemas.openxmlformats.org/drawingml/2006/main" xmlns:r="http://schemas.openxmlformats.org/officeDocument/2006/relationships" xmlns:p="http://schemas.openxmlformats.org/presentationml/2006/main">
   <p:cSld>
     <p:spTree>
@@ -15403,7 +16324,7 @@
         </p:blipFill>
         <p:spPr>
           <a:xfrm>
-            <a:off x="4792475" y="3319000"/>
+            <a:off x="4267200" y="3124200"/>
             <a:ext cx="3894325" cy="3117825"/>
           </a:xfrm>
           <a:prstGeom prst="rect">
@@ -15415,197 +16336,6 @@
           </a:ln>
         </p:spPr>
       </p:pic>
-    </p:spTree>
-  </p:cSld>
-  <p:clrMapOvr>
-    <a:masterClrMapping/>
-  </p:clrMapOvr>
-  <p:transition spd="slow">
-    <p:cut/>
-  </p:transition>
-  <p:timing>
-    <p:tnLst>
-      <p:par>
-        <p:cTn id="1" dur="indefinite" restart="never" nodeType="tmRoot"/>
-      </p:par>
-    </p:tnLst>
-  </p:timing>
-</p:sld>
-</file>
-
-<file path=ppt/slides/slide4.xml><?xml version="1.0" encoding="utf-8"?>
-<p:sld xmlns:a="http://schemas.openxmlformats.org/drawingml/2006/main" xmlns:r="http://schemas.openxmlformats.org/officeDocument/2006/relationships" xmlns:p="http://schemas.openxmlformats.org/presentationml/2006/main">
-  <p:cSld>
-    <p:spTree>
-      <p:nvGrpSpPr>
-        <p:cNvPr id="1" name="Shape 121"/>
-        <p:cNvGrpSpPr/>
-        <p:nvPr/>
-      </p:nvGrpSpPr>
-      <p:grpSpPr>
-        <a:xfrm>
-          <a:off x="0" y="0"/>
-          <a:ext cx="0" cy="0"/>
-          <a:chOff x="0" y="0"/>
-          <a:chExt cx="0" cy="0"/>
-        </a:xfrm>
-      </p:grpSpPr>
-      <p:sp>
-        <p:nvSpPr>
-          <p:cNvPr id="122" name="Shape 122"/>
-          <p:cNvSpPr txBox="1">
-            <a:spLocks noGrp="1"/>
-          </p:cNvSpPr>
-          <p:nvPr>
-            <p:ph type="title"/>
-          </p:nvPr>
-        </p:nvSpPr>
-        <p:spPr>
-          <a:xfrm>
-            <a:off x="457200" y="274637"/>
-            <a:ext cx="8229600" cy="1143299"/>
-          </a:xfrm>
-          <a:prstGeom prst="rect">
-            <a:avLst/>
-          </a:prstGeom>
-        </p:spPr>
-        <p:txBody>
-          <a:bodyPr lIns="91425" tIns="91425" rIns="91425" bIns="91425" anchor="b" anchorCtr="0">
-            <a:noAutofit/>
-          </a:bodyPr>
-          <a:lstStyle/>
-          <a:p>
-            <a:pPr>
-              <a:spcBef>
-                <a:spcPts val="0"/>
-              </a:spcBef>
-              <a:buNone/>
-            </a:pPr>
-            <a:r>
-              <a:rPr lang="en" dirty="0">
-                <a:solidFill>
-                  <a:srgbClr val="006A4D"/>
-                </a:solidFill>
-                <a:latin typeface="HelveticaNeueLT Pro 55 Roman" pitchFamily="34" charset="0"/>
-              </a:rPr>
-              <a:t>Uses</a:t>
-            </a:r>
-          </a:p>
-        </p:txBody>
-      </p:sp>
-      <p:sp>
-        <p:nvSpPr>
-          <p:cNvPr id="123" name="Shape 123"/>
-          <p:cNvSpPr txBox="1">
-            <a:spLocks noGrp="1"/>
-          </p:cNvSpPr>
-          <p:nvPr>
-            <p:ph type="body" idx="1"/>
-          </p:nvPr>
-        </p:nvSpPr>
-        <p:spPr>
-          <a:xfrm>
-            <a:off x="457200" y="1600200"/>
-            <a:ext cx="8229600" cy="4967700"/>
-          </a:xfrm>
-          <a:prstGeom prst="rect">
-            <a:avLst/>
-          </a:prstGeom>
-        </p:spPr>
-        <p:txBody>
-          <a:bodyPr lIns="91425" tIns="91425" rIns="91425" bIns="91425" anchor="t" anchorCtr="0">
-            <a:noAutofit/>
-          </a:bodyPr>
-          <a:lstStyle/>
-          <a:p>
-            <a:pPr rtl="0">
-              <a:spcBef>
-                <a:spcPts val="0"/>
-              </a:spcBef>
-              <a:buNone/>
-            </a:pPr>
-            <a:r>
-              <a:rPr lang="en" dirty="0" smtClean="0">
-                <a:latin typeface="HelveticaNeueLT Pro 45 Lt" pitchFamily="34" charset="0"/>
-              </a:rPr>
-              <a:t>Education</a:t>
-            </a:r>
-            <a:endParaRPr lang="en" dirty="0">
-              <a:latin typeface="HelveticaNeueLT Pro 45 Lt" pitchFamily="34" charset="0"/>
-            </a:endParaRPr>
-          </a:p>
-          <a:p>
-            <a:pPr rtl="0">
-              <a:spcBef>
-                <a:spcPts val="0"/>
-              </a:spcBef>
-              <a:buNone/>
-            </a:pPr>
-            <a:r>
-              <a:rPr lang="en" dirty="0" smtClean="0">
-                <a:latin typeface="HelveticaNeueLT Pro 45 Lt" pitchFamily="34" charset="0"/>
-              </a:rPr>
-              <a:t>Testing, design, characterization of:</a:t>
-            </a:r>
-            <a:endParaRPr lang="en" dirty="0">
-              <a:latin typeface="HelveticaNeueLT Pro 45 Lt" pitchFamily="34" charset="0"/>
-            </a:endParaRPr>
-          </a:p>
-          <a:p>
-            <a:pPr marL="457200" lvl="0" indent="-419100">
-              <a:buFont typeface="Arial"/>
-              <a:buChar char="●"/>
-            </a:pPr>
-            <a:r>
-              <a:rPr lang="en" dirty="0" smtClean="0">
-                <a:latin typeface="HelveticaNeueLT Pro 45 Lt" pitchFamily="34" charset="0"/>
-              </a:rPr>
-              <a:t>Signal </a:t>
-            </a:r>
-            <a:r>
-              <a:rPr lang="en" dirty="0">
-                <a:latin typeface="HelveticaNeueLT Pro 45 Lt" pitchFamily="34" charset="0"/>
-              </a:rPr>
-              <a:t>filters</a:t>
-            </a:r>
-          </a:p>
-          <a:p>
-            <a:pPr marL="457200" lvl="0" indent="-419100">
-              <a:buFont typeface="Arial"/>
-              <a:buChar char="●"/>
-            </a:pPr>
-            <a:r>
-              <a:rPr lang="en" dirty="0">
-                <a:latin typeface="HelveticaNeueLT Pro 45 Lt" pitchFamily="34" charset="0"/>
-              </a:rPr>
-              <a:t>Signal amplifiers</a:t>
-            </a:r>
-          </a:p>
-          <a:p>
-            <a:pPr marL="457200" lvl="0" indent="-419100">
-              <a:buFont typeface="Arial"/>
-              <a:buChar char="●"/>
-            </a:pPr>
-            <a:r>
-              <a:rPr lang="en" dirty="0">
-                <a:latin typeface="HelveticaNeueLT Pro 45 Lt" pitchFamily="34" charset="0"/>
-              </a:rPr>
-              <a:t>Control systems</a:t>
-            </a:r>
-          </a:p>
-          <a:p>
-            <a:pPr lvl="0">
-              <a:spcBef>
-                <a:spcPts val="0"/>
-              </a:spcBef>
-              <a:buNone/>
-            </a:pPr>
-            <a:endParaRPr lang="en" dirty="0">
-              <a:latin typeface="HelveticaNeueLT Pro 45 Lt" pitchFamily="34" charset="0"/>
-            </a:endParaRPr>
-          </a:p>
-        </p:txBody>
-      </p:sp>
     </p:spTree>
   </p:cSld>
   <p:clrMapOvr>
@@ -15629,7 +16359,7 @@
   <p:cSld>
     <p:spTree>
       <p:nvGrpSpPr>
-        <p:cNvPr id="1" name="Shape 127"/>
+        <p:cNvPr id="1" name="Shape 121"/>
         <p:cNvGrpSpPr/>
         <p:nvPr/>
       </p:nvGrpSpPr>
@@ -15641,9 +16371,39 @@
           <a:chExt cx="0" cy="0"/>
         </a:xfrm>
       </p:grpSpPr>
+      <p:pic>
+        <p:nvPicPr>
+          <p:cNvPr id="2" name="Picture 1"/>
+          <p:cNvPicPr>
+            <a:picLocks noChangeAspect="1"/>
+          </p:cNvPicPr>
+          <p:nvPr/>
+        </p:nvPicPr>
+        <p:blipFill>
+          <a:blip r:embed="rId3">
+            <a:extLst>
+              <a:ext uri="{28A0092B-C50C-407E-A947-70E740481C1C}">
+                <a14:useLocalDpi xmlns:a14="http://schemas.microsoft.com/office/drawing/2010/main" val="0"/>
+              </a:ext>
+            </a:extLst>
+          </a:blip>
+          <a:stretch>
+            <a:fillRect/>
+          </a:stretch>
+        </p:blipFill>
+        <p:spPr>
+          <a:xfrm>
+            <a:off x="377" y="283"/>
+            <a:ext cx="9143245" cy="6857434"/>
+          </a:xfrm>
+          <a:prstGeom prst="rect">
+            <a:avLst/>
+          </a:prstGeom>
+        </p:spPr>
+      </p:pic>
       <p:sp>
         <p:nvSpPr>
-          <p:cNvPr id="128" name="Shape 128"/>
+          <p:cNvPr id="122" name="Shape 122"/>
           <p:cNvSpPr txBox="1">
             <a:spLocks noGrp="1"/>
           </p:cNvSpPr>
@@ -15679,14 +16439,14 @@
                 </a:solidFill>
                 <a:latin typeface="HelveticaNeueLT Pro 55 Roman" pitchFamily="34" charset="0"/>
               </a:rPr>
-              <a:t>Why?</a:t>
+              <a:t>Uses</a:t>
             </a:r>
           </a:p>
         </p:txBody>
       </p:sp>
       <p:sp>
         <p:nvSpPr>
-          <p:cNvPr id="129" name="Shape 129"/>
+          <p:cNvPr id="123" name="Shape 123"/>
           <p:cNvSpPr txBox="1">
             <a:spLocks noGrp="1"/>
           </p:cNvSpPr>
@@ -15709,283 +16469,91 @@
           </a:bodyPr>
           <a:lstStyle/>
           <a:p>
-            <a:pPr marL="457200" lvl="0" indent="-419100" rtl="0">
-              <a:spcBef>
-                <a:spcPts val="0"/>
-              </a:spcBef>
-              <a:buClr>
-                <a:schemeClr val="dk1"/>
-              </a:buClr>
-              <a:buSzPct val="100000"/>
+            <a:pPr rtl="0">
+              <a:spcBef>
+                <a:spcPts val="0"/>
+              </a:spcBef>
+              <a:buNone/>
+            </a:pPr>
+            <a:r>
+              <a:rPr lang="en" dirty="0" smtClean="0">
+                <a:latin typeface="HelveticaNeueLT Pro 45 Lt" pitchFamily="34" charset="0"/>
+              </a:rPr>
+              <a:t>Education</a:t>
+            </a:r>
+            <a:endParaRPr lang="en" dirty="0">
+              <a:latin typeface="HelveticaNeueLT Pro 45 Lt" pitchFamily="34" charset="0"/>
+            </a:endParaRPr>
+          </a:p>
+          <a:p>
+            <a:pPr rtl="0">
+              <a:spcBef>
+                <a:spcPts val="0"/>
+              </a:spcBef>
+              <a:buNone/>
+            </a:pPr>
+            <a:r>
+              <a:rPr lang="en" dirty="0" smtClean="0">
+                <a:latin typeface="HelveticaNeueLT Pro 45 Lt" pitchFamily="34" charset="0"/>
+              </a:rPr>
+              <a:t>Testing, design, characterization of:</a:t>
+            </a:r>
+            <a:endParaRPr lang="en" dirty="0">
+              <a:latin typeface="HelveticaNeueLT Pro 45 Lt" pitchFamily="34" charset="0"/>
+            </a:endParaRPr>
+          </a:p>
+          <a:p>
+            <a:pPr marL="457200" lvl="0" indent="-419100">
               <a:buFont typeface="Arial"/>
               <a:buChar char="●"/>
             </a:pPr>
+            <a:r>
+              <a:rPr lang="en" dirty="0" smtClean="0">
+                <a:latin typeface="HelveticaNeueLT Pro 45 Lt" pitchFamily="34" charset="0"/>
+              </a:rPr>
+              <a:t>Signal </a:t>
+            </a:r>
             <a:r>
               <a:rPr lang="en" dirty="0">
                 <a:latin typeface="HelveticaNeueLT Pro 45 Lt" pitchFamily="34" charset="0"/>
               </a:rPr>
-              <a:t>Current state of industry</a:t>
+              <a:t>filters</a:t>
             </a:r>
           </a:p>
           <a:p>
-            <a:pPr marL="914400" lvl="1" indent="-381000" rtl="0">
-              <a:spcBef>
-                <a:spcPts val="0"/>
-              </a:spcBef>
-              <a:buClr>
-                <a:schemeClr val="dk1"/>
-              </a:buClr>
-              <a:buSzPct val="80000"/>
-              <a:buFont typeface="Courier New"/>
-              <a:buChar char="o"/>
+            <a:pPr marL="457200" lvl="0" indent="-419100">
+              <a:buFont typeface="Arial"/>
+              <a:buChar char="●"/>
             </a:pPr>
             <a:r>
               <a:rPr lang="en" dirty="0">
                 <a:latin typeface="HelveticaNeueLT Pro 45 Lt" pitchFamily="34" charset="0"/>
               </a:rPr>
-              <a:t>Large</a:t>
+              <a:t>Signal amplifiers</a:t>
             </a:r>
           </a:p>
           <a:p>
-            <a:pPr marL="914400" lvl="1" indent="-381000" rtl="0">
-              <a:spcBef>
-                <a:spcPts val="0"/>
-              </a:spcBef>
-              <a:buClr>
-                <a:schemeClr val="dk1"/>
-              </a:buClr>
-              <a:buSzPct val="80000"/>
-              <a:buFont typeface="Courier New"/>
-              <a:buChar char="o"/>
+            <a:pPr marL="457200" lvl="0" indent="-419100">
+              <a:buFont typeface="Arial"/>
+              <a:buChar char="●"/>
             </a:pPr>
             <a:r>
               <a:rPr lang="en" dirty="0">
                 <a:latin typeface="HelveticaNeueLT Pro 45 Lt" pitchFamily="34" charset="0"/>
               </a:rPr>
-              <a:t>Expensive</a:t>
+              <a:t>Control systems</a:t>
             </a:r>
           </a:p>
           <a:p>
-            <a:pPr marL="914400" lvl="1" indent="-381000" rtl="0">
-              <a:spcBef>
-                <a:spcPts val="0"/>
-              </a:spcBef>
-              <a:buClr>
-                <a:schemeClr val="dk1"/>
-              </a:buClr>
-              <a:buSzPct val="80000"/>
-              <a:buFont typeface="Courier New"/>
-              <a:buChar char="o"/>
-            </a:pPr>
-            <a:r>
-              <a:rPr lang="en" dirty="0">
-                <a:latin typeface="HelveticaNeueLT Pro 45 Lt" pitchFamily="34" charset="0"/>
-              </a:rPr>
-              <a:t>Learning curve</a:t>
-            </a:r>
-          </a:p>
-          <a:p>
-            <a:pPr marL="914400" lvl="1" indent="-381000" rtl="0">
-              <a:spcBef>
-                <a:spcPts val="0"/>
-              </a:spcBef>
-              <a:buClr>
-                <a:schemeClr val="dk1"/>
-              </a:buClr>
-              <a:buSzPct val="80000"/>
-              <a:buFont typeface="Courier New"/>
-              <a:buChar char="o"/>
-            </a:pPr>
-            <a:r>
-              <a:rPr lang="en" dirty="0">
-                <a:latin typeface="HelveticaNeueLT Pro 45 Lt" pitchFamily="34" charset="0"/>
-              </a:rPr>
-              <a:t>Students can’t see how it works!</a:t>
-            </a:r>
-          </a:p>
-          <a:p>
-            <a:pPr marL="0" indent="0" rtl="0">
+            <a:pPr lvl="0">
               <a:spcBef>
                 <a:spcPts val="0"/>
               </a:spcBef>
               <a:buNone/>
             </a:pPr>
-            <a:endParaRPr dirty="0">
+            <a:endParaRPr lang="en" dirty="0">
               <a:latin typeface="HelveticaNeueLT Pro 45 Lt" pitchFamily="34" charset="0"/>
             </a:endParaRPr>
-          </a:p>
-          <a:p>
-            <a:pPr marL="457200" lvl="0" indent="-419100" rtl="0">
-              <a:spcBef>
-                <a:spcPts val="0"/>
-              </a:spcBef>
-              <a:buClr>
-                <a:schemeClr val="dk1"/>
-              </a:buClr>
-              <a:buSzPct val="100000"/>
-              <a:buFont typeface="Arial"/>
-              <a:buChar char="●"/>
-            </a:pPr>
-            <a:r>
-              <a:rPr lang="en" dirty="0">
-                <a:latin typeface="HelveticaNeueLT Pro 45 Lt" pitchFamily="34" charset="0"/>
-              </a:rPr>
-              <a:t>Our Goal</a:t>
-            </a:r>
-          </a:p>
-          <a:p>
-            <a:pPr marL="914400" lvl="1" indent="-381000" rtl="0">
-              <a:spcBef>
-                <a:spcPts val="0"/>
-              </a:spcBef>
-              <a:buClr>
-                <a:schemeClr val="dk1"/>
-              </a:buClr>
-              <a:buSzPct val="80000"/>
-              <a:buFont typeface="Courier New"/>
-              <a:buChar char="o"/>
-            </a:pPr>
-            <a:r>
-              <a:rPr lang="en" dirty="0">
-                <a:latin typeface="HelveticaNeueLT Pro 45 Lt" pitchFamily="34" charset="0"/>
-              </a:rPr>
-              <a:t>Portable</a:t>
-            </a:r>
-          </a:p>
-          <a:p>
-            <a:pPr marL="914400" lvl="1" indent="-381000" rtl="0">
-              <a:spcBef>
-                <a:spcPts val="0"/>
-              </a:spcBef>
-              <a:buClr>
-                <a:schemeClr val="dk1"/>
-              </a:buClr>
-              <a:buSzPct val="80000"/>
-              <a:buFont typeface="Courier New"/>
-              <a:buChar char="o"/>
-            </a:pPr>
-            <a:r>
-              <a:rPr lang="en" dirty="0">
-                <a:latin typeface="HelveticaNeueLT Pro 45 Lt" pitchFamily="34" charset="0"/>
-              </a:rPr>
-              <a:t>Cost around $200</a:t>
-            </a:r>
-          </a:p>
-          <a:p>
-            <a:pPr marL="914400" lvl="1" indent="-381000" rtl="0">
-              <a:spcBef>
-                <a:spcPts val="0"/>
-              </a:spcBef>
-              <a:buClr>
-                <a:schemeClr val="dk1"/>
-              </a:buClr>
-              <a:buSzPct val="80000"/>
-              <a:buFont typeface="Courier New"/>
-              <a:buChar char="o"/>
-            </a:pPr>
-            <a:r>
-              <a:rPr lang="en" dirty="0">
-                <a:latin typeface="HelveticaNeueLT Pro 45 Lt" pitchFamily="34" charset="0"/>
-              </a:rPr>
-              <a:t>Easy to use for students and teachers</a:t>
-            </a:r>
-          </a:p>
-          <a:p>
-            <a:pPr marL="914400" lvl="1" indent="-381000" rtl="0">
-              <a:spcBef>
-                <a:spcPts val="0"/>
-              </a:spcBef>
-              <a:buClr>
-                <a:schemeClr val="dk1"/>
-              </a:buClr>
-              <a:buSzPct val="80000"/>
-              <a:buFont typeface="Courier New"/>
-              <a:buChar char="o"/>
-            </a:pPr>
-            <a:r>
-              <a:rPr lang="en" dirty="0">
-                <a:latin typeface="HelveticaNeueLT Pro 45 Lt" pitchFamily="34" charset="0"/>
-              </a:rPr>
-              <a:t>Open source</a:t>
-            </a:r>
-          </a:p>
-          <a:p>
-            <a:pPr marL="457200" lvl="0" indent="0">
-              <a:spcBef>
-                <a:spcPts val="0"/>
-              </a:spcBef>
-              <a:buNone/>
-            </a:pPr>
-            <a:endParaRPr dirty="0">
-              <a:latin typeface="HelveticaNeueLT Pro 45 Lt" pitchFamily="34" charset="0"/>
-            </a:endParaRPr>
-          </a:p>
-        </p:txBody>
-      </p:sp>
-      <p:pic>
-        <p:nvPicPr>
-          <p:cNvPr id="4" name="Picture 3"/>
-          <p:cNvPicPr>
-            <a:picLocks noChangeAspect="1"/>
-          </p:cNvPicPr>
-          <p:nvPr/>
-        </p:nvPicPr>
-        <p:blipFill rotWithShape="1">
-          <a:blip r:embed="rId3">
-            <a:extLst>
-              <a:ext uri="{28A0092B-C50C-407E-A947-70E740481C1C}">
-                <a14:useLocalDpi xmlns:a14="http://schemas.microsoft.com/office/drawing/2010/main" val="0"/>
-              </a:ext>
-            </a:extLst>
-          </a:blip>
-          <a:srcRect l="3816" t="7182" r="3410" b="6626"/>
-          <a:stretch/>
-        </p:blipFill>
-        <p:spPr>
-          <a:xfrm>
-            <a:off x="5240767" y="914400"/>
-            <a:ext cx="3524596" cy="2144684"/>
-          </a:xfrm>
-          <a:prstGeom prst="rect">
-            <a:avLst/>
-          </a:prstGeom>
-        </p:spPr>
-      </p:pic>
-      <p:sp>
-        <p:nvSpPr>
-          <p:cNvPr id="5" name="TextBox 4"/>
-          <p:cNvSpPr txBox="1"/>
-          <p:nvPr/>
-        </p:nvSpPr>
-        <p:spPr>
-          <a:xfrm>
-            <a:off x="3259056" y="6539342"/>
-            <a:ext cx="5884944" cy="307777"/>
-          </a:xfrm>
-          <a:prstGeom prst="rect">
-            <a:avLst/>
-          </a:prstGeom>
-          <a:noFill/>
-        </p:spPr>
-        <p:txBody>
-          <a:bodyPr wrap="none" rtlCol="0">
-            <a:spAutoFit/>
-          </a:bodyPr>
-          <a:lstStyle/>
-          <a:p>
-            <a:r>
-              <a:rPr lang="en-US" dirty="0" smtClean="0"/>
-              <a:t>Image: </a:t>
-            </a:r>
-            <a:r>
-              <a:rPr lang="en-US" dirty="0" err="1" smtClean="0"/>
-              <a:t>Keysight</a:t>
-            </a:r>
-            <a:r>
-              <a:rPr lang="en-US" dirty="0" smtClean="0"/>
-              <a:t> Technologies, “E5071C ENA Series Network Analyzer”</a:t>
-            </a:r>
-            <a:endParaRPr lang="en-US" dirty="0"/>
           </a:p>
         </p:txBody>
       </p:sp>
@@ -16012,7 +16580,7 @@
   <p:cSld>
     <p:spTree>
       <p:nvGrpSpPr>
-        <p:cNvPr id="1" name="Shape 133"/>
+        <p:cNvPr id="1" name="Shape 127"/>
         <p:cNvGrpSpPr/>
         <p:nvPr/>
       </p:nvGrpSpPr>
@@ -16024,9 +16592,39 @@
           <a:chExt cx="0" cy="0"/>
         </a:xfrm>
       </p:grpSpPr>
+      <p:pic>
+        <p:nvPicPr>
+          <p:cNvPr id="6" name="Picture 5"/>
+          <p:cNvPicPr>
+            <a:picLocks noChangeAspect="1"/>
+          </p:cNvPicPr>
+          <p:nvPr/>
+        </p:nvPicPr>
+        <p:blipFill>
+          <a:blip r:embed="rId3">
+            <a:extLst>
+              <a:ext uri="{28A0092B-C50C-407E-A947-70E740481C1C}">
+                <a14:useLocalDpi xmlns:a14="http://schemas.microsoft.com/office/drawing/2010/main" val="0"/>
+              </a:ext>
+            </a:extLst>
+          </a:blip>
+          <a:stretch>
+            <a:fillRect/>
+          </a:stretch>
+        </p:blipFill>
+        <p:spPr>
+          <a:xfrm>
+            <a:off x="377" y="283"/>
+            <a:ext cx="9143245" cy="6857434"/>
+          </a:xfrm>
+          <a:prstGeom prst="rect">
+            <a:avLst/>
+          </a:prstGeom>
+        </p:spPr>
+      </p:pic>
       <p:sp>
         <p:nvSpPr>
-          <p:cNvPr id="134" name="Shape 134"/>
+          <p:cNvPr id="128" name="Shape 128"/>
           <p:cNvSpPr txBox="1">
             <a:spLocks noGrp="1"/>
           </p:cNvSpPr>
@@ -16062,39 +16660,316 @@
                 </a:solidFill>
                 <a:latin typeface="HelveticaNeueLT Pro 55 Roman" pitchFamily="34" charset="0"/>
               </a:rPr>
-              <a:t>Requirements</a:t>
+              <a:t>Why?</a:t>
             </a:r>
+          </a:p>
+        </p:txBody>
+      </p:sp>
+      <p:sp>
+        <p:nvSpPr>
+          <p:cNvPr id="129" name="Shape 129"/>
+          <p:cNvSpPr txBox="1">
+            <a:spLocks noGrp="1"/>
+          </p:cNvSpPr>
+          <p:nvPr>
+            <p:ph type="body" idx="1"/>
+          </p:nvPr>
+        </p:nvSpPr>
+        <p:spPr>
+          <a:xfrm>
+            <a:off x="457200" y="1600200"/>
+            <a:ext cx="8229600" cy="4967700"/>
+          </a:xfrm>
+          <a:prstGeom prst="rect">
+            <a:avLst/>
+          </a:prstGeom>
+        </p:spPr>
+        <p:txBody>
+          <a:bodyPr lIns="91425" tIns="91425" rIns="91425" bIns="91425" anchor="t" anchorCtr="0">
+            <a:noAutofit/>
+          </a:bodyPr>
+          <a:lstStyle/>
+          <a:p>
+            <a:pPr marL="457200" lvl="0" indent="-419100" rtl="0">
+              <a:spcBef>
+                <a:spcPts val="0"/>
+              </a:spcBef>
+              <a:buClr>
+                <a:schemeClr val="dk1"/>
+              </a:buClr>
+              <a:buSzPct val="100000"/>
+              <a:buFont typeface="Arial"/>
+              <a:buChar char="●"/>
+            </a:pPr>
+            <a:r>
+              <a:rPr lang="en" dirty="0">
+                <a:latin typeface="HelveticaNeueLT Pro 45 Lt" pitchFamily="34" charset="0"/>
+              </a:rPr>
+              <a:t>Current state of industry</a:t>
+            </a:r>
+          </a:p>
+          <a:p>
+            <a:pPr marL="914400" lvl="1" indent="-381000" rtl="0">
+              <a:spcBef>
+                <a:spcPts val="0"/>
+              </a:spcBef>
+              <a:buClr>
+                <a:schemeClr val="dk1"/>
+              </a:buClr>
+              <a:buSzPct val="80000"/>
+              <a:buFont typeface="Courier New"/>
+              <a:buChar char="o"/>
+            </a:pPr>
+            <a:r>
+              <a:rPr lang="en" dirty="0">
+                <a:latin typeface="HelveticaNeueLT Pro 45 Lt" pitchFamily="34" charset="0"/>
+              </a:rPr>
+              <a:t>Large</a:t>
+            </a:r>
+          </a:p>
+          <a:p>
+            <a:pPr marL="914400" lvl="1" indent="-381000" rtl="0">
+              <a:spcBef>
+                <a:spcPts val="0"/>
+              </a:spcBef>
+              <a:buClr>
+                <a:schemeClr val="dk1"/>
+              </a:buClr>
+              <a:buSzPct val="80000"/>
+              <a:buFont typeface="Courier New"/>
+              <a:buChar char="o"/>
+            </a:pPr>
+            <a:r>
+              <a:rPr lang="en" dirty="0">
+                <a:latin typeface="HelveticaNeueLT Pro 45 Lt" pitchFamily="34" charset="0"/>
+              </a:rPr>
+              <a:t>Expensive</a:t>
+            </a:r>
+          </a:p>
+          <a:p>
+            <a:pPr marL="914400" lvl="1" indent="-381000" rtl="0">
+              <a:spcBef>
+                <a:spcPts val="0"/>
+              </a:spcBef>
+              <a:buClr>
+                <a:schemeClr val="dk1"/>
+              </a:buClr>
+              <a:buSzPct val="80000"/>
+              <a:buFont typeface="Courier New"/>
+              <a:buChar char="o"/>
+            </a:pPr>
+            <a:r>
+              <a:rPr lang="en" dirty="0">
+                <a:latin typeface="HelveticaNeueLT Pro 45 Lt" pitchFamily="34" charset="0"/>
+              </a:rPr>
+              <a:t>Learning curve</a:t>
+            </a:r>
+          </a:p>
+          <a:p>
+            <a:pPr marL="914400" lvl="1" indent="-381000" rtl="0">
+              <a:spcBef>
+                <a:spcPts val="0"/>
+              </a:spcBef>
+              <a:buClr>
+                <a:schemeClr val="dk1"/>
+              </a:buClr>
+              <a:buSzPct val="80000"/>
+              <a:buFont typeface="Courier New"/>
+              <a:buChar char="o"/>
+            </a:pPr>
+            <a:r>
+              <a:rPr lang="en" dirty="0">
+                <a:latin typeface="HelveticaNeueLT Pro 45 Lt" pitchFamily="34" charset="0"/>
+              </a:rPr>
+              <a:t>Students can’t see how it works!</a:t>
+            </a:r>
+          </a:p>
+          <a:p>
+            <a:pPr marL="0" indent="0" rtl="0">
+              <a:spcBef>
+                <a:spcPts val="0"/>
+              </a:spcBef>
+              <a:buNone/>
+            </a:pPr>
+            <a:endParaRPr dirty="0">
+              <a:latin typeface="HelveticaNeueLT Pro 45 Lt" pitchFamily="34" charset="0"/>
+            </a:endParaRPr>
+          </a:p>
+          <a:p>
+            <a:pPr marL="457200" lvl="0" indent="-419100" rtl="0">
+              <a:spcBef>
+                <a:spcPts val="0"/>
+              </a:spcBef>
+              <a:buClr>
+                <a:schemeClr val="dk1"/>
+              </a:buClr>
+              <a:buSzPct val="100000"/>
+              <a:buFont typeface="Arial"/>
+              <a:buChar char="●"/>
+            </a:pPr>
+            <a:r>
+              <a:rPr lang="en" dirty="0">
+                <a:latin typeface="HelveticaNeueLT Pro 45 Lt" pitchFamily="34" charset="0"/>
+              </a:rPr>
+              <a:t>Our Goal</a:t>
+            </a:r>
+          </a:p>
+          <a:p>
+            <a:pPr marL="914400" lvl="1" indent="-381000" rtl="0">
+              <a:spcBef>
+                <a:spcPts val="0"/>
+              </a:spcBef>
+              <a:buClr>
+                <a:schemeClr val="dk1"/>
+              </a:buClr>
+              <a:buSzPct val="80000"/>
+              <a:buFont typeface="Courier New"/>
+              <a:buChar char="o"/>
+            </a:pPr>
+            <a:r>
+              <a:rPr lang="en" dirty="0">
+                <a:latin typeface="HelveticaNeueLT Pro 45 Lt" pitchFamily="34" charset="0"/>
+              </a:rPr>
+              <a:t>Portable</a:t>
+            </a:r>
+          </a:p>
+          <a:p>
+            <a:pPr marL="914400" lvl="1" indent="-381000" rtl="0">
+              <a:spcBef>
+                <a:spcPts val="0"/>
+              </a:spcBef>
+              <a:buClr>
+                <a:schemeClr val="dk1"/>
+              </a:buClr>
+              <a:buSzPct val="80000"/>
+              <a:buFont typeface="Courier New"/>
+              <a:buChar char="o"/>
+            </a:pPr>
+            <a:r>
+              <a:rPr lang="en" dirty="0">
+                <a:latin typeface="HelveticaNeueLT Pro 45 Lt" pitchFamily="34" charset="0"/>
+              </a:rPr>
+              <a:t>Cost around $200</a:t>
+            </a:r>
+          </a:p>
+          <a:p>
+            <a:pPr marL="914400" lvl="1" indent="-381000" rtl="0">
+              <a:spcBef>
+                <a:spcPts val="0"/>
+              </a:spcBef>
+              <a:buClr>
+                <a:schemeClr val="dk1"/>
+              </a:buClr>
+              <a:buSzPct val="80000"/>
+              <a:buFont typeface="Courier New"/>
+              <a:buChar char="o"/>
+            </a:pPr>
+            <a:r>
+              <a:rPr lang="en" dirty="0">
+                <a:latin typeface="HelveticaNeueLT Pro 45 Lt" pitchFamily="34" charset="0"/>
+              </a:rPr>
+              <a:t>Easy to use for students and teachers</a:t>
+            </a:r>
+          </a:p>
+          <a:p>
+            <a:pPr marL="914400" lvl="1" indent="-381000" rtl="0">
+              <a:spcBef>
+                <a:spcPts val="0"/>
+              </a:spcBef>
+              <a:buClr>
+                <a:schemeClr val="dk1"/>
+              </a:buClr>
+              <a:buSzPct val="80000"/>
+              <a:buFont typeface="Courier New"/>
+              <a:buChar char="o"/>
+            </a:pPr>
+            <a:r>
+              <a:rPr lang="en" dirty="0">
+                <a:latin typeface="HelveticaNeueLT Pro 45 Lt" pitchFamily="34" charset="0"/>
+              </a:rPr>
+              <a:t>Open source</a:t>
+            </a:r>
+          </a:p>
+          <a:p>
+            <a:pPr marL="457200" lvl="0" indent="0">
+              <a:spcBef>
+                <a:spcPts val="0"/>
+              </a:spcBef>
+              <a:buNone/>
+            </a:pPr>
+            <a:endParaRPr dirty="0">
+              <a:latin typeface="HelveticaNeueLT Pro 45 Lt" pitchFamily="34" charset="0"/>
+            </a:endParaRPr>
           </a:p>
         </p:txBody>
       </p:sp>
       <p:pic>
         <p:nvPicPr>
-          <p:cNvPr id="135" name="Shape 135"/>
-          <p:cNvPicPr preferRelativeResize="0"/>
+          <p:cNvPr id="4" name="Picture 3"/>
+          <p:cNvPicPr>
+            <a:picLocks noChangeAspect="1"/>
+          </p:cNvPicPr>
           <p:nvPr/>
         </p:nvPicPr>
-        <p:blipFill>
-          <a:blip r:embed="rId3">
-            <a:alphaModFix/>
+        <p:blipFill rotWithShape="1">
+          <a:blip r:embed="rId4">
+            <a:extLst>
+              <a:ext uri="{28A0092B-C50C-407E-A947-70E740481C1C}">
+                <a14:useLocalDpi xmlns:a14="http://schemas.microsoft.com/office/drawing/2010/main" val="0"/>
+              </a:ext>
+            </a:extLst>
           </a:blip>
-          <a:stretch>
-            <a:fillRect/>
-          </a:stretch>
+          <a:srcRect l="3816" t="7182" r="3410" b="6626"/>
+          <a:stretch/>
         </p:blipFill>
         <p:spPr>
           <a:xfrm>
-            <a:off x="430036" y="1788087"/>
-            <a:ext cx="8283926" cy="3281824"/>
+            <a:off x="5240767" y="914400"/>
+            <a:ext cx="3524596" cy="2144684"/>
+          </a:xfrm>
+          <a:prstGeom prst="rect">
+            <a:avLst/>
+          </a:prstGeom>
+        </p:spPr>
+      </p:pic>
+      <p:sp>
+        <p:nvSpPr>
+          <p:cNvPr id="5" name="TextBox 4"/>
+          <p:cNvSpPr txBox="1"/>
+          <p:nvPr/>
+        </p:nvSpPr>
+        <p:spPr>
+          <a:xfrm>
+            <a:off x="3259056" y="6539342"/>
+            <a:ext cx="5884944" cy="307777"/>
           </a:xfrm>
           <a:prstGeom prst="rect">
             <a:avLst/>
           </a:prstGeom>
           <a:noFill/>
-          <a:ln>
-            <a:noFill/>
-          </a:ln>
-        </p:spPr>
-      </p:pic>
+        </p:spPr>
+        <p:txBody>
+          <a:bodyPr wrap="none" rtlCol="0">
+            <a:spAutoFit/>
+          </a:bodyPr>
+          <a:lstStyle/>
+          <a:p>
+            <a:r>
+              <a:rPr lang="en-US" dirty="0" smtClean="0"/>
+              <a:t>Image: </a:t>
+            </a:r>
+            <a:r>
+              <a:rPr lang="en-US" dirty="0" err="1" smtClean="0"/>
+              <a:t>Keysight</a:t>
+            </a:r>
+            <a:r>
+              <a:rPr lang="en-US" dirty="0" smtClean="0"/>
+              <a:t> Technologies, “E5071C ENA Series Network Analyzer”</a:t>
+            </a:r>
+            <a:endParaRPr lang="en-US" dirty="0"/>
+          </a:p>
+        </p:txBody>
+      </p:sp>
     </p:spTree>
   </p:cSld>
   <p:clrMapOvr>
@@ -16118,7 +16993,7 @@
   <p:cSld>
     <p:spTree>
       <p:nvGrpSpPr>
-        <p:cNvPr id="1" name="Shape 139"/>
+        <p:cNvPr id="1" name="Shape 133"/>
         <p:cNvGrpSpPr/>
         <p:nvPr/>
       </p:nvGrpSpPr>
@@ -16130,9 +17005,39 @@
           <a:chExt cx="0" cy="0"/>
         </a:xfrm>
       </p:grpSpPr>
+      <p:pic>
+        <p:nvPicPr>
+          <p:cNvPr id="4" name="Picture 3"/>
+          <p:cNvPicPr>
+            <a:picLocks noChangeAspect="1"/>
+          </p:cNvPicPr>
+          <p:nvPr/>
+        </p:nvPicPr>
+        <p:blipFill>
+          <a:blip r:embed="rId3">
+            <a:extLst>
+              <a:ext uri="{28A0092B-C50C-407E-A947-70E740481C1C}">
+                <a14:useLocalDpi xmlns:a14="http://schemas.microsoft.com/office/drawing/2010/main" val="0"/>
+              </a:ext>
+            </a:extLst>
+          </a:blip>
+          <a:stretch>
+            <a:fillRect/>
+          </a:stretch>
+        </p:blipFill>
+        <p:spPr>
+          <a:xfrm>
+            <a:off x="377" y="283"/>
+            <a:ext cx="9143245" cy="6857434"/>
+          </a:xfrm>
+          <a:prstGeom prst="rect">
+            <a:avLst/>
+          </a:prstGeom>
+        </p:spPr>
+      </p:pic>
       <p:sp>
         <p:nvSpPr>
-          <p:cNvPr id="140" name="Shape 140"/>
+          <p:cNvPr id="134" name="Shape 134"/>
           <p:cNvSpPr txBox="1">
             <a:spLocks noGrp="1"/>
           </p:cNvSpPr>
@@ -16168,42 +17073,14 @@
                 </a:solidFill>
                 <a:latin typeface="HelveticaNeueLT Pro 55 Roman" pitchFamily="34" charset="0"/>
               </a:rPr>
-              <a:t>Design — Software</a:t>
+              <a:t>Requirements</a:t>
             </a:r>
           </a:p>
         </p:txBody>
       </p:sp>
       <p:pic>
         <p:nvPicPr>
-          <p:cNvPr id="141" name="Shape 141"/>
-          <p:cNvPicPr preferRelativeResize="0"/>
-          <p:nvPr/>
-        </p:nvPicPr>
-        <p:blipFill>
-          <a:blip r:embed="rId3">
-            <a:alphaModFix/>
-          </a:blip>
-          <a:stretch>
-            <a:fillRect/>
-          </a:stretch>
-        </p:blipFill>
-        <p:spPr>
-          <a:xfrm>
-            <a:off x="1730762" y="1495425"/>
-            <a:ext cx="3152775" cy="3867150"/>
-          </a:xfrm>
-          <a:prstGeom prst="rect">
-            <a:avLst/>
-          </a:prstGeom>
-          <a:noFill/>
-          <a:ln>
-            <a:noFill/>
-          </a:ln>
-        </p:spPr>
-      </p:pic>
-      <p:pic>
-        <p:nvPicPr>
-          <p:cNvPr id="142" name="Shape 142"/>
+          <p:cNvPr id="135" name="Shape 135"/>
           <p:cNvPicPr preferRelativeResize="0"/>
           <p:nvPr/>
         </p:nvPicPr>
@@ -16217,36 +17094,8 @@
         </p:blipFill>
         <p:spPr>
           <a:xfrm>
-            <a:off x="4883537" y="1018112"/>
-            <a:ext cx="3152775" cy="2524125"/>
-          </a:xfrm>
-          <a:prstGeom prst="rect">
-            <a:avLst/>
-          </a:prstGeom>
-          <a:noFill/>
-          <a:ln>
-            <a:noFill/>
-          </a:ln>
-        </p:spPr>
-      </p:pic>
-      <p:pic>
-        <p:nvPicPr>
-          <p:cNvPr id="143" name="Shape 143"/>
-          <p:cNvPicPr preferRelativeResize="0"/>
-          <p:nvPr/>
-        </p:nvPicPr>
-        <p:blipFill>
-          <a:blip r:embed="rId5">
-            <a:alphaModFix/>
-          </a:blip>
-          <a:stretch>
-            <a:fillRect/>
-          </a:stretch>
-        </p:blipFill>
-        <p:spPr>
-          <a:xfrm>
-            <a:off x="-1" y="5440050"/>
-            <a:ext cx="3579169" cy="1417949"/>
+            <a:off x="430036" y="1788087"/>
+            <a:ext cx="8283926" cy="3281824"/>
           </a:xfrm>
           <a:prstGeom prst="rect">
             <a:avLst/>
@@ -16280,7 +17129,7 @@
   <p:cSld>
     <p:spTree>
       <p:nvGrpSpPr>
-        <p:cNvPr id="1" name="Shape 147"/>
+        <p:cNvPr id="1" name="Shape 139"/>
         <p:cNvGrpSpPr/>
         <p:nvPr/>
       </p:nvGrpSpPr>
@@ -16292,9 +17141,39 @@
           <a:chExt cx="0" cy="0"/>
         </a:xfrm>
       </p:grpSpPr>
+      <p:pic>
+        <p:nvPicPr>
+          <p:cNvPr id="2" name="Picture 1"/>
+          <p:cNvPicPr>
+            <a:picLocks noChangeAspect="1"/>
+          </p:cNvPicPr>
+          <p:nvPr/>
+        </p:nvPicPr>
+        <p:blipFill>
+          <a:blip r:embed="rId3">
+            <a:extLst>
+              <a:ext uri="{28A0092B-C50C-407E-A947-70E740481C1C}">
+                <a14:useLocalDpi xmlns:a14="http://schemas.microsoft.com/office/drawing/2010/main" val="0"/>
+              </a:ext>
+            </a:extLst>
+          </a:blip>
+          <a:stretch>
+            <a:fillRect/>
+          </a:stretch>
+        </p:blipFill>
+        <p:spPr>
+          <a:xfrm>
+            <a:off x="377" y="283"/>
+            <a:ext cx="9143245" cy="6857434"/>
+          </a:xfrm>
+          <a:prstGeom prst="rect">
+            <a:avLst/>
+          </a:prstGeom>
+        </p:spPr>
+      </p:pic>
       <p:sp>
         <p:nvSpPr>
-          <p:cNvPr id="148" name="Shape 148"/>
+          <p:cNvPr id="140" name="Shape 140"/>
           <p:cNvSpPr txBox="1">
             <a:spLocks noGrp="1"/>
           </p:cNvSpPr>
@@ -16330,41 +17209,14 @@
                 </a:solidFill>
                 <a:latin typeface="HelveticaNeueLT Pro 55 Roman" pitchFamily="34" charset="0"/>
               </a:rPr>
-              <a:t>Design — Microcontroller</a:t>
+              <a:t>Design — Software</a:t>
             </a:r>
           </a:p>
         </p:txBody>
       </p:sp>
       <p:pic>
         <p:nvPicPr>
-          <p:cNvPr id="149" name="Shape 149"/>
-          <p:cNvPicPr preferRelativeResize="0"/>
-          <p:nvPr/>
-        </p:nvPicPr>
-        <p:blipFill rotWithShape="1">
-          <a:blip r:embed="rId3">
-            <a:alphaModFix/>
-          </a:blip>
-          <a:srcRect l="5112" t="5522" r="3722" b="6003"/>
-          <a:stretch/>
-        </p:blipFill>
-        <p:spPr>
-          <a:xfrm>
-            <a:off x="5441430" y="2533338"/>
-            <a:ext cx="2683239" cy="1693888"/>
-          </a:xfrm>
-          <a:prstGeom prst="rect">
-            <a:avLst/>
-          </a:prstGeom>
-          <a:noFill/>
-          <a:ln>
-            <a:noFill/>
-          </a:ln>
-        </p:spPr>
-      </p:pic>
-      <p:pic>
-        <p:nvPicPr>
-          <p:cNvPr id="150" name="Shape 150"/>
+          <p:cNvPr id="141" name="Shape 141"/>
           <p:cNvPicPr preferRelativeResize="0"/>
           <p:nvPr/>
         </p:nvPicPr>
@@ -16378,8 +17230,8 @@
         </p:blipFill>
         <p:spPr>
           <a:xfrm>
-            <a:off x="0" y="5437475"/>
-            <a:ext cx="3585649" cy="1420524"/>
+            <a:off x="1730762" y="1495425"/>
+            <a:ext cx="3152775" cy="3867150"/>
           </a:xfrm>
           <a:prstGeom prst="rect">
             <a:avLst/>
@@ -16392,7 +17244,7 @@
       </p:pic>
       <p:pic>
         <p:nvPicPr>
-          <p:cNvPr id="151" name="Shape 151"/>
+          <p:cNvPr id="142" name="Shape 142"/>
           <p:cNvPicPr preferRelativeResize="0"/>
           <p:nvPr/>
         </p:nvPicPr>
@@ -16406,8 +17258,36 @@
         </p:blipFill>
         <p:spPr>
           <a:xfrm>
-            <a:off x="457200" y="1833262"/>
-            <a:ext cx="3838700" cy="3103300"/>
+            <a:off x="4883537" y="1018112"/>
+            <a:ext cx="3152775" cy="2524125"/>
+          </a:xfrm>
+          <a:prstGeom prst="rect">
+            <a:avLst/>
+          </a:prstGeom>
+          <a:noFill/>
+          <a:ln>
+            <a:noFill/>
+          </a:ln>
+        </p:spPr>
+      </p:pic>
+      <p:pic>
+        <p:nvPicPr>
+          <p:cNvPr id="143" name="Shape 143"/>
+          <p:cNvPicPr preferRelativeResize="0"/>
+          <p:nvPr/>
+        </p:nvPicPr>
+        <p:blipFill>
+          <a:blip r:embed="rId6">
+            <a:alphaModFix/>
+          </a:blip>
+          <a:stretch>
+            <a:fillRect/>
+          </a:stretch>
+        </p:blipFill>
+        <p:spPr>
+          <a:xfrm>
+            <a:off x="5564831" y="5439768"/>
+            <a:ext cx="3579169" cy="1417949"/>
           </a:xfrm>
           <a:prstGeom prst="rect">
             <a:avLst/>
@@ -16441,7 +17321,7 @@
   <p:cSld>
     <p:spTree>
       <p:nvGrpSpPr>
-        <p:cNvPr id="1" name="Shape 155"/>
+        <p:cNvPr id="1" name="Shape 147"/>
         <p:cNvGrpSpPr/>
         <p:nvPr/>
       </p:nvGrpSpPr>
@@ -16453,9 +17333,39 @@
           <a:chExt cx="0" cy="0"/>
         </a:xfrm>
       </p:grpSpPr>
+      <p:pic>
+        <p:nvPicPr>
+          <p:cNvPr id="6" name="Picture 5"/>
+          <p:cNvPicPr>
+            <a:picLocks noChangeAspect="1"/>
+          </p:cNvPicPr>
+          <p:nvPr/>
+        </p:nvPicPr>
+        <p:blipFill>
+          <a:blip r:embed="rId3">
+            <a:extLst>
+              <a:ext uri="{28A0092B-C50C-407E-A947-70E740481C1C}">
+                <a14:useLocalDpi xmlns:a14="http://schemas.microsoft.com/office/drawing/2010/main" val="0"/>
+              </a:ext>
+            </a:extLst>
+          </a:blip>
+          <a:stretch>
+            <a:fillRect/>
+          </a:stretch>
+        </p:blipFill>
+        <p:spPr>
+          <a:xfrm>
+            <a:off x="377" y="283"/>
+            <a:ext cx="9143245" cy="6857434"/>
+          </a:xfrm>
+          <a:prstGeom prst="rect">
+            <a:avLst/>
+          </a:prstGeom>
+        </p:spPr>
+      </p:pic>
       <p:sp>
         <p:nvSpPr>
-          <p:cNvPr id="156" name="Shape 156"/>
+          <p:cNvPr id="148" name="Shape 148"/>
           <p:cNvSpPr txBox="1">
             <a:spLocks noGrp="1"/>
           </p:cNvSpPr>
@@ -16491,42 +17401,14 @@
                 </a:solidFill>
                 <a:latin typeface="HelveticaNeueLT Pro 55 Roman" pitchFamily="34" charset="0"/>
               </a:rPr>
-              <a:t>Design — Signal Generation</a:t>
+              <a:t>Design — Microcontroller</a:t>
             </a:r>
           </a:p>
         </p:txBody>
       </p:sp>
       <p:pic>
         <p:nvPicPr>
-          <p:cNvPr id="157" name="Shape 157"/>
-          <p:cNvPicPr preferRelativeResize="0"/>
-          <p:nvPr/>
-        </p:nvPicPr>
-        <p:blipFill>
-          <a:blip r:embed="rId3">
-            <a:alphaModFix/>
-          </a:blip>
-          <a:stretch>
-            <a:fillRect/>
-          </a:stretch>
-        </p:blipFill>
-        <p:spPr>
-          <a:xfrm>
-            <a:off x="6273150" y="4880025"/>
-            <a:ext cx="2552901" cy="1753674"/>
-          </a:xfrm>
-          <a:prstGeom prst="rect">
-            <a:avLst/>
-          </a:prstGeom>
-          <a:noFill/>
-          <a:ln>
-            <a:noFill/>
-          </a:ln>
-        </p:spPr>
-      </p:pic>
-      <p:pic>
-        <p:nvPicPr>
-          <p:cNvPr id="158" name="Shape 158"/>
+          <p:cNvPr id="149" name="Shape 149"/>
           <p:cNvPicPr preferRelativeResize="0"/>
           <p:nvPr/>
         </p:nvPicPr>
@@ -16534,13 +17416,13 @@
           <a:blip r:embed="rId4">
             <a:alphaModFix/>
           </a:blip>
-          <a:srcRect l="17382" t="4594" r="16697" b="4594"/>
+          <a:srcRect l="5112" t="5522" r="3722" b="6003"/>
           <a:stretch/>
         </p:blipFill>
         <p:spPr>
           <a:xfrm>
-            <a:off x="3682012" y="4802854"/>
-            <a:ext cx="2471551" cy="1908069"/>
+            <a:off x="5441430" y="2533338"/>
+            <a:ext cx="2683239" cy="1693888"/>
           </a:xfrm>
           <a:prstGeom prst="rect">
             <a:avLst/>
@@ -16553,7 +17435,7 @@
       </p:pic>
       <p:pic>
         <p:nvPicPr>
-          <p:cNvPr id="159" name="Shape 159"/>
+          <p:cNvPr id="150" name="Shape 150"/>
           <p:cNvPicPr preferRelativeResize="0"/>
           <p:nvPr/>
         </p:nvPicPr>
@@ -16567,8 +17449,8 @@
         </p:blipFill>
         <p:spPr>
           <a:xfrm>
-            <a:off x="1735725" y="1559987"/>
-            <a:ext cx="5672549" cy="3100800"/>
+            <a:off x="5557973" y="5437476"/>
+            <a:ext cx="3585649" cy="1420524"/>
           </a:xfrm>
           <a:prstGeom prst="rect">
             <a:avLst/>
@@ -16581,7 +17463,7 @@
       </p:pic>
       <p:pic>
         <p:nvPicPr>
-          <p:cNvPr id="160" name="Shape 160"/>
+          <p:cNvPr id="151" name="Shape 151"/>
           <p:cNvPicPr preferRelativeResize="0"/>
           <p:nvPr/>
         </p:nvPicPr>
@@ -16595,8 +17477,8 @@
         </p:blipFill>
         <p:spPr>
           <a:xfrm>
-            <a:off x="0" y="5446673"/>
-            <a:ext cx="3562450" cy="1411327"/>
+            <a:off x="457200" y="1833262"/>
+            <a:ext cx="3838700" cy="3103300"/>
           </a:xfrm>
           <a:prstGeom prst="rect">
             <a:avLst/>
